--- a/Document/Wireframe.pptx
+++ b/Document/Wireframe.pptx
@@ -267,7 +267,7 @@
           <a:p>
             <a:fld id="{DB2DEBA8-F55D-44A4-AB57-279B0C7BB628}" type="datetimeFigureOut">
               <a:rPr lang="ko-KR" altLang="en-US" smtClean="0"/>
-              <a:t>2024-10-15</a:t>
+              <a:t>2024-10-16</a:t>
             </a:fld>
             <a:endParaRPr lang="ko-KR" altLang="en-US"/>
           </a:p>
@@ -465,7 +465,7 @@
           <a:p>
             <a:fld id="{DB2DEBA8-F55D-44A4-AB57-279B0C7BB628}" type="datetimeFigureOut">
               <a:rPr lang="ko-KR" altLang="en-US" smtClean="0"/>
-              <a:t>2024-10-15</a:t>
+              <a:t>2024-10-16</a:t>
             </a:fld>
             <a:endParaRPr lang="ko-KR" altLang="en-US"/>
           </a:p>
@@ -673,7 +673,7 @@
           <a:p>
             <a:fld id="{DB2DEBA8-F55D-44A4-AB57-279B0C7BB628}" type="datetimeFigureOut">
               <a:rPr lang="ko-KR" altLang="en-US" smtClean="0"/>
-              <a:t>2024-10-15</a:t>
+              <a:t>2024-10-16</a:t>
             </a:fld>
             <a:endParaRPr lang="ko-KR" altLang="en-US"/>
           </a:p>
@@ -871,7 +871,7 @@
           <a:p>
             <a:fld id="{DB2DEBA8-F55D-44A4-AB57-279B0C7BB628}" type="datetimeFigureOut">
               <a:rPr lang="ko-KR" altLang="en-US" smtClean="0"/>
-              <a:t>2024-10-15</a:t>
+              <a:t>2024-10-16</a:t>
             </a:fld>
             <a:endParaRPr lang="ko-KR" altLang="en-US"/>
           </a:p>
@@ -1146,7 +1146,7 @@
           <a:p>
             <a:fld id="{DB2DEBA8-F55D-44A4-AB57-279B0C7BB628}" type="datetimeFigureOut">
               <a:rPr lang="ko-KR" altLang="en-US" smtClean="0"/>
-              <a:t>2024-10-15</a:t>
+              <a:t>2024-10-16</a:t>
             </a:fld>
             <a:endParaRPr lang="ko-KR" altLang="en-US"/>
           </a:p>
@@ -1411,7 +1411,7 @@
           <a:p>
             <a:fld id="{DB2DEBA8-F55D-44A4-AB57-279B0C7BB628}" type="datetimeFigureOut">
               <a:rPr lang="ko-KR" altLang="en-US" smtClean="0"/>
-              <a:t>2024-10-15</a:t>
+              <a:t>2024-10-16</a:t>
             </a:fld>
             <a:endParaRPr lang="ko-KR" altLang="en-US"/>
           </a:p>
@@ -1823,7 +1823,7 @@
           <a:p>
             <a:fld id="{DB2DEBA8-F55D-44A4-AB57-279B0C7BB628}" type="datetimeFigureOut">
               <a:rPr lang="ko-KR" altLang="en-US" smtClean="0"/>
-              <a:t>2024-10-15</a:t>
+              <a:t>2024-10-16</a:t>
             </a:fld>
             <a:endParaRPr lang="ko-KR" altLang="en-US"/>
           </a:p>
@@ -1964,7 +1964,7 @@
           <a:p>
             <a:fld id="{DB2DEBA8-F55D-44A4-AB57-279B0C7BB628}" type="datetimeFigureOut">
               <a:rPr lang="ko-KR" altLang="en-US" smtClean="0"/>
-              <a:t>2024-10-15</a:t>
+              <a:t>2024-10-16</a:t>
             </a:fld>
             <a:endParaRPr lang="ko-KR" altLang="en-US"/>
           </a:p>
@@ -2077,7 +2077,7 @@
           <a:p>
             <a:fld id="{DB2DEBA8-F55D-44A4-AB57-279B0C7BB628}" type="datetimeFigureOut">
               <a:rPr lang="ko-KR" altLang="en-US" smtClean="0"/>
-              <a:t>2024-10-15</a:t>
+              <a:t>2024-10-16</a:t>
             </a:fld>
             <a:endParaRPr lang="ko-KR" altLang="en-US"/>
           </a:p>
@@ -2388,7 +2388,7 @@
           <a:p>
             <a:fld id="{DB2DEBA8-F55D-44A4-AB57-279B0C7BB628}" type="datetimeFigureOut">
               <a:rPr lang="ko-KR" altLang="en-US" smtClean="0"/>
-              <a:t>2024-10-15</a:t>
+              <a:t>2024-10-16</a:t>
             </a:fld>
             <a:endParaRPr lang="ko-KR" altLang="en-US"/>
           </a:p>
@@ -2676,7 +2676,7 @@
           <a:p>
             <a:fld id="{DB2DEBA8-F55D-44A4-AB57-279B0C7BB628}" type="datetimeFigureOut">
               <a:rPr lang="ko-KR" altLang="en-US" smtClean="0"/>
-              <a:t>2024-10-15</a:t>
+              <a:t>2024-10-16</a:t>
             </a:fld>
             <a:endParaRPr lang="ko-KR" altLang="en-US"/>
           </a:p>
@@ -2917,7 +2917,7 @@
           <a:p>
             <a:fld id="{DB2DEBA8-F55D-44A4-AB57-279B0C7BB628}" type="datetimeFigureOut">
               <a:rPr lang="ko-KR" altLang="en-US" smtClean="0"/>
-              <a:t>2024-10-15</a:t>
+              <a:t>2024-10-16</a:t>
             </a:fld>
             <a:endParaRPr lang="ko-KR" altLang="en-US"/>
           </a:p>
@@ -4385,7 +4385,7 @@
           <a:lstStyle/>
           <a:p>
             <a:r>
-              <a:rPr lang="ko-KR" altLang="en-US"/>
+              <a:rPr lang="ko-KR" altLang="en-US" dirty="0" err="1"/>
               <a:t>창모드</a:t>
             </a:r>
             <a:endParaRPr lang="ko-KR" altLang="en-US" dirty="0"/>
@@ -4421,10 +4421,9 @@
           <a:lstStyle/>
           <a:p>
             <a:r>
-              <a:rPr lang="ko-KR" altLang="en-US"/>
+              <a:rPr lang="ko-KR" altLang="en-US" dirty="0"/>
               <a:t>전체화면</a:t>
             </a:r>
-            <a:endParaRPr lang="ko-KR" altLang="en-US" dirty="0"/>
           </a:p>
         </p:txBody>
       </p:sp>
@@ -7380,9 +7379,9 @@
         <p:grpSpPr>
           <a:xfrm>
             <a:off x="2909887" y="984812"/>
-            <a:ext cx="6372225" cy="3718473"/>
+            <a:ext cx="6372225" cy="3903731"/>
             <a:chOff x="2909887" y="91527"/>
-            <a:chExt cx="6372225" cy="3718473"/>
+            <a:chExt cx="6372225" cy="3903731"/>
           </a:xfrm>
         </p:grpSpPr>
         <p:sp>
@@ -7400,7 +7399,7 @@
           <p:spPr>
             <a:xfrm>
               <a:off x="2909887" y="1717712"/>
-              <a:ext cx="6372225" cy="2092288"/>
+              <a:ext cx="6372225" cy="2277546"/>
             </a:xfrm>
             <a:prstGeom prst="roundRect">
               <a:avLst>
@@ -8011,41 +8010,6 @@
           <p:spPr>
             <a:xfrm>
               <a:off x="5602114" y="2517951"/>
-              <a:ext cx="864019" cy="184666"/>
-            </a:xfrm>
-            <a:prstGeom prst="rect">
-              <a:avLst/>
-            </a:prstGeom>
-            <a:noFill/>
-          </p:spPr>
-          <p:txBody>
-            <a:bodyPr wrap="none" lIns="0" tIns="0" rIns="0" bIns="0" rtlCol="0" anchor="ctr">
-              <a:spAutoFit/>
-            </a:bodyPr>
-            <a:lstStyle/>
-            <a:p>
-              <a:r>
-                <a:rPr lang="en-US" altLang="ko-KR" sz="1200" b="1" dirty="0"/>
-                <a:t>X 1,000,000</a:t>
-              </a:r>
-            </a:p>
-          </p:txBody>
-        </p:sp>
-        <p:sp>
-          <p:nvSpPr>
-            <p:cNvPr id="26" name="TextBox 25">
-              <a:extLst>
-                <a:ext uri="{FF2B5EF4-FFF2-40B4-BE49-F238E27FC236}">
-                  <a16:creationId xmlns:a16="http://schemas.microsoft.com/office/drawing/2014/main" id="{BD5DF677-746D-880D-568E-2FF1FDDD6DF6}"/>
-                </a:ext>
-              </a:extLst>
-            </p:cNvPr>
-            <p:cNvSpPr txBox="1"/>
-            <p:nvPr/>
-          </p:nvSpPr>
-          <p:spPr>
-            <a:xfrm>
-              <a:off x="5602114" y="2800030"/>
               <a:ext cx="734175" cy="184666"/>
             </a:xfrm>
             <a:prstGeom prst="rect">
@@ -8068,66 +8032,10 @@
         </p:sp>
         <p:sp>
           <p:nvSpPr>
-            <p:cNvPr id="42" name="직사각형 41">
+            <p:cNvPr id="26" name="TextBox 25">
               <a:extLst>
                 <a:ext uri="{FF2B5EF4-FFF2-40B4-BE49-F238E27FC236}">
-                  <a16:creationId xmlns:a16="http://schemas.microsoft.com/office/drawing/2014/main" id="{47B6DD6F-EA5E-533F-A7BA-EC2AFBC7CC77}"/>
-                </a:ext>
-              </a:extLst>
-            </p:cNvPr>
-            <p:cNvSpPr/>
-            <p:nvPr/>
-          </p:nvSpPr>
-          <p:spPr>
-            <a:xfrm>
-              <a:off x="3252741" y="3135208"/>
-              <a:ext cx="349600" cy="349600"/>
-            </a:xfrm>
-            <a:prstGeom prst="rect">
-              <a:avLst/>
-            </a:prstGeom>
-            <a:solidFill>
-              <a:schemeClr val="bg1">
-                <a:lumMod val="85000"/>
-              </a:schemeClr>
-            </a:solidFill>
-            <a:ln>
-              <a:solidFill>
-                <a:schemeClr val="tx1"/>
-              </a:solidFill>
-            </a:ln>
-          </p:spPr>
-          <p:style>
-            <a:lnRef idx="2">
-              <a:schemeClr val="accent1">
-                <a:shade val="15000"/>
-              </a:schemeClr>
-            </a:lnRef>
-            <a:fillRef idx="1">
-              <a:schemeClr val="accent1"/>
-            </a:fillRef>
-            <a:effectRef idx="0">
-              <a:schemeClr val="accent1"/>
-            </a:effectRef>
-            <a:fontRef idx="minor">
-              <a:schemeClr val="lt1"/>
-            </a:fontRef>
-          </p:style>
-          <p:txBody>
-            <a:bodyPr rtlCol="0" anchor="ctr"/>
-            <a:lstStyle/>
-            <a:p>
-              <a:pPr algn="ctr"/>
-              <a:endParaRPr lang="ko-KR" altLang="en-US" dirty="0"/>
-            </a:p>
-          </p:txBody>
-        </p:sp>
-        <p:sp>
-          <p:nvSpPr>
-            <p:cNvPr id="43" name="TextBox 42">
-              <a:extLst>
-                <a:ext uri="{FF2B5EF4-FFF2-40B4-BE49-F238E27FC236}">
-                  <a16:creationId xmlns:a16="http://schemas.microsoft.com/office/drawing/2014/main" id="{A5E21058-BF06-6275-7A7A-00FDD915B2B8}"/>
+                  <a16:creationId xmlns:a16="http://schemas.microsoft.com/office/drawing/2014/main" id="{BD5DF677-746D-880D-568E-2FF1FDDD6DF6}"/>
                 </a:ext>
               </a:extLst>
             </p:cNvPr>
@@ -8136,321 +8044,7 @@
           </p:nvSpPr>
           <p:spPr>
             <a:xfrm>
-              <a:off x="3388956" y="3351281"/>
-              <a:ext cx="312586" cy="215444"/>
-            </a:xfrm>
-            <a:prstGeom prst="rect">
-              <a:avLst/>
-            </a:prstGeom>
-            <a:noFill/>
-          </p:spPr>
-          <p:txBody>
-            <a:bodyPr wrap="none" lIns="0" tIns="0" rIns="0" bIns="0" rtlCol="0" anchor="ctr">
-              <a:spAutoFit/>
-            </a:bodyPr>
-            <a:lstStyle/>
-            <a:p>
-              <a:r>
-                <a:rPr lang="en-US" altLang="ko-KR" sz="1400" b="1" dirty="0">
-                  <a:ln w="12700">
-                    <a:solidFill>
-                      <a:schemeClr val="tx1"/>
-                    </a:solidFill>
-                  </a:ln>
-                  <a:solidFill>
-                    <a:schemeClr val="bg1"/>
-                  </a:solidFill>
-                </a:rPr>
-                <a:t>100</a:t>
-              </a:r>
-            </a:p>
-          </p:txBody>
-        </p:sp>
-        <p:sp>
-          <p:nvSpPr>
-            <p:cNvPr id="55" name="TextBox 54">
-              <a:extLst>
-                <a:ext uri="{FF2B5EF4-FFF2-40B4-BE49-F238E27FC236}">
-                  <a16:creationId xmlns:a16="http://schemas.microsoft.com/office/drawing/2014/main" id="{05F665DA-B1DD-CC44-4153-5D65C384CE75}"/>
-                </a:ext>
-              </a:extLst>
-            </p:cNvPr>
-            <p:cNvSpPr txBox="1"/>
-            <p:nvPr/>
-          </p:nvSpPr>
-          <p:spPr>
-            <a:xfrm>
-              <a:off x="3837757" y="3269085"/>
-              <a:ext cx="424796" cy="184666"/>
-            </a:xfrm>
-            <a:prstGeom prst="rect">
-              <a:avLst/>
-            </a:prstGeom>
-            <a:noFill/>
-          </p:spPr>
-          <p:txBody>
-            <a:bodyPr wrap="none" lIns="0" tIns="0" rIns="0" bIns="0" rtlCol="0" anchor="ctr">
-              <a:spAutoFit/>
-            </a:bodyPr>
-            <a:lstStyle/>
-            <a:p>
-              <a:r>
-                <a:rPr lang="en-US" altLang="ko-KR" sz="1200" b="1" dirty="0"/>
-                <a:t>X 100</a:t>
-              </a:r>
-            </a:p>
-          </p:txBody>
-        </p:sp>
-        <p:sp>
-          <p:nvSpPr>
-            <p:cNvPr id="60" name="직사각형 59">
-              <a:extLst>
-                <a:ext uri="{FF2B5EF4-FFF2-40B4-BE49-F238E27FC236}">
-                  <a16:creationId xmlns:a16="http://schemas.microsoft.com/office/drawing/2014/main" id="{52F2AEDF-A007-4048-2E9B-02AAF865E66A}"/>
-                </a:ext>
-              </a:extLst>
-            </p:cNvPr>
-            <p:cNvSpPr/>
-            <p:nvPr/>
-          </p:nvSpPr>
-          <p:spPr>
-            <a:xfrm>
-              <a:off x="4588410" y="3135208"/>
-              <a:ext cx="349600" cy="349600"/>
-            </a:xfrm>
-            <a:prstGeom prst="rect">
-              <a:avLst/>
-            </a:prstGeom>
-            <a:solidFill>
-              <a:schemeClr val="bg1">
-                <a:lumMod val="85000"/>
-              </a:schemeClr>
-            </a:solidFill>
-            <a:ln>
-              <a:solidFill>
-                <a:schemeClr val="tx1"/>
-              </a:solidFill>
-            </a:ln>
-          </p:spPr>
-          <p:style>
-            <a:lnRef idx="2">
-              <a:schemeClr val="accent1">
-                <a:shade val="15000"/>
-              </a:schemeClr>
-            </a:lnRef>
-            <a:fillRef idx="1">
-              <a:schemeClr val="accent1"/>
-            </a:fillRef>
-            <a:effectRef idx="0">
-              <a:schemeClr val="accent1"/>
-            </a:effectRef>
-            <a:fontRef idx="minor">
-              <a:schemeClr val="lt1"/>
-            </a:fontRef>
-          </p:style>
-          <p:txBody>
-            <a:bodyPr rtlCol="0" anchor="ctr"/>
-            <a:lstStyle/>
-            <a:p>
-              <a:pPr algn="ctr"/>
-              <a:endParaRPr lang="ko-KR" altLang="en-US" dirty="0"/>
-            </a:p>
-          </p:txBody>
-        </p:sp>
-        <p:sp>
-          <p:nvSpPr>
-            <p:cNvPr id="61" name="TextBox 60">
-              <a:extLst>
-                <a:ext uri="{FF2B5EF4-FFF2-40B4-BE49-F238E27FC236}">
-                  <a16:creationId xmlns:a16="http://schemas.microsoft.com/office/drawing/2014/main" id="{FB51EDBE-6EBD-780A-D180-F11674B59A20}"/>
-                </a:ext>
-              </a:extLst>
-            </p:cNvPr>
-            <p:cNvSpPr txBox="1"/>
-            <p:nvPr/>
-          </p:nvSpPr>
-          <p:spPr>
-            <a:xfrm>
-              <a:off x="4724625" y="3351281"/>
-              <a:ext cx="312586" cy="215444"/>
-            </a:xfrm>
-            <a:prstGeom prst="rect">
-              <a:avLst/>
-            </a:prstGeom>
-            <a:noFill/>
-          </p:spPr>
-          <p:txBody>
-            <a:bodyPr wrap="none" lIns="0" tIns="0" rIns="0" bIns="0" rtlCol="0" anchor="ctr">
-              <a:spAutoFit/>
-            </a:bodyPr>
-            <a:lstStyle/>
-            <a:p>
-              <a:r>
-                <a:rPr lang="en-US" altLang="ko-KR" sz="1400" b="1" dirty="0">
-                  <a:ln w="12700">
-                    <a:solidFill>
-                      <a:schemeClr val="tx1"/>
-                    </a:solidFill>
-                  </a:ln>
-                  <a:solidFill>
-                    <a:schemeClr val="bg1"/>
-                  </a:solidFill>
-                </a:rPr>
-                <a:t>100</a:t>
-              </a:r>
-            </a:p>
-          </p:txBody>
-        </p:sp>
-        <p:sp>
-          <p:nvSpPr>
-            <p:cNvPr id="62" name="TextBox 61">
-              <a:extLst>
-                <a:ext uri="{FF2B5EF4-FFF2-40B4-BE49-F238E27FC236}">
-                  <a16:creationId xmlns:a16="http://schemas.microsoft.com/office/drawing/2014/main" id="{12DA8337-8F5D-7261-550B-D11E27D832E2}"/>
-                </a:ext>
-              </a:extLst>
-            </p:cNvPr>
-            <p:cNvSpPr txBox="1"/>
-            <p:nvPr/>
-          </p:nvSpPr>
-          <p:spPr>
-            <a:xfrm>
-              <a:off x="5173426" y="3269085"/>
-              <a:ext cx="554639" cy="184666"/>
-            </a:xfrm>
-            <a:prstGeom prst="rect">
-              <a:avLst/>
-            </a:prstGeom>
-            <a:noFill/>
-          </p:spPr>
-          <p:txBody>
-            <a:bodyPr wrap="none" lIns="0" tIns="0" rIns="0" bIns="0" rtlCol="0" anchor="ctr">
-              <a:spAutoFit/>
-            </a:bodyPr>
-            <a:lstStyle/>
-            <a:p>
-              <a:r>
-                <a:rPr lang="en-US" altLang="ko-KR" sz="1200" b="1" dirty="0"/>
-                <a:t>X 1,000</a:t>
-              </a:r>
-            </a:p>
-          </p:txBody>
-        </p:sp>
-        <p:sp>
-          <p:nvSpPr>
-            <p:cNvPr id="63" name="직사각형 62">
-              <a:extLst>
-                <a:ext uri="{FF2B5EF4-FFF2-40B4-BE49-F238E27FC236}">
-                  <a16:creationId xmlns:a16="http://schemas.microsoft.com/office/drawing/2014/main" id="{3430BFF4-8637-1CDC-7E4F-5FC0B7468BE0}"/>
-                </a:ext>
-              </a:extLst>
-            </p:cNvPr>
-            <p:cNvSpPr/>
-            <p:nvPr/>
-          </p:nvSpPr>
-          <p:spPr>
-            <a:xfrm>
-              <a:off x="5969338" y="3135208"/>
-              <a:ext cx="349600" cy="349600"/>
-            </a:xfrm>
-            <a:prstGeom prst="rect">
-              <a:avLst/>
-            </a:prstGeom>
-            <a:solidFill>
-              <a:schemeClr val="bg1">
-                <a:lumMod val="85000"/>
-              </a:schemeClr>
-            </a:solidFill>
-            <a:ln>
-              <a:solidFill>
-                <a:schemeClr val="tx1"/>
-              </a:solidFill>
-            </a:ln>
-          </p:spPr>
-          <p:style>
-            <a:lnRef idx="2">
-              <a:schemeClr val="accent1">
-                <a:shade val="15000"/>
-              </a:schemeClr>
-            </a:lnRef>
-            <a:fillRef idx="1">
-              <a:schemeClr val="accent1"/>
-            </a:fillRef>
-            <a:effectRef idx="0">
-              <a:schemeClr val="accent1"/>
-            </a:effectRef>
-            <a:fontRef idx="minor">
-              <a:schemeClr val="lt1"/>
-            </a:fontRef>
-          </p:style>
-          <p:txBody>
-            <a:bodyPr rtlCol="0" anchor="ctr"/>
-            <a:lstStyle/>
-            <a:p>
-              <a:pPr algn="ctr"/>
-              <a:endParaRPr lang="ko-KR" altLang="en-US" dirty="0"/>
-            </a:p>
-          </p:txBody>
-        </p:sp>
-        <p:sp>
-          <p:nvSpPr>
-            <p:cNvPr id="64" name="TextBox 63">
-              <a:extLst>
-                <a:ext uri="{FF2B5EF4-FFF2-40B4-BE49-F238E27FC236}">
-                  <a16:creationId xmlns:a16="http://schemas.microsoft.com/office/drawing/2014/main" id="{E752870E-AF4B-86B0-25D3-9FF55D71F079}"/>
-                </a:ext>
-              </a:extLst>
-            </p:cNvPr>
-            <p:cNvSpPr txBox="1"/>
-            <p:nvPr/>
-          </p:nvSpPr>
-          <p:spPr>
-            <a:xfrm>
-              <a:off x="6105553" y="3351281"/>
-              <a:ext cx="312586" cy="215444"/>
-            </a:xfrm>
-            <a:prstGeom prst="rect">
-              <a:avLst/>
-            </a:prstGeom>
-            <a:noFill/>
-          </p:spPr>
-          <p:txBody>
-            <a:bodyPr wrap="none" lIns="0" tIns="0" rIns="0" bIns="0" rtlCol="0" anchor="ctr">
-              <a:spAutoFit/>
-            </a:bodyPr>
-            <a:lstStyle/>
-            <a:p>
-              <a:r>
-                <a:rPr lang="en-US" altLang="ko-KR" sz="1400" b="1" dirty="0">
-                  <a:ln w="12700">
-                    <a:solidFill>
-                      <a:schemeClr val="tx1"/>
-                    </a:solidFill>
-                  </a:ln>
-                  <a:solidFill>
-                    <a:schemeClr val="bg1"/>
-                  </a:solidFill>
-                </a:rPr>
-                <a:t>100</a:t>
-              </a:r>
-            </a:p>
-          </p:txBody>
-        </p:sp>
-        <p:sp>
-          <p:nvSpPr>
-            <p:cNvPr id="65" name="TextBox 64">
-              <a:extLst>
-                <a:ext uri="{FF2B5EF4-FFF2-40B4-BE49-F238E27FC236}">
-                  <a16:creationId xmlns:a16="http://schemas.microsoft.com/office/drawing/2014/main" id="{5DAFDD8B-EE93-F945-1991-2A3C4AFD3703}"/>
-                </a:ext>
-              </a:extLst>
-            </p:cNvPr>
-            <p:cNvSpPr txBox="1"/>
-            <p:nvPr/>
-          </p:nvSpPr>
-          <p:spPr>
-            <a:xfrm>
-              <a:off x="6554354" y="3269085"/>
+              <a:off x="5602114" y="2800030"/>
               <a:ext cx="644407" cy="184666"/>
             </a:xfrm>
             <a:prstGeom prst="rect">
@@ -8485,7 +8079,7 @@
           </p:nvSpPr>
           <p:spPr>
             <a:xfrm>
-              <a:off x="7502326" y="2984696"/>
+              <a:off x="3944711" y="3162364"/>
               <a:ext cx="553998" cy="553998"/>
             </a:xfrm>
             <a:prstGeom prst="rect">
@@ -8541,7 +8135,7 @@
           </p:nvSpPr>
           <p:spPr>
             <a:xfrm>
-              <a:off x="8138778" y="3051065"/>
+              <a:off x="4581163" y="3228733"/>
               <a:ext cx="444032" cy="184666"/>
             </a:xfrm>
             <a:prstGeom prst="rect">
@@ -8576,8 +8170,8 @@
           </p:nvSpPr>
           <p:spPr>
             <a:xfrm>
-              <a:off x="8138062" y="3269085"/>
-              <a:ext cx="953787" cy="184666"/>
+              <a:off x="4580447" y="3446753"/>
+              <a:ext cx="734175" cy="184666"/>
             </a:xfrm>
             <a:prstGeom prst="rect">
               <a:avLst/>
@@ -8592,7 +8186,7 @@
             <a:p>
               <a:r>
                 <a:rPr lang="en-US" altLang="ko-KR" sz="1200" b="1" dirty="0"/>
-                <a:t>X 10,000,000</a:t>
+                <a:t>X 100,000</a:t>
               </a:r>
             </a:p>
           </p:txBody>
@@ -8652,6 +8246,336 @@
                   </a:schemeClr>
                 </a:solidFill>
               </a:endParaRPr>
+            </a:p>
+          </p:txBody>
+        </p:sp>
+        <p:sp>
+          <p:nvSpPr>
+            <p:cNvPr id="27" name="직사각형 26">
+              <a:extLst>
+                <a:ext uri="{FF2B5EF4-FFF2-40B4-BE49-F238E27FC236}">
+                  <a16:creationId xmlns:a16="http://schemas.microsoft.com/office/drawing/2014/main" id="{6A247483-B2B1-A5B3-4847-64C8D1709754}"/>
+                </a:ext>
+              </a:extLst>
+            </p:cNvPr>
+            <p:cNvSpPr/>
+            <p:nvPr/>
+          </p:nvSpPr>
+          <p:spPr>
+            <a:xfrm>
+              <a:off x="5671189" y="3162364"/>
+              <a:ext cx="553998" cy="553998"/>
+            </a:xfrm>
+            <a:prstGeom prst="rect">
+              <a:avLst/>
+            </a:prstGeom>
+            <a:solidFill>
+              <a:schemeClr val="bg1">
+                <a:lumMod val="85000"/>
+              </a:schemeClr>
+            </a:solidFill>
+            <a:ln>
+              <a:solidFill>
+                <a:schemeClr val="tx1"/>
+              </a:solidFill>
+            </a:ln>
+          </p:spPr>
+          <p:style>
+            <a:lnRef idx="2">
+              <a:schemeClr val="accent1">
+                <a:shade val="15000"/>
+              </a:schemeClr>
+            </a:lnRef>
+            <a:fillRef idx="1">
+              <a:schemeClr val="accent1"/>
+            </a:fillRef>
+            <a:effectRef idx="0">
+              <a:schemeClr val="accent1"/>
+            </a:effectRef>
+            <a:fontRef idx="minor">
+              <a:schemeClr val="lt1"/>
+            </a:fontRef>
+          </p:style>
+          <p:txBody>
+            <a:bodyPr rtlCol="0" anchor="ctr"/>
+            <a:lstStyle/>
+            <a:p>
+              <a:pPr algn="ctr"/>
+              <a:endParaRPr lang="ko-KR" altLang="en-US" dirty="0"/>
+            </a:p>
+          </p:txBody>
+        </p:sp>
+        <p:sp>
+          <p:nvSpPr>
+            <p:cNvPr id="29" name="TextBox 28">
+              <a:extLst>
+                <a:ext uri="{FF2B5EF4-FFF2-40B4-BE49-F238E27FC236}">
+                  <a16:creationId xmlns:a16="http://schemas.microsoft.com/office/drawing/2014/main" id="{3DF70E83-2D59-A4A0-5A51-CFD03852AB7B}"/>
+                </a:ext>
+              </a:extLst>
+            </p:cNvPr>
+            <p:cNvSpPr txBox="1"/>
+            <p:nvPr/>
+          </p:nvSpPr>
+          <p:spPr>
+            <a:xfrm>
+              <a:off x="6307641" y="3228733"/>
+              <a:ext cx="444032" cy="184666"/>
+            </a:xfrm>
+            <a:prstGeom prst="rect">
+              <a:avLst/>
+            </a:prstGeom>
+            <a:noFill/>
+          </p:spPr>
+          <p:txBody>
+            <a:bodyPr wrap="none" lIns="0" tIns="0" rIns="0" bIns="0" rtlCol="0" anchor="ctr">
+              <a:spAutoFit/>
+            </a:bodyPr>
+            <a:lstStyle/>
+            <a:p>
+              <a:r>
+                <a:rPr lang="en-US" altLang="ko-KR" sz="1200" b="1" dirty="0"/>
+                <a:t>88.8%</a:t>
+              </a:r>
+            </a:p>
+          </p:txBody>
+        </p:sp>
+        <p:sp>
+          <p:nvSpPr>
+            <p:cNvPr id="30" name="TextBox 29">
+              <a:extLst>
+                <a:ext uri="{FF2B5EF4-FFF2-40B4-BE49-F238E27FC236}">
+                  <a16:creationId xmlns:a16="http://schemas.microsoft.com/office/drawing/2014/main" id="{7CEC30D7-006B-4B0B-901D-F44F60E49827}"/>
+                </a:ext>
+              </a:extLst>
+            </p:cNvPr>
+            <p:cNvSpPr txBox="1"/>
+            <p:nvPr/>
+          </p:nvSpPr>
+          <p:spPr>
+            <a:xfrm>
+              <a:off x="6306925" y="3446753"/>
+              <a:ext cx="864019" cy="184666"/>
+            </a:xfrm>
+            <a:prstGeom prst="rect">
+              <a:avLst/>
+            </a:prstGeom>
+            <a:noFill/>
+          </p:spPr>
+          <p:txBody>
+            <a:bodyPr wrap="none" lIns="0" tIns="0" rIns="0" bIns="0" rtlCol="0" anchor="ctr">
+              <a:spAutoFit/>
+            </a:bodyPr>
+            <a:lstStyle/>
+            <a:p>
+              <a:r>
+                <a:rPr lang="en-US" altLang="ko-KR" sz="1200" b="1" dirty="0"/>
+                <a:t>X 1,000,000</a:t>
+              </a:r>
+            </a:p>
+          </p:txBody>
+        </p:sp>
+        <p:sp>
+          <p:nvSpPr>
+            <p:cNvPr id="31" name="직사각형 30">
+              <a:extLst>
+                <a:ext uri="{FF2B5EF4-FFF2-40B4-BE49-F238E27FC236}">
+                  <a16:creationId xmlns:a16="http://schemas.microsoft.com/office/drawing/2014/main" id="{C6B162BB-117C-E12C-B899-CB8EAEB6A778}"/>
+                </a:ext>
+              </a:extLst>
+            </p:cNvPr>
+            <p:cNvSpPr/>
+            <p:nvPr/>
+          </p:nvSpPr>
+          <p:spPr>
+            <a:xfrm>
+              <a:off x="7389707" y="3162364"/>
+              <a:ext cx="553998" cy="553998"/>
+            </a:xfrm>
+            <a:prstGeom prst="rect">
+              <a:avLst/>
+            </a:prstGeom>
+            <a:solidFill>
+              <a:schemeClr val="bg1">
+                <a:lumMod val="85000"/>
+              </a:schemeClr>
+            </a:solidFill>
+            <a:ln>
+              <a:solidFill>
+                <a:schemeClr val="tx1"/>
+              </a:solidFill>
+            </a:ln>
+          </p:spPr>
+          <p:style>
+            <a:lnRef idx="2">
+              <a:schemeClr val="accent1">
+                <a:shade val="15000"/>
+              </a:schemeClr>
+            </a:lnRef>
+            <a:fillRef idx="1">
+              <a:schemeClr val="accent1"/>
+            </a:fillRef>
+            <a:effectRef idx="0">
+              <a:schemeClr val="accent1"/>
+            </a:effectRef>
+            <a:fontRef idx="minor">
+              <a:schemeClr val="lt1"/>
+            </a:fontRef>
+          </p:style>
+          <p:txBody>
+            <a:bodyPr rtlCol="0" anchor="ctr"/>
+            <a:lstStyle/>
+            <a:p>
+              <a:pPr algn="ctr"/>
+              <a:endParaRPr lang="ko-KR" altLang="en-US" dirty="0"/>
+            </a:p>
+          </p:txBody>
+        </p:sp>
+        <p:sp>
+          <p:nvSpPr>
+            <p:cNvPr id="32" name="TextBox 31">
+              <a:extLst>
+                <a:ext uri="{FF2B5EF4-FFF2-40B4-BE49-F238E27FC236}">
+                  <a16:creationId xmlns:a16="http://schemas.microsoft.com/office/drawing/2014/main" id="{92EEC442-8B87-4BA2-CC36-41ABE6A3A7C3}"/>
+                </a:ext>
+              </a:extLst>
+            </p:cNvPr>
+            <p:cNvSpPr txBox="1"/>
+            <p:nvPr/>
+          </p:nvSpPr>
+          <p:spPr>
+            <a:xfrm>
+              <a:off x="8026159" y="3228733"/>
+              <a:ext cx="444032" cy="184666"/>
+            </a:xfrm>
+            <a:prstGeom prst="rect">
+              <a:avLst/>
+            </a:prstGeom>
+            <a:noFill/>
+          </p:spPr>
+          <p:txBody>
+            <a:bodyPr wrap="none" lIns="0" tIns="0" rIns="0" bIns="0" rtlCol="0" anchor="ctr">
+              <a:spAutoFit/>
+            </a:bodyPr>
+            <a:lstStyle/>
+            <a:p>
+              <a:r>
+                <a:rPr lang="en-US" altLang="ko-KR" sz="1200" b="1" dirty="0"/>
+                <a:t>88.8%</a:t>
+              </a:r>
+            </a:p>
+          </p:txBody>
+        </p:sp>
+        <p:sp>
+          <p:nvSpPr>
+            <p:cNvPr id="33" name="TextBox 32">
+              <a:extLst>
+                <a:ext uri="{FF2B5EF4-FFF2-40B4-BE49-F238E27FC236}">
+                  <a16:creationId xmlns:a16="http://schemas.microsoft.com/office/drawing/2014/main" id="{A18F19C8-7A6B-8FE3-03D9-3E5FAB7E22C3}"/>
+                </a:ext>
+              </a:extLst>
+            </p:cNvPr>
+            <p:cNvSpPr txBox="1"/>
+            <p:nvPr/>
+          </p:nvSpPr>
+          <p:spPr>
+            <a:xfrm>
+              <a:off x="8025443" y="3446753"/>
+              <a:ext cx="953787" cy="184666"/>
+            </a:xfrm>
+            <a:prstGeom prst="rect">
+              <a:avLst/>
+            </a:prstGeom>
+            <a:noFill/>
+          </p:spPr>
+          <p:txBody>
+            <a:bodyPr wrap="none" lIns="0" tIns="0" rIns="0" bIns="0" rtlCol="0" anchor="ctr">
+              <a:spAutoFit/>
+            </a:bodyPr>
+            <a:lstStyle/>
+            <a:p>
+              <a:r>
+                <a:rPr lang="en-US" altLang="ko-KR" sz="1200" b="1" dirty="0"/>
+                <a:t>X 10,000,000</a:t>
+              </a:r>
+            </a:p>
+          </p:txBody>
+        </p:sp>
+        <p:sp>
+          <p:nvSpPr>
+            <p:cNvPr id="34" name="TextBox 33">
+              <a:extLst>
+                <a:ext uri="{FF2B5EF4-FFF2-40B4-BE49-F238E27FC236}">
+                  <a16:creationId xmlns:a16="http://schemas.microsoft.com/office/drawing/2014/main" id="{C74B71EA-958A-ED11-BE1B-55FB27D2C0BE}"/>
+                </a:ext>
+              </a:extLst>
+            </p:cNvPr>
+            <p:cNvSpPr txBox="1"/>
+            <p:nvPr/>
+          </p:nvSpPr>
+          <p:spPr>
+            <a:xfrm>
+              <a:off x="6680307" y="2515444"/>
+              <a:ext cx="809581" cy="184666"/>
+            </a:xfrm>
+            <a:prstGeom prst="rect">
+              <a:avLst/>
+            </a:prstGeom>
+            <a:noFill/>
+          </p:spPr>
+          <p:txBody>
+            <a:bodyPr wrap="none" lIns="0" tIns="0" rIns="0" bIns="0" rtlCol="0" anchor="ctr">
+              <a:spAutoFit/>
+            </a:bodyPr>
+            <a:lstStyle/>
+            <a:p>
+              <a:r>
+                <a:rPr lang="en-US" altLang="ko-KR" sz="1200" b="1" dirty="0"/>
+                <a:t>Total</a:t>
+              </a:r>
+              <a:r>
+                <a:rPr lang="ko-KR" altLang="en-US" sz="1200" b="1" dirty="0"/>
+                <a:t> </a:t>
+              </a:r>
+              <a:r>
+                <a:rPr lang="en-US" altLang="ko-KR" sz="1200" b="1" dirty="0"/>
+                <a:t>Score</a:t>
+              </a:r>
+            </a:p>
+          </p:txBody>
+        </p:sp>
+        <p:sp>
+          <p:nvSpPr>
+            <p:cNvPr id="35" name="TextBox 34">
+              <a:extLst>
+                <a:ext uri="{FF2B5EF4-FFF2-40B4-BE49-F238E27FC236}">
+                  <a16:creationId xmlns:a16="http://schemas.microsoft.com/office/drawing/2014/main" id="{8F12F8AB-4F6B-61FA-CB72-5CE019D79234}"/>
+                </a:ext>
+              </a:extLst>
+            </p:cNvPr>
+            <p:cNvSpPr txBox="1"/>
+            <p:nvPr/>
+          </p:nvSpPr>
+          <p:spPr>
+            <a:xfrm>
+              <a:off x="6906363" y="2676733"/>
+              <a:ext cx="2197718" cy="369332"/>
+            </a:xfrm>
+            <a:prstGeom prst="rect">
+              <a:avLst/>
+            </a:prstGeom>
+            <a:noFill/>
+          </p:spPr>
+          <p:txBody>
+            <a:bodyPr wrap="none" lIns="0" tIns="0" rIns="0" bIns="0" rtlCol="0" anchor="ctr">
+              <a:spAutoFit/>
+            </a:bodyPr>
+            <a:lstStyle/>
+            <a:p>
+              <a:r>
+                <a:rPr lang="en-US" altLang="ko-KR" sz="2400" b="1" dirty="0"/>
+                <a:t>00,000,000,000</a:t>
+              </a:r>
             </a:p>
           </p:txBody>
         </p:sp>
@@ -12821,2456 +12745,6 @@
           </a:p>
         </p:txBody>
       </p:sp>
-      <p:grpSp>
-        <p:nvGrpSpPr>
-          <p:cNvPr id="85" name="그룹 84">
-            <a:extLst>
-              <a:ext uri="{FF2B5EF4-FFF2-40B4-BE49-F238E27FC236}">
-                <a16:creationId xmlns:a16="http://schemas.microsoft.com/office/drawing/2014/main" id="{3BC75E67-4400-CE46-8A90-EC7679D343E5}"/>
-              </a:ext>
-            </a:extLst>
-          </p:cNvPr>
-          <p:cNvGrpSpPr/>
-          <p:nvPr/>
-        </p:nvGrpSpPr>
-        <p:grpSpPr>
-          <a:xfrm>
-            <a:off x="2909887" y="91527"/>
-            <a:ext cx="6372225" cy="5344709"/>
-            <a:chOff x="2876550" y="586827"/>
-            <a:chExt cx="6372225" cy="5344709"/>
-          </a:xfrm>
-        </p:grpSpPr>
-        <p:sp>
-          <p:nvSpPr>
-            <p:cNvPr id="3" name="사각형: 둥근 모서리 2">
-              <a:extLst>
-                <a:ext uri="{FF2B5EF4-FFF2-40B4-BE49-F238E27FC236}">
-                  <a16:creationId xmlns:a16="http://schemas.microsoft.com/office/drawing/2014/main" id="{8476A5C5-CEFC-2587-1F4B-EB1D3DD0FE7D}"/>
-                </a:ext>
-              </a:extLst>
-            </p:cNvPr>
-            <p:cNvSpPr/>
-            <p:nvPr/>
-          </p:nvSpPr>
-          <p:spPr>
-            <a:xfrm>
-              <a:off x="2876550" y="2213012"/>
-              <a:ext cx="6372225" cy="3718524"/>
-            </a:xfrm>
-            <a:prstGeom prst="roundRect">
-              <a:avLst>
-                <a:gd name="adj" fmla="val 4628"/>
-              </a:avLst>
-            </a:prstGeom>
-            <a:solidFill>
-              <a:schemeClr val="bg1">
-                <a:lumMod val="95000"/>
-              </a:schemeClr>
-            </a:solidFill>
-          </p:spPr>
-          <p:style>
-            <a:lnRef idx="2">
-              <a:schemeClr val="accent1">
-                <a:shade val="15000"/>
-              </a:schemeClr>
-            </a:lnRef>
-            <a:fillRef idx="1">
-              <a:schemeClr val="accent1"/>
-            </a:fillRef>
-            <a:effectRef idx="0">
-              <a:schemeClr val="accent1"/>
-            </a:effectRef>
-            <a:fontRef idx="minor">
-              <a:schemeClr val="lt1"/>
-            </a:fontRef>
-          </p:style>
-          <p:txBody>
-            <a:bodyPr rtlCol="0" anchor="ctr"/>
-            <a:lstStyle/>
-            <a:p>
-              <a:pPr algn="ctr"/>
-              <a:endParaRPr lang="ko-KR" altLang="en-US"/>
-            </a:p>
-          </p:txBody>
-        </p:sp>
-        <p:sp>
-          <p:nvSpPr>
-            <p:cNvPr id="4" name="TextBox 3">
-              <a:extLst>
-                <a:ext uri="{FF2B5EF4-FFF2-40B4-BE49-F238E27FC236}">
-                  <a16:creationId xmlns:a16="http://schemas.microsoft.com/office/drawing/2014/main" id="{482CB5EB-3839-DA24-7FF2-ED74A4DF6DEF}"/>
-                </a:ext>
-              </a:extLst>
-            </p:cNvPr>
-            <p:cNvSpPr txBox="1"/>
-            <p:nvPr/>
-          </p:nvSpPr>
-          <p:spPr>
-            <a:xfrm>
-              <a:off x="3219404" y="2695142"/>
-              <a:ext cx="589841" cy="184666"/>
-            </a:xfrm>
-            <a:prstGeom prst="rect">
-              <a:avLst/>
-            </a:prstGeom>
-            <a:noFill/>
-          </p:spPr>
-          <p:txBody>
-            <a:bodyPr wrap="none" lIns="0" tIns="0" rIns="0" bIns="0" rtlCol="0" anchor="ctr">
-              <a:spAutoFit/>
-            </a:bodyPr>
-            <a:lstStyle/>
-            <a:p>
-              <a:r>
-                <a:rPr lang="en-US" altLang="ko-KR" sz="1200" b="1" dirty="0"/>
-                <a:t>Player 1</a:t>
-              </a:r>
-            </a:p>
-          </p:txBody>
-        </p:sp>
-        <p:sp>
-          <p:nvSpPr>
-            <p:cNvPr id="5" name="TextBox 4">
-              <a:extLst>
-                <a:ext uri="{FF2B5EF4-FFF2-40B4-BE49-F238E27FC236}">
-                  <a16:creationId xmlns:a16="http://schemas.microsoft.com/office/drawing/2014/main" id="{40DD9A50-FC9F-5771-EE1D-8339DF7D4A7E}"/>
-                </a:ext>
-              </a:extLst>
-            </p:cNvPr>
-            <p:cNvSpPr txBox="1"/>
-            <p:nvPr/>
-          </p:nvSpPr>
-          <p:spPr>
-            <a:xfrm>
-              <a:off x="3907648" y="2695142"/>
-              <a:ext cx="1107676" cy="184666"/>
-            </a:xfrm>
-            <a:prstGeom prst="rect">
-              <a:avLst/>
-            </a:prstGeom>
-            <a:noFill/>
-          </p:spPr>
-          <p:txBody>
-            <a:bodyPr wrap="none" lIns="0" tIns="0" rIns="0" bIns="0" rtlCol="0" anchor="ctr">
-              <a:spAutoFit/>
-            </a:bodyPr>
-            <a:lstStyle/>
-            <a:p>
-              <a:r>
-                <a:rPr lang="en-US" altLang="ko-KR" sz="1200" b="1" dirty="0"/>
-                <a:t>00,000,000,000</a:t>
-              </a:r>
-            </a:p>
-          </p:txBody>
-        </p:sp>
-        <p:sp>
-          <p:nvSpPr>
-            <p:cNvPr id="6" name="직사각형 5">
-              <a:extLst>
-                <a:ext uri="{FF2B5EF4-FFF2-40B4-BE49-F238E27FC236}">
-                  <a16:creationId xmlns:a16="http://schemas.microsoft.com/office/drawing/2014/main" id="{AD85A09E-CE5A-A684-261F-CE7AEF94368E}"/>
-                </a:ext>
-              </a:extLst>
-            </p:cNvPr>
-            <p:cNvSpPr/>
-            <p:nvPr/>
-          </p:nvSpPr>
-          <p:spPr>
-            <a:xfrm>
-              <a:off x="3219404" y="2988998"/>
-              <a:ext cx="553998" cy="553998"/>
-            </a:xfrm>
-            <a:prstGeom prst="rect">
-              <a:avLst/>
-            </a:prstGeom>
-            <a:solidFill>
-              <a:schemeClr val="bg1">
-                <a:lumMod val="85000"/>
-              </a:schemeClr>
-            </a:solidFill>
-            <a:ln>
-              <a:solidFill>
-                <a:schemeClr val="tx1"/>
-              </a:solidFill>
-            </a:ln>
-          </p:spPr>
-          <p:style>
-            <a:lnRef idx="2">
-              <a:schemeClr val="accent1">
-                <a:shade val="15000"/>
-              </a:schemeClr>
-            </a:lnRef>
-            <a:fillRef idx="1">
-              <a:schemeClr val="accent1"/>
-            </a:fillRef>
-            <a:effectRef idx="0">
-              <a:schemeClr val="accent1"/>
-            </a:effectRef>
-            <a:fontRef idx="minor">
-              <a:schemeClr val="lt1"/>
-            </a:fontRef>
-          </p:style>
-          <p:txBody>
-            <a:bodyPr rtlCol="0" anchor="ctr"/>
-            <a:lstStyle/>
-            <a:p>
-              <a:pPr algn="ctr"/>
-              <a:endParaRPr lang="ko-KR" altLang="en-US" dirty="0"/>
-            </a:p>
-          </p:txBody>
-        </p:sp>
-        <p:sp>
-          <p:nvSpPr>
-            <p:cNvPr id="7" name="하트 6">
-              <a:extLst>
-                <a:ext uri="{FF2B5EF4-FFF2-40B4-BE49-F238E27FC236}">
-                  <a16:creationId xmlns:a16="http://schemas.microsoft.com/office/drawing/2014/main" id="{CCE46233-3693-8319-2AB9-70B263151C84}"/>
-                </a:ext>
-              </a:extLst>
-            </p:cNvPr>
-            <p:cNvSpPr/>
-            <p:nvPr/>
-          </p:nvSpPr>
-          <p:spPr>
-            <a:xfrm>
-              <a:off x="3908720" y="2988998"/>
-              <a:ext cx="213064" cy="213064"/>
-            </a:xfrm>
-            <a:prstGeom prst="heart">
-              <a:avLst/>
-            </a:prstGeom>
-            <a:solidFill>
-              <a:srgbClr val="F95555"/>
-            </a:solidFill>
-            <a:ln w="28575">
-              <a:solidFill>
-                <a:srgbClr val="A47828"/>
-              </a:solidFill>
-            </a:ln>
-          </p:spPr>
-          <p:style>
-            <a:lnRef idx="2">
-              <a:schemeClr val="accent1">
-                <a:shade val="15000"/>
-              </a:schemeClr>
-            </a:lnRef>
-            <a:fillRef idx="1">
-              <a:schemeClr val="accent1"/>
-            </a:fillRef>
-            <a:effectRef idx="0">
-              <a:schemeClr val="accent1"/>
-            </a:effectRef>
-            <a:fontRef idx="minor">
-              <a:schemeClr val="lt1"/>
-            </a:fontRef>
-          </p:style>
-          <p:txBody>
-            <a:bodyPr rtlCol="0" anchor="ctr"/>
-            <a:lstStyle/>
-            <a:p>
-              <a:pPr algn="ctr"/>
-              <a:endParaRPr lang="ko-KR" altLang="en-US"/>
-            </a:p>
-          </p:txBody>
-        </p:sp>
-        <p:sp>
-          <p:nvSpPr>
-            <p:cNvPr id="8" name="하트 7">
-              <a:extLst>
-                <a:ext uri="{FF2B5EF4-FFF2-40B4-BE49-F238E27FC236}">
-                  <a16:creationId xmlns:a16="http://schemas.microsoft.com/office/drawing/2014/main" id="{19C38087-E440-C6D4-A6EC-CEA438B505FF}"/>
-                </a:ext>
-              </a:extLst>
-            </p:cNvPr>
-            <p:cNvSpPr/>
-            <p:nvPr/>
-          </p:nvSpPr>
-          <p:spPr>
-            <a:xfrm>
-              <a:off x="4188373" y="2988998"/>
-              <a:ext cx="213064" cy="213064"/>
-            </a:xfrm>
-            <a:prstGeom prst="heart">
-              <a:avLst/>
-            </a:prstGeom>
-            <a:solidFill>
-              <a:srgbClr val="F95555"/>
-            </a:solidFill>
-            <a:ln w="28575">
-              <a:solidFill>
-                <a:srgbClr val="A47828"/>
-              </a:solidFill>
-            </a:ln>
-          </p:spPr>
-          <p:style>
-            <a:lnRef idx="2">
-              <a:schemeClr val="accent1">
-                <a:shade val="15000"/>
-              </a:schemeClr>
-            </a:lnRef>
-            <a:fillRef idx="1">
-              <a:schemeClr val="accent1"/>
-            </a:fillRef>
-            <a:effectRef idx="0">
-              <a:schemeClr val="accent1"/>
-            </a:effectRef>
-            <a:fontRef idx="minor">
-              <a:schemeClr val="lt1"/>
-            </a:fontRef>
-          </p:style>
-          <p:txBody>
-            <a:bodyPr rtlCol="0" anchor="ctr"/>
-            <a:lstStyle/>
-            <a:p>
-              <a:pPr algn="ctr"/>
-              <a:endParaRPr lang="ko-KR" altLang="en-US"/>
-            </a:p>
-          </p:txBody>
-        </p:sp>
-        <p:sp>
-          <p:nvSpPr>
-            <p:cNvPr id="9" name="하트 8">
-              <a:extLst>
-                <a:ext uri="{FF2B5EF4-FFF2-40B4-BE49-F238E27FC236}">
-                  <a16:creationId xmlns:a16="http://schemas.microsoft.com/office/drawing/2014/main" id="{773DDB21-90BC-2837-BA92-7D74A2E3C3C4}"/>
-                </a:ext>
-              </a:extLst>
-            </p:cNvPr>
-            <p:cNvSpPr/>
-            <p:nvPr/>
-          </p:nvSpPr>
-          <p:spPr>
-            <a:xfrm>
-              <a:off x="4468023" y="2988998"/>
-              <a:ext cx="213064" cy="213064"/>
-            </a:xfrm>
-            <a:prstGeom prst="heart">
-              <a:avLst/>
-            </a:prstGeom>
-            <a:solidFill>
-              <a:srgbClr val="F95555"/>
-            </a:solidFill>
-            <a:ln w="28575">
-              <a:solidFill>
-                <a:srgbClr val="A47828"/>
-              </a:solidFill>
-            </a:ln>
-          </p:spPr>
-          <p:style>
-            <a:lnRef idx="2">
-              <a:schemeClr val="accent1">
-                <a:shade val="15000"/>
-              </a:schemeClr>
-            </a:lnRef>
-            <a:fillRef idx="1">
-              <a:schemeClr val="accent1"/>
-            </a:fillRef>
-            <a:effectRef idx="0">
-              <a:schemeClr val="accent1"/>
-            </a:effectRef>
-            <a:fontRef idx="minor">
-              <a:schemeClr val="lt1"/>
-            </a:fontRef>
-          </p:style>
-          <p:txBody>
-            <a:bodyPr rtlCol="0" anchor="ctr"/>
-            <a:lstStyle/>
-            <a:p>
-              <a:pPr algn="ctr"/>
-              <a:endParaRPr lang="ko-KR" altLang="en-US"/>
-            </a:p>
-          </p:txBody>
-        </p:sp>
-        <p:sp>
-          <p:nvSpPr>
-            <p:cNvPr id="15" name="하트 14">
-              <a:extLst>
-                <a:ext uri="{FF2B5EF4-FFF2-40B4-BE49-F238E27FC236}">
-                  <a16:creationId xmlns:a16="http://schemas.microsoft.com/office/drawing/2014/main" id="{38E6D6BE-2F42-2000-74C2-0DD0CBA5AC6C}"/>
-                </a:ext>
-              </a:extLst>
-            </p:cNvPr>
-            <p:cNvSpPr/>
-            <p:nvPr/>
-          </p:nvSpPr>
-          <p:spPr>
-            <a:xfrm>
-              <a:off x="4754395" y="2988998"/>
-              <a:ext cx="213064" cy="213064"/>
-            </a:xfrm>
-            <a:prstGeom prst="heart">
-              <a:avLst/>
-            </a:prstGeom>
-            <a:solidFill>
-              <a:srgbClr val="F95555"/>
-            </a:solidFill>
-            <a:ln w="28575">
-              <a:solidFill>
-                <a:srgbClr val="A47828"/>
-              </a:solidFill>
-            </a:ln>
-          </p:spPr>
-          <p:style>
-            <a:lnRef idx="2">
-              <a:schemeClr val="accent1">
-                <a:shade val="15000"/>
-              </a:schemeClr>
-            </a:lnRef>
-            <a:fillRef idx="1">
-              <a:schemeClr val="accent1"/>
-            </a:fillRef>
-            <a:effectRef idx="0">
-              <a:schemeClr val="accent1"/>
-            </a:effectRef>
-            <a:fontRef idx="minor">
-              <a:schemeClr val="lt1"/>
-            </a:fontRef>
-          </p:style>
-          <p:txBody>
-            <a:bodyPr rtlCol="0" anchor="ctr"/>
-            <a:lstStyle/>
-            <a:p>
-              <a:pPr algn="ctr"/>
-              <a:endParaRPr lang="ko-KR" altLang="en-US"/>
-            </a:p>
-          </p:txBody>
-        </p:sp>
-        <p:sp>
-          <p:nvSpPr>
-            <p:cNvPr id="18" name="하트 17">
-              <a:extLst>
-                <a:ext uri="{FF2B5EF4-FFF2-40B4-BE49-F238E27FC236}">
-                  <a16:creationId xmlns:a16="http://schemas.microsoft.com/office/drawing/2014/main" id="{545018AB-9A4F-46C3-9487-0519E6C4CA8A}"/>
-                </a:ext>
-              </a:extLst>
-            </p:cNvPr>
-            <p:cNvSpPr/>
-            <p:nvPr/>
-          </p:nvSpPr>
-          <p:spPr>
-            <a:xfrm>
-              <a:off x="5034048" y="2988998"/>
-              <a:ext cx="213064" cy="213064"/>
-            </a:xfrm>
-            <a:prstGeom prst="heart">
-              <a:avLst/>
-            </a:prstGeom>
-            <a:solidFill>
-              <a:srgbClr val="F95555"/>
-            </a:solidFill>
-            <a:ln w="28575">
-              <a:solidFill>
-                <a:srgbClr val="A47828"/>
-              </a:solidFill>
-            </a:ln>
-          </p:spPr>
-          <p:style>
-            <a:lnRef idx="2">
-              <a:schemeClr val="accent1">
-                <a:shade val="15000"/>
-              </a:schemeClr>
-            </a:lnRef>
-            <a:fillRef idx="1">
-              <a:schemeClr val="accent1"/>
-            </a:fillRef>
-            <a:effectRef idx="0">
-              <a:schemeClr val="accent1"/>
-            </a:effectRef>
-            <a:fontRef idx="minor">
-              <a:schemeClr val="lt1"/>
-            </a:fontRef>
-          </p:style>
-          <p:txBody>
-            <a:bodyPr rtlCol="0" anchor="ctr"/>
-            <a:lstStyle/>
-            <a:p>
-              <a:pPr algn="ctr"/>
-              <a:endParaRPr lang="ko-KR" altLang="en-US"/>
-            </a:p>
-          </p:txBody>
-        </p:sp>
-        <p:sp>
-          <p:nvSpPr>
-            <p:cNvPr id="19" name="다이아몬드 18">
-              <a:extLst>
-                <a:ext uri="{FF2B5EF4-FFF2-40B4-BE49-F238E27FC236}">
-                  <a16:creationId xmlns:a16="http://schemas.microsoft.com/office/drawing/2014/main" id="{FBBF48EF-98C7-B5C2-81F8-D464BDA0981A}"/>
-                </a:ext>
-              </a:extLst>
-            </p:cNvPr>
-            <p:cNvSpPr/>
-            <p:nvPr/>
-          </p:nvSpPr>
-          <p:spPr>
-            <a:xfrm>
-              <a:off x="3907648" y="3266932"/>
-              <a:ext cx="213064" cy="213064"/>
-            </a:xfrm>
-            <a:prstGeom prst="diamond">
-              <a:avLst/>
-            </a:prstGeom>
-            <a:solidFill>
-              <a:srgbClr val="F4E170"/>
-            </a:solidFill>
-            <a:ln w="28575">
-              <a:solidFill>
-                <a:srgbClr val="70AADE"/>
-              </a:solidFill>
-            </a:ln>
-          </p:spPr>
-          <p:style>
-            <a:lnRef idx="2">
-              <a:schemeClr val="accent1">
-                <a:shade val="15000"/>
-              </a:schemeClr>
-            </a:lnRef>
-            <a:fillRef idx="1">
-              <a:schemeClr val="accent1"/>
-            </a:fillRef>
-            <a:effectRef idx="0">
-              <a:schemeClr val="accent1"/>
-            </a:effectRef>
-            <a:fontRef idx="minor">
-              <a:schemeClr val="lt1"/>
-            </a:fontRef>
-          </p:style>
-          <p:txBody>
-            <a:bodyPr rtlCol="0" anchor="ctr"/>
-            <a:lstStyle/>
-            <a:p>
-              <a:pPr algn="ctr"/>
-              <a:endParaRPr lang="ko-KR" altLang="en-US"/>
-            </a:p>
-          </p:txBody>
-        </p:sp>
-        <p:sp>
-          <p:nvSpPr>
-            <p:cNvPr id="20" name="다이아몬드 19">
-              <a:extLst>
-                <a:ext uri="{FF2B5EF4-FFF2-40B4-BE49-F238E27FC236}">
-                  <a16:creationId xmlns:a16="http://schemas.microsoft.com/office/drawing/2014/main" id="{173CD514-28A3-F9ED-D565-F30114E4E225}"/>
-                </a:ext>
-              </a:extLst>
-            </p:cNvPr>
-            <p:cNvSpPr/>
-            <p:nvPr/>
-          </p:nvSpPr>
-          <p:spPr>
-            <a:xfrm>
-              <a:off x="4188373" y="3266932"/>
-              <a:ext cx="213064" cy="213064"/>
-            </a:xfrm>
-            <a:prstGeom prst="diamond">
-              <a:avLst/>
-            </a:prstGeom>
-            <a:solidFill>
-              <a:srgbClr val="F4E170"/>
-            </a:solidFill>
-            <a:ln w="28575">
-              <a:solidFill>
-                <a:srgbClr val="70AADE"/>
-              </a:solidFill>
-            </a:ln>
-          </p:spPr>
-          <p:style>
-            <a:lnRef idx="2">
-              <a:schemeClr val="accent1">
-                <a:shade val="15000"/>
-              </a:schemeClr>
-            </a:lnRef>
-            <a:fillRef idx="1">
-              <a:schemeClr val="accent1"/>
-            </a:fillRef>
-            <a:effectRef idx="0">
-              <a:schemeClr val="accent1"/>
-            </a:effectRef>
-            <a:fontRef idx="minor">
-              <a:schemeClr val="lt1"/>
-            </a:fontRef>
-          </p:style>
-          <p:txBody>
-            <a:bodyPr rtlCol="0" anchor="ctr"/>
-            <a:lstStyle/>
-            <a:p>
-              <a:pPr algn="ctr"/>
-              <a:endParaRPr lang="ko-KR" altLang="en-US"/>
-            </a:p>
-          </p:txBody>
-        </p:sp>
-        <p:sp>
-          <p:nvSpPr>
-            <p:cNvPr id="24" name="다이아몬드 23">
-              <a:extLst>
-                <a:ext uri="{FF2B5EF4-FFF2-40B4-BE49-F238E27FC236}">
-                  <a16:creationId xmlns:a16="http://schemas.microsoft.com/office/drawing/2014/main" id="{32761845-676B-B38C-7E4A-77A950E11997}"/>
-                </a:ext>
-              </a:extLst>
-            </p:cNvPr>
-            <p:cNvSpPr/>
-            <p:nvPr/>
-          </p:nvSpPr>
-          <p:spPr>
-            <a:xfrm>
-              <a:off x="4468023" y="3266932"/>
-              <a:ext cx="213064" cy="213064"/>
-            </a:xfrm>
-            <a:prstGeom prst="diamond">
-              <a:avLst/>
-            </a:prstGeom>
-            <a:solidFill>
-              <a:srgbClr val="F4E170"/>
-            </a:solidFill>
-            <a:ln w="28575">
-              <a:solidFill>
-                <a:srgbClr val="70AADE"/>
-              </a:solidFill>
-            </a:ln>
-          </p:spPr>
-          <p:style>
-            <a:lnRef idx="2">
-              <a:schemeClr val="accent1">
-                <a:shade val="15000"/>
-              </a:schemeClr>
-            </a:lnRef>
-            <a:fillRef idx="1">
-              <a:schemeClr val="accent1"/>
-            </a:fillRef>
-            <a:effectRef idx="0">
-              <a:schemeClr val="accent1"/>
-            </a:effectRef>
-            <a:fontRef idx="minor">
-              <a:schemeClr val="lt1"/>
-            </a:fontRef>
-          </p:style>
-          <p:txBody>
-            <a:bodyPr rtlCol="0" anchor="ctr"/>
-            <a:lstStyle/>
-            <a:p>
-              <a:pPr algn="ctr"/>
-              <a:endParaRPr lang="ko-KR" altLang="en-US"/>
-            </a:p>
-          </p:txBody>
-        </p:sp>
-        <p:sp>
-          <p:nvSpPr>
-            <p:cNvPr id="25" name="TextBox 24">
-              <a:extLst>
-                <a:ext uri="{FF2B5EF4-FFF2-40B4-BE49-F238E27FC236}">
-                  <a16:creationId xmlns:a16="http://schemas.microsoft.com/office/drawing/2014/main" id="{34E7D0BB-5E61-AEB6-CB67-96E279C2C4AC}"/>
-                </a:ext>
-              </a:extLst>
-            </p:cNvPr>
-            <p:cNvSpPr txBox="1"/>
-            <p:nvPr/>
-          </p:nvSpPr>
-          <p:spPr>
-            <a:xfrm>
-              <a:off x="5568777" y="3013251"/>
-              <a:ext cx="864019" cy="184666"/>
-            </a:xfrm>
-            <a:prstGeom prst="rect">
-              <a:avLst/>
-            </a:prstGeom>
-            <a:noFill/>
-          </p:spPr>
-          <p:txBody>
-            <a:bodyPr wrap="none" lIns="0" tIns="0" rIns="0" bIns="0" rtlCol="0" anchor="ctr">
-              <a:spAutoFit/>
-            </a:bodyPr>
-            <a:lstStyle/>
-            <a:p>
-              <a:r>
-                <a:rPr lang="en-US" altLang="ko-KR" sz="1200" b="1" dirty="0"/>
-                <a:t>X 1,000,000</a:t>
-              </a:r>
-            </a:p>
-          </p:txBody>
-        </p:sp>
-        <p:sp>
-          <p:nvSpPr>
-            <p:cNvPr id="26" name="TextBox 25">
-              <a:extLst>
-                <a:ext uri="{FF2B5EF4-FFF2-40B4-BE49-F238E27FC236}">
-                  <a16:creationId xmlns:a16="http://schemas.microsoft.com/office/drawing/2014/main" id="{BD5DF677-746D-880D-568E-2FF1FDDD6DF6}"/>
-                </a:ext>
-              </a:extLst>
-            </p:cNvPr>
-            <p:cNvSpPr txBox="1"/>
-            <p:nvPr/>
-          </p:nvSpPr>
-          <p:spPr>
-            <a:xfrm>
-              <a:off x="5568777" y="3295330"/>
-              <a:ext cx="734175" cy="184666"/>
-            </a:xfrm>
-            <a:prstGeom prst="rect">
-              <a:avLst/>
-            </a:prstGeom>
-            <a:noFill/>
-          </p:spPr>
-          <p:txBody>
-            <a:bodyPr wrap="none" lIns="0" tIns="0" rIns="0" bIns="0" rtlCol="0" anchor="ctr">
-              <a:spAutoFit/>
-            </a:bodyPr>
-            <a:lstStyle/>
-            <a:p>
-              <a:r>
-                <a:rPr lang="en-US" altLang="ko-KR" sz="1200" b="1" dirty="0"/>
-                <a:t>X 100,000</a:t>
-              </a:r>
-            </a:p>
-          </p:txBody>
-        </p:sp>
-        <p:sp>
-          <p:nvSpPr>
-            <p:cNvPr id="27" name="TextBox 26">
-              <a:extLst>
-                <a:ext uri="{FF2B5EF4-FFF2-40B4-BE49-F238E27FC236}">
-                  <a16:creationId xmlns:a16="http://schemas.microsoft.com/office/drawing/2014/main" id="{B7BCB0E1-9FAE-E0B4-7F16-A9D3FF32B3AE}"/>
-                </a:ext>
-              </a:extLst>
-            </p:cNvPr>
-            <p:cNvSpPr txBox="1"/>
-            <p:nvPr/>
-          </p:nvSpPr>
-          <p:spPr>
-            <a:xfrm>
-              <a:off x="3219404" y="4274644"/>
-              <a:ext cx="589841" cy="184666"/>
-            </a:xfrm>
-            <a:prstGeom prst="rect">
-              <a:avLst/>
-            </a:prstGeom>
-            <a:noFill/>
-          </p:spPr>
-          <p:txBody>
-            <a:bodyPr wrap="none" lIns="0" tIns="0" rIns="0" bIns="0" rtlCol="0" anchor="ctr">
-              <a:spAutoFit/>
-            </a:bodyPr>
-            <a:lstStyle/>
-            <a:p>
-              <a:r>
-                <a:rPr lang="en-US" altLang="ko-KR" sz="1200" b="1" dirty="0"/>
-                <a:t>Player 2</a:t>
-              </a:r>
-            </a:p>
-          </p:txBody>
-        </p:sp>
-        <p:sp>
-          <p:nvSpPr>
-            <p:cNvPr id="29" name="TextBox 28">
-              <a:extLst>
-                <a:ext uri="{FF2B5EF4-FFF2-40B4-BE49-F238E27FC236}">
-                  <a16:creationId xmlns:a16="http://schemas.microsoft.com/office/drawing/2014/main" id="{8F69D5F1-2B08-79D1-20D7-0EA014416695}"/>
-                </a:ext>
-              </a:extLst>
-            </p:cNvPr>
-            <p:cNvSpPr txBox="1"/>
-            <p:nvPr/>
-          </p:nvSpPr>
-          <p:spPr>
-            <a:xfrm>
-              <a:off x="3907648" y="4274644"/>
-              <a:ext cx="1107676" cy="184666"/>
-            </a:xfrm>
-            <a:prstGeom prst="rect">
-              <a:avLst/>
-            </a:prstGeom>
-            <a:noFill/>
-          </p:spPr>
-          <p:txBody>
-            <a:bodyPr wrap="none" lIns="0" tIns="0" rIns="0" bIns="0" rtlCol="0" anchor="ctr">
-              <a:spAutoFit/>
-            </a:bodyPr>
-            <a:lstStyle/>
-            <a:p>
-              <a:r>
-                <a:rPr lang="en-US" altLang="ko-KR" sz="1200" b="1" dirty="0"/>
-                <a:t>00,000,000,000</a:t>
-              </a:r>
-            </a:p>
-          </p:txBody>
-        </p:sp>
-        <p:sp>
-          <p:nvSpPr>
-            <p:cNvPr id="30" name="직사각형 29">
-              <a:extLst>
-                <a:ext uri="{FF2B5EF4-FFF2-40B4-BE49-F238E27FC236}">
-                  <a16:creationId xmlns:a16="http://schemas.microsoft.com/office/drawing/2014/main" id="{BE7FFF61-1A96-C8E8-6A7E-E41498F938C1}"/>
-                </a:ext>
-              </a:extLst>
-            </p:cNvPr>
-            <p:cNvSpPr/>
-            <p:nvPr/>
-          </p:nvSpPr>
-          <p:spPr>
-            <a:xfrm>
-              <a:off x="3219404" y="4568500"/>
-              <a:ext cx="553998" cy="553998"/>
-            </a:xfrm>
-            <a:prstGeom prst="rect">
-              <a:avLst/>
-            </a:prstGeom>
-            <a:solidFill>
-              <a:schemeClr val="bg1">
-                <a:lumMod val="85000"/>
-              </a:schemeClr>
-            </a:solidFill>
-            <a:ln>
-              <a:solidFill>
-                <a:schemeClr val="tx1"/>
-              </a:solidFill>
-            </a:ln>
-          </p:spPr>
-          <p:style>
-            <a:lnRef idx="2">
-              <a:schemeClr val="accent1">
-                <a:shade val="15000"/>
-              </a:schemeClr>
-            </a:lnRef>
-            <a:fillRef idx="1">
-              <a:schemeClr val="accent1"/>
-            </a:fillRef>
-            <a:effectRef idx="0">
-              <a:schemeClr val="accent1"/>
-            </a:effectRef>
-            <a:fontRef idx="minor">
-              <a:schemeClr val="lt1"/>
-            </a:fontRef>
-          </p:style>
-          <p:txBody>
-            <a:bodyPr rtlCol="0" anchor="ctr"/>
-            <a:lstStyle/>
-            <a:p>
-              <a:pPr algn="ctr"/>
-              <a:endParaRPr lang="ko-KR" altLang="en-US" dirty="0"/>
-            </a:p>
-          </p:txBody>
-        </p:sp>
-        <p:sp>
-          <p:nvSpPr>
-            <p:cNvPr id="31" name="하트 30">
-              <a:extLst>
-                <a:ext uri="{FF2B5EF4-FFF2-40B4-BE49-F238E27FC236}">
-                  <a16:creationId xmlns:a16="http://schemas.microsoft.com/office/drawing/2014/main" id="{D3AC376E-4A18-B6E2-50FD-A699DBB0A100}"/>
-                </a:ext>
-              </a:extLst>
-            </p:cNvPr>
-            <p:cNvSpPr/>
-            <p:nvPr/>
-          </p:nvSpPr>
-          <p:spPr>
-            <a:xfrm>
-              <a:off x="3908720" y="4568500"/>
-              <a:ext cx="213064" cy="213064"/>
-            </a:xfrm>
-            <a:prstGeom prst="heart">
-              <a:avLst/>
-            </a:prstGeom>
-            <a:solidFill>
-              <a:srgbClr val="F95555"/>
-            </a:solidFill>
-            <a:ln w="28575">
-              <a:solidFill>
-                <a:srgbClr val="A47828"/>
-              </a:solidFill>
-            </a:ln>
-          </p:spPr>
-          <p:style>
-            <a:lnRef idx="2">
-              <a:schemeClr val="accent1">
-                <a:shade val="15000"/>
-              </a:schemeClr>
-            </a:lnRef>
-            <a:fillRef idx="1">
-              <a:schemeClr val="accent1"/>
-            </a:fillRef>
-            <a:effectRef idx="0">
-              <a:schemeClr val="accent1"/>
-            </a:effectRef>
-            <a:fontRef idx="minor">
-              <a:schemeClr val="lt1"/>
-            </a:fontRef>
-          </p:style>
-          <p:txBody>
-            <a:bodyPr rtlCol="0" anchor="ctr"/>
-            <a:lstStyle/>
-            <a:p>
-              <a:pPr algn="ctr"/>
-              <a:endParaRPr lang="ko-KR" altLang="en-US"/>
-            </a:p>
-          </p:txBody>
-        </p:sp>
-        <p:sp>
-          <p:nvSpPr>
-            <p:cNvPr id="32" name="하트 31">
-              <a:extLst>
-                <a:ext uri="{FF2B5EF4-FFF2-40B4-BE49-F238E27FC236}">
-                  <a16:creationId xmlns:a16="http://schemas.microsoft.com/office/drawing/2014/main" id="{AB8FFF83-17E7-040E-8D63-0AB09A8D38B1}"/>
-                </a:ext>
-              </a:extLst>
-            </p:cNvPr>
-            <p:cNvSpPr/>
-            <p:nvPr/>
-          </p:nvSpPr>
-          <p:spPr>
-            <a:xfrm>
-              <a:off x="4188373" y="4568500"/>
-              <a:ext cx="213064" cy="213064"/>
-            </a:xfrm>
-            <a:prstGeom prst="heart">
-              <a:avLst/>
-            </a:prstGeom>
-            <a:solidFill>
-              <a:srgbClr val="F95555"/>
-            </a:solidFill>
-            <a:ln w="28575">
-              <a:solidFill>
-                <a:srgbClr val="A47828"/>
-              </a:solidFill>
-            </a:ln>
-          </p:spPr>
-          <p:style>
-            <a:lnRef idx="2">
-              <a:schemeClr val="accent1">
-                <a:shade val="15000"/>
-              </a:schemeClr>
-            </a:lnRef>
-            <a:fillRef idx="1">
-              <a:schemeClr val="accent1"/>
-            </a:fillRef>
-            <a:effectRef idx="0">
-              <a:schemeClr val="accent1"/>
-            </a:effectRef>
-            <a:fontRef idx="minor">
-              <a:schemeClr val="lt1"/>
-            </a:fontRef>
-          </p:style>
-          <p:txBody>
-            <a:bodyPr rtlCol="0" anchor="ctr"/>
-            <a:lstStyle/>
-            <a:p>
-              <a:pPr algn="ctr"/>
-              <a:endParaRPr lang="ko-KR" altLang="en-US"/>
-            </a:p>
-          </p:txBody>
-        </p:sp>
-        <p:sp>
-          <p:nvSpPr>
-            <p:cNvPr id="33" name="하트 32">
-              <a:extLst>
-                <a:ext uri="{FF2B5EF4-FFF2-40B4-BE49-F238E27FC236}">
-                  <a16:creationId xmlns:a16="http://schemas.microsoft.com/office/drawing/2014/main" id="{D3862C70-6637-1F2F-A41A-B746B607291E}"/>
-                </a:ext>
-              </a:extLst>
-            </p:cNvPr>
-            <p:cNvSpPr/>
-            <p:nvPr/>
-          </p:nvSpPr>
-          <p:spPr>
-            <a:xfrm>
-              <a:off x="4468023" y="4568500"/>
-              <a:ext cx="213064" cy="213064"/>
-            </a:xfrm>
-            <a:prstGeom prst="heart">
-              <a:avLst/>
-            </a:prstGeom>
-            <a:solidFill>
-              <a:srgbClr val="F95555"/>
-            </a:solidFill>
-            <a:ln w="28575">
-              <a:solidFill>
-                <a:srgbClr val="A47828"/>
-              </a:solidFill>
-            </a:ln>
-          </p:spPr>
-          <p:style>
-            <a:lnRef idx="2">
-              <a:schemeClr val="accent1">
-                <a:shade val="15000"/>
-              </a:schemeClr>
-            </a:lnRef>
-            <a:fillRef idx="1">
-              <a:schemeClr val="accent1"/>
-            </a:fillRef>
-            <a:effectRef idx="0">
-              <a:schemeClr val="accent1"/>
-            </a:effectRef>
-            <a:fontRef idx="minor">
-              <a:schemeClr val="lt1"/>
-            </a:fontRef>
-          </p:style>
-          <p:txBody>
-            <a:bodyPr rtlCol="0" anchor="ctr"/>
-            <a:lstStyle/>
-            <a:p>
-              <a:pPr algn="ctr"/>
-              <a:endParaRPr lang="ko-KR" altLang="en-US"/>
-            </a:p>
-          </p:txBody>
-        </p:sp>
-        <p:sp>
-          <p:nvSpPr>
-            <p:cNvPr id="34" name="하트 33">
-              <a:extLst>
-                <a:ext uri="{FF2B5EF4-FFF2-40B4-BE49-F238E27FC236}">
-                  <a16:creationId xmlns:a16="http://schemas.microsoft.com/office/drawing/2014/main" id="{5534E6F0-5345-01F8-623B-4FAB07835D8D}"/>
-                </a:ext>
-              </a:extLst>
-            </p:cNvPr>
-            <p:cNvSpPr/>
-            <p:nvPr/>
-          </p:nvSpPr>
-          <p:spPr>
-            <a:xfrm>
-              <a:off x="4754395" y="4568500"/>
-              <a:ext cx="213064" cy="213064"/>
-            </a:xfrm>
-            <a:prstGeom prst="heart">
-              <a:avLst/>
-            </a:prstGeom>
-            <a:solidFill>
-              <a:srgbClr val="F95555"/>
-            </a:solidFill>
-            <a:ln w="28575">
-              <a:solidFill>
-                <a:srgbClr val="A47828"/>
-              </a:solidFill>
-            </a:ln>
-          </p:spPr>
-          <p:style>
-            <a:lnRef idx="2">
-              <a:schemeClr val="accent1">
-                <a:shade val="15000"/>
-              </a:schemeClr>
-            </a:lnRef>
-            <a:fillRef idx="1">
-              <a:schemeClr val="accent1"/>
-            </a:fillRef>
-            <a:effectRef idx="0">
-              <a:schemeClr val="accent1"/>
-            </a:effectRef>
-            <a:fontRef idx="minor">
-              <a:schemeClr val="lt1"/>
-            </a:fontRef>
-          </p:style>
-          <p:txBody>
-            <a:bodyPr rtlCol="0" anchor="ctr"/>
-            <a:lstStyle/>
-            <a:p>
-              <a:pPr algn="ctr"/>
-              <a:endParaRPr lang="ko-KR" altLang="en-US"/>
-            </a:p>
-          </p:txBody>
-        </p:sp>
-        <p:sp>
-          <p:nvSpPr>
-            <p:cNvPr id="35" name="하트 34">
-              <a:extLst>
-                <a:ext uri="{FF2B5EF4-FFF2-40B4-BE49-F238E27FC236}">
-                  <a16:creationId xmlns:a16="http://schemas.microsoft.com/office/drawing/2014/main" id="{C6EE5B96-365F-FC90-AE49-78534610C6B1}"/>
-                </a:ext>
-              </a:extLst>
-            </p:cNvPr>
-            <p:cNvSpPr/>
-            <p:nvPr/>
-          </p:nvSpPr>
-          <p:spPr>
-            <a:xfrm>
-              <a:off x="5034048" y="4568500"/>
-              <a:ext cx="213064" cy="213064"/>
-            </a:xfrm>
-            <a:prstGeom prst="heart">
-              <a:avLst/>
-            </a:prstGeom>
-            <a:solidFill>
-              <a:srgbClr val="F95555"/>
-            </a:solidFill>
-            <a:ln w="28575">
-              <a:solidFill>
-                <a:srgbClr val="A47828"/>
-              </a:solidFill>
-            </a:ln>
-          </p:spPr>
-          <p:style>
-            <a:lnRef idx="2">
-              <a:schemeClr val="accent1">
-                <a:shade val="15000"/>
-              </a:schemeClr>
-            </a:lnRef>
-            <a:fillRef idx="1">
-              <a:schemeClr val="accent1"/>
-            </a:fillRef>
-            <a:effectRef idx="0">
-              <a:schemeClr val="accent1"/>
-            </a:effectRef>
-            <a:fontRef idx="minor">
-              <a:schemeClr val="lt1"/>
-            </a:fontRef>
-          </p:style>
-          <p:txBody>
-            <a:bodyPr rtlCol="0" anchor="ctr"/>
-            <a:lstStyle/>
-            <a:p>
-              <a:pPr algn="ctr"/>
-              <a:endParaRPr lang="ko-KR" altLang="en-US"/>
-            </a:p>
-          </p:txBody>
-        </p:sp>
-        <p:sp>
-          <p:nvSpPr>
-            <p:cNvPr id="36" name="다이아몬드 35">
-              <a:extLst>
-                <a:ext uri="{FF2B5EF4-FFF2-40B4-BE49-F238E27FC236}">
-                  <a16:creationId xmlns:a16="http://schemas.microsoft.com/office/drawing/2014/main" id="{C1C95666-6762-CD07-02DE-5CA4BF4E8C77}"/>
-                </a:ext>
-              </a:extLst>
-            </p:cNvPr>
-            <p:cNvSpPr/>
-            <p:nvPr/>
-          </p:nvSpPr>
-          <p:spPr>
-            <a:xfrm>
-              <a:off x="3907648" y="4846434"/>
-              <a:ext cx="213064" cy="213064"/>
-            </a:xfrm>
-            <a:prstGeom prst="diamond">
-              <a:avLst/>
-            </a:prstGeom>
-            <a:solidFill>
-              <a:srgbClr val="F4E170"/>
-            </a:solidFill>
-            <a:ln w="28575">
-              <a:solidFill>
-                <a:srgbClr val="70AADE"/>
-              </a:solidFill>
-            </a:ln>
-          </p:spPr>
-          <p:style>
-            <a:lnRef idx="2">
-              <a:schemeClr val="accent1">
-                <a:shade val="15000"/>
-              </a:schemeClr>
-            </a:lnRef>
-            <a:fillRef idx="1">
-              <a:schemeClr val="accent1"/>
-            </a:fillRef>
-            <a:effectRef idx="0">
-              <a:schemeClr val="accent1"/>
-            </a:effectRef>
-            <a:fontRef idx="minor">
-              <a:schemeClr val="lt1"/>
-            </a:fontRef>
-          </p:style>
-          <p:txBody>
-            <a:bodyPr rtlCol="0" anchor="ctr"/>
-            <a:lstStyle/>
-            <a:p>
-              <a:pPr algn="ctr"/>
-              <a:endParaRPr lang="ko-KR" altLang="en-US"/>
-            </a:p>
-          </p:txBody>
-        </p:sp>
-        <p:sp>
-          <p:nvSpPr>
-            <p:cNvPr id="37" name="다이아몬드 36">
-              <a:extLst>
-                <a:ext uri="{FF2B5EF4-FFF2-40B4-BE49-F238E27FC236}">
-                  <a16:creationId xmlns:a16="http://schemas.microsoft.com/office/drawing/2014/main" id="{D86A3D00-E293-C134-9D7D-45AA4975919E}"/>
-                </a:ext>
-              </a:extLst>
-            </p:cNvPr>
-            <p:cNvSpPr/>
-            <p:nvPr/>
-          </p:nvSpPr>
-          <p:spPr>
-            <a:xfrm>
-              <a:off x="4188373" y="4846434"/>
-              <a:ext cx="213064" cy="213064"/>
-            </a:xfrm>
-            <a:prstGeom prst="diamond">
-              <a:avLst/>
-            </a:prstGeom>
-            <a:solidFill>
-              <a:srgbClr val="F4E170"/>
-            </a:solidFill>
-            <a:ln w="28575">
-              <a:solidFill>
-                <a:srgbClr val="70AADE"/>
-              </a:solidFill>
-            </a:ln>
-          </p:spPr>
-          <p:style>
-            <a:lnRef idx="2">
-              <a:schemeClr val="accent1">
-                <a:shade val="15000"/>
-              </a:schemeClr>
-            </a:lnRef>
-            <a:fillRef idx="1">
-              <a:schemeClr val="accent1"/>
-            </a:fillRef>
-            <a:effectRef idx="0">
-              <a:schemeClr val="accent1"/>
-            </a:effectRef>
-            <a:fontRef idx="minor">
-              <a:schemeClr val="lt1"/>
-            </a:fontRef>
-          </p:style>
-          <p:txBody>
-            <a:bodyPr rtlCol="0" anchor="ctr"/>
-            <a:lstStyle/>
-            <a:p>
-              <a:pPr algn="ctr"/>
-              <a:endParaRPr lang="ko-KR" altLang="en-US"/>
-            </a:p>
-          </p:txBody>
-        </p:sp>
-        <p:sp>
-          <p:nvSpPr>
-            <p:cNvPr id="38" name="다이아몬드 37">
-              <a:extLst>
-                <a:ext uri="{FF2B5EF4-FFF2-40B4-BE49-F238E27FC236}">
-                  <a16:creationId xmlns:a16="http://schemas.microsoft.com/office/drawing/2014/main" id="{844FA075-69A7-7DE7-FAF9-4C210CF4929A}"/>
-                </a:ext>
-              </a:extLst>
-            </p:cNvPr>
-            <p:cNvSpPr/>
-            <p:nvPr/>
-          </p:nvSpPr>
-          <p:spPr>
-            <a:xfrm>
-              <a:off x="4468023" y="4846434"/>
-              <a:ext cx="213064" cy="213064"/>
-            </a:xfrm>
-            <a:prstGeom prst="diamond">
-              <a:avLst/>
-            </a:prstGeom>
-            <a:solidFill>
-              <a:srgbClr val="F4E170"/>
-            </a:solidFill>
-            <a:ln w="28575">
-              <a:solidFill>
-                <a:srgbClr val="70AADE"/>
-              </a:solidFill>
-            </a:ln>
-          </p:spPr>
-          <p:style>
-            <a:lnRef idx="2">
-              <a:schemeClr val="accent1">
-                <a:shade val="15000"/>
-              </a:schemeClr>
-            </a:lnRef>
-            <a:fillRef idx="1">
-              <a:schemeClr val="accent1"/>
-            </a:fillRef>
-            <a:effectRef idx="0">
-              <a:schemeClr val="accent1"/>
-            </a:effectRef>
-            <a:fontRef idx="minor">
-              <a:schemeClr val="lt1"/>
-            </a:fontRef>
-          </p:style>
-          <p:txBody>
-            <a:bodyPr rtlCol="0" anchor="ctr"/>
-            <a:lstStyle/>
-            <a:p>
-              <a:pPr algn="ctr"/>
-              <a:endParaRPr lang="ko-KR" altLang="en-US"/>
-            </a:p>
-          </p:txBody>
-        </p:sp>
-        <p:sp>
-          <p:nvSpPr>
-            <p:cNvPr id="39" name="TextBox 38">
-              <a:extLst>
-                <a:ext uri="{FF2B5EF4-FFF2-40B4-BE49-F238E27FC236}">
-                  <a16:creationId xmlns:a16="http://schemas.microsoft.com/office/drawing/2014/main" id="{A4269986-EF68-AC71-E35C-3F4F797B4B41}"/>
-                </a:ext>
-              </a:extLst>
-            </p:cNvPr>
-            <p:cNvSpPr txBox="1"/>
-            <p:nvPr/>
-          </p:nvSpPr>
-          <p:spPr>
-            <a:xfrm>
-              <a:off x="5568777" y="4592753"/>
-              <a:ext cx="864019" cy="184666"/>
-            </a:xfrm>
-            <a:prstGeom prst="rect">
-              <a:avLst/>
-            </a:prstGeom>
-            <a:noFill/>
-          </p:spPr>
-          <p:txBody>
-            <a:bodyPr wrap="none" lIns="0" tIns="0" rIns="0" bIns="0" rtlCol="0" anchor="ctr">
-              <a:spAutoFit/>
-            </a:bodyPr>
-            <a:lstStyle/>
-            <a:p>
-              <a:r>
-                <a:rPr lang="en-US" altLang="ko-KR" sz="1200" b="1" dirty="0"/>
-                <a:t>X 1,000,000</a:t>
-              </a:r>
-            </a:p>
-          </p:txBody>
-        </p:sp>
-        <p:sp>
-          <p:nvSpPr>
-            <p:cNvPr id="40" name="TextBox 39">
-              <a:extLst>
-                <a:ext uri="{FF2B5EF4-FFF2-40B4-BE49-F238E27FC236}">
-                  <a16:creationId xmlns:a16="http://schemas.microsoft.com/office/drawing/2014/main" id="{D1A58C13-9B12-B4C2-E972-D09FD348688A}"/>
-                </a:ext>
-              </a:extLst>
-            </p:cNvPr>
-            <p:cNvSpPr txBox="1"/>
-            <p:nvPr/>
-          </p:nvSpPr>
-          <p:spPr>
-            <a:xfrm>
-              <a:off x="5568777" y="4874832"/>
-              <a:ext cx="774251" cy="184666"/>
-            </a:xfrm>
-            <a:prstGeom prst="rect">
-              <a:avLst/>
-            </a:prstGeom>
-            <a:noFill/>
-          </p:spPr>
-          <p:txBody>
-            <a:bodyPr wrap="none" lIns="0" tIns="0" rIns="0" bIns="0" rtlCol="0" anchor="ctr">
-              <a:spAutoFit/>
-            </a:bodyPr>
-            <a:lstStyle/>
-            <a:p>
-              <a:r>
-                <a:rPr lang="en-US" altLang="ko-KR" sz="1200" b="1" dirty="0"/>
-                <a:t>X 1,00,000</a:t>
-              </a:r>
-            </a:p>
-          </p:txBody>
-        </p:sp>
-        <p:sp>
-          <p:nvSpPr>
-            <p:cNvPr id="42" name="직사각형 41">
-              <a:extLst>
-                <a:ext uri="{FF2B5EF4-FFF2-40B4-BE49-F238E27FC236}">
-                  <a16:creationId xmlns:a16="http://schemas.microsoft.com/office/drawing/2014/main" id="{47B6DD6F-EA5E-533F-A7BA-EC2AFBC7CC77}"/>
-                </a:ext>
-              </a:extLst>
-            </p:cNvPr>
-            <p:cNvSpPr/>
-            <p:nvPr/>
-          </p:nvSpPr>
-          <p:spPr>
-            <a:xfrm>
-              <a:off x="3219404" y="3630508"/>
-              <a:ext cx="349600" cy="349600"/>
-            </a:xfrm>
-            <a:prstGeom prst="rect">
-              <a:avLst/>
-            </a:prstGeom>
-            <a:solidFill>
-              <a:schemeClr val="bg1">
-                <a:lumMod val="85000"/>
-              </a:schemeClr>
-            </a:solidFill>
-            <a:ln>
-              <a:solidFill>
-                <a:schemeClr val="tx1"/>
-              </a:solidFill>
-            </a:ln>
-          </p:spPr>
-          <p:style>
-            <a:lnRef idx="2">
-              <a:schemeClr val="accent1">
-                <a:shade val="15000"/>
-              </a:schemeClr>
-            </a:lnRef>
-            <a:fillRef idx="1">
-              <a:schemeClr val="accent1"/>
-            </a:fillRef>
-            <a:effectRef idx="0">
-              <a:schemeClr val="accent1"/>
-            </a:effectRef>
-            <a:fontRef idx="minor">
-              <a:schemeClr val="lt1"/>
-            </a:fontRef>
-          </p:style>
-          <p:txBody>
-            <a:bodyPr rtlCol="0" anchor="ctr"/>
-            <a:lstStyle/>
-            <a:p>
-              <a:pPr algn="ctr"/>
-              <a:endParaRPr lang="ko-KR" altLang="en-US" dirty="0"/>
-            </a:p>
-          </p:txBody>
-        </p:sp>
-        <p:sp>
-          <p:nvSpPr>
-            <p:cNvPr id="43" name="TextBox 42">
-              <a:extLst>
-                <a:ext uri="{FF2B5EF4-FFF2-40B4-BE49-F238E27FC236}">
-                  <a16:creationId xmlns:a16="http://schemas.microsoft.com/office/drawing/2014/main" id="{A5E21058-BF06-6275-7A7A-00FDD915B2B8}"/>
-                </a:ext>
-              </a:extLst>
-            </p:cNvPr>
-            <p:cNvSpPr txBox="1"/>
-            <p:nvPr/>
-          </p:nvSpPr>
-          <p:spPr>
-            <a:xfrm>
-              <a:off x="3355619" y="3846581"/>
-              <a:ext cx="312586" cy="215444"/>
-            </a:xfrm>
-            <a:prstGeom prst="rect">
-              <a:avLst/>
-            </a:prstGeom>
-            <a:noFill/>
-          </p:spPr>
-          <p:txBody>
-            <a:bodyPr wrap="none" lIns="0" tIns="0" rIns="0" bIns="0" rtlCol="0" anchor="ctr">
-              <a:spAutoFit/>
-            </a:bodyPr>
-            <a:lstStyle/>
-            <a:p>
-              <a:r>
-                <a:rPr lang="en-US" altLang="ko-KR" sz="1400" b="1" dirty="0">
-                  <a:ln w="12700">
-                    <a:solidFill>
-                      <a:schemeClr val="tx1"/>
-                    </a:solidFill>
-                  </a:ln>
-                  <a:solidFill>
-                    <a:schemeClr val="bg1"/>
-                  </a:solidFill>
-                </a:rPr>
-                <a:t>100</a:t>
-              </a:r>
-            </a:p>
-          </p:txBody>
-        </p:sp>
-        <p:sp>
-          <p:nvSpPr>
-            <p:cNvPr id="55" name="TextBox 54">
-              <a:extLst>
-                <a:ext uri="{FF2B5EF4-FFF2-40B4-BE49-F238E27FC236}">
-                  <a16:creationId xmlns:a16="http://schemas.microsoft.com/office/drawing/2014/main" id="{05F665DA-B1DD-CC44-4153-5D65C384CE75}"/>
-                </a:ext>
-              </a:extLst>
-            </p:cNvPr>
-            <p:cNvSpPr txBox="1"/>
-            <p:nvPr/>
-          </p:nvSpPr>
-          <p:spPr>
-            <a:xfrm>
-              <a:off x="3804420" y="3764385"/>
-              <a:ext cx="424796" cy="184666"/>
-            </a:xfrm>
-            <a:prstGeom prst="rect">
-              <a:avLst/>
-            </a:prstGeom>
-            <a:noFill/>
-          </p:spPr>
-          <p:txBody>
-            <a:bodyPr wrap="none" lIns="0" tIns="0" rIns="0" bIns="0" rtlCol="0" anchor="ctr">
-              <a:spAutoFit/>
-            </a:bodyPr>
-            <a:lstStyle/>
-            <a:p>
-              <a:r>
-                <a:rPr lang="en-US" altLang="ko-KR" sz="1200" b="1" dirty="0"/>
-                <a:t>X 100</a:t>
-              </a:r>
-            </a:p>
-          </p:txBody>
-        </p:sp>
-        <p:sp>
-          <p:nvSpPr>
-            <p:cNvPr id="60" name="직사각형 59">
-              <a:extLst>
-                <a:ext uri="{FF2B5EF4-FFF2-40B4-BE49-F238E27FC236}">
-                  <a16:creationId xmlns:a16="http://schemas.microsoft.com/office/drawing/2014/main" id="{52F2AEDF-A007-4048-2E9B-02AAF865E66A}"/>
-                </a:ext>
-              </a:extLst>
-            </p:cNvPr>
-            <p:cNvSpPr/>
-            <p:nvPr/>
-          </p:nvSpPr>
-          <p:spPr>
-            <a:xfrm>
-              <a:off x="4555073" y="3630508"/>
-              <a:ext cx="349600" cy="349600"/>
-            </a:xfrm>
-            <a:prstGeom prst="rect">
-              <a:avLst/>
-            </a:prstGeom>
-            <a:solidFill>
-              <a:schemeClr val="bg1">
-                <a:lumMod val="85000"/>
-              </a:schemeClr>
-            </a:solidFill>
-            <a:ln>
-              <a:solidFill>
-                <a:schemeClr val="tx1"/>
-              </a:solidFill>
-            </a:ln>
-          </p:spPr>
-          <p:style>
-            <a:lnRef idx="2">
-              <a:schemeClr val="accent1">
-                <a:shade val="15000"/>
-              </a:schemeClr>
-            </a:lnRef>
-            <a:fillRef idx="1">
-              <a:schemeClr val="accent1"/>
-            </a:fillRef>
-            <a:effectRef idx="0">
-              <a:schemeClr val="accent1"/>
-            </a:effectRef>
-            <a:fontRef idx="minor">
-              <a:schemeClr val="lt1"/>
-            </a:fontRef>
-          </p:style>
-          <p:txBody>
-            <a:bodyPr rtlCol="0" anchor="ctr"/>
-            <a:lstStyle/>
-            <a:p>
-              <a:pPr algn="ctr"/>
-              <a:endParaRPr lang="ko-KR" altLang="en-US" dirty="0"/>
-            </a:p>
-          </p:txBody>
-        </p:sp>
-        <p:sp>
-          <p:nvSpPr>
-            <p:cNvPr id="61" name="TextBox 60">
-              <a:extLst>
-                <a:ext uri="{FF2B5EF4-FFF2-40B4-BE49-F238E27FC236}">
-                  <a16:creationId xmlns:a16="http://schemas.microsoft.com/office/drawing/2014/main" id="{FB51EDBE-6EBD-780A-D180-F11674B59A20}"/>
-                </a:ext>
-              </a:extLst>
-            </p:cNvPr>
-            <p:cNvSpPr txBox="1"/>
-            <p:nvPr/>
-          </p:nvSpPr>
-          <p:spPr>
-            <a:xfrm>
-              <a:off x="4691288" y="3846581"/>
-              <a:ext cx="312586" cy="215444"/>
-            </a:xfrm>
-            <a:prstGeom prst="rect">
-              <a:avLst/>
-            </a:prstGeom>
-            <a:noFill/>
-          </p:spPr>
-          <p:txBody>
-            <a:bodyPr wrap="none" lIns="0" tIns="0" rIns="0" bIns="0" rtlCol="0" anchor="ctr">
-              <a:spAutoFit/>
-            </a:bodyPr>
-            <a:lstStyle/>
-            <a:p>
-              <a:r>
-                <a:rPr lang="en-US" altLang="ko-KR" sz="1400" b="1" dirty="0">
-                  <a:ln w="12700">
-                    <a:solidFill>
-                      <a:schemeClr val="tx1"/>
-                    </a:solidFill>
-                  </a:ln>
-                  <a:solidFill>
-                    <a:schemeClr val="bg1"/>
-                  </a:solidFill>
-                </a:rPr>
-                <a:t>100</a:t>
-              </a:r>
-            </a:p>
-          </p:txBody>
-        </p:sp>
-        <p:sp>
-          <p:nvSpPr>
-            <p:cNvPr id="62" name="TextBox 61">
-              <a:extLst>
-                <a:ext uri="{FF2B5EF4-FFF2-40B4-BE49-F238E27FC236}">
-                  <a16:creationId xmlns:a16="http://schemas.microsoft.com/office/drawing/2014/main" id="{12DA8337-8F5D-7261-550B-D11E27D832E2}"/>
-                </a:ext>
-              </a:extLst>
-            </p:cNvPr>
-            <p:cNvSpPr txBox="1"/>
-            <p:nvPr/>
-          </p:nvSpPr>
-          <p:spPr>
-            <a:xfrm>
-              <a:off x="5140089" y="3764385"/>
-              <a:ext cx="554639" cy="184666"/>
-            </a:xfrm>
-            <a:prstGeom prst="rect">
-              <a:avLst/>
-            </a:prstGeom>
-            <a:noFill/>
-          </p:spPr>
-          <p:txBody>
-            <a:bodyPr wrap="none" lIns="0" tIns="0" rIns="0" bIns="0" rtlCol="0" anchor="ctr">
-              <a:spAutoFit/>
-            </a:bodyPr>
-            <a:lstStyle/>
-            <a:p>
-              <a:r>
-                <a:rPr lang="en-US" altLang="ko-KR" sz="1200" b="1" dirty="0"/>
-                <a:t>X 1,000</a:t>
-              </a:r>
-            </a:p>
-          </p:txBody>
-        </p:sp>
-        <p:sp>
-          <p:nvSpPr>
-            <p:cNvPr id="63" name="직사각형 62">
-              <a:extLst>
-                <a:ext uri="{FF2B5EF4-FFF2-40B4-BE49-F238E27FC236}">
-                  <a16:creationId xmlns:a16="http://schemas.microsoft.com/office/drawing/2014/main" id="{3430BFF4-8637-1CDC-7E4F-5FC0B7468BE0}"/>
-                </a:ext>
-              </a:extLst>
-            </p:cNvPr>
-            <p:cNvSpPr/>
-            <p:nvPr/>
-          </p:nvSpPr>
-          <p:spPr>
-            <a:xfrm>
-              <a:off x="5936001" y="3630508"/>
-              <a:ext cx="349600" cy="349600"/>
-            </a:xfrm>
-            <a:prstGeom prst="rect">
-              <a:avLst/>
-            </a:prstGeom>
-            <a:solidFill>
-              <a:schemeClr val="bg1">
-                <a:lumMod val="85000"/>
-              </a:schemeClr>
-            </a:solidFill>
-            <a:ln>
-              <a:solidFill>
-                <a:schemeClr val="tx1"/>
-              </a:solidFill>
-            </a:ln>
-          </p:spPr>
-          <p:style>
-            <a:lnRef idx="2">
-              <a:schemeClr val="accent1">
-                <a:shade val="15000"/>
-              </a:schemeClr>
-            </a:lnRef>
-            <a:fillRef idx="1">
-              <a:schemeClr val="accent1"/>
-            </a:fillRef>
-            <a:effectRef idx="0">
-              <a:schemeClr val="accent1"/>
-            </a:effectRef>
-            <a:fontRef idx="minor">
-              <a:schemeClr val="lt1"/>
-            </a:fontRef>
-          </p:style>
-          <p:txBody>
-            <a:bodyPr rtlCol="0" anchor="ctr"/>
-            <a:lstStyle/>
-            <a:p>
-              <a:pPr algn="ctr"/>
-              <a:endParaRPr lang="ko-KR" altLang="en-US" dirty="0"/>
-            </a:p>
-          </p:txBody>
-        </p:sp>
-        <p:sp>
-          <p:nvSpPr>
-            <p:cNvPr id="64" name="TextBox 63">
-              <a:extLst>
-                <a:ext uri="{FF2B5EF4-FFF2-40B4-BE49-F238E27FC236}">
-                  <a16:creationId xmlns:a16="http://schemas.microsoft.com/office/drawing/2014/main" id="{E752870E-AF4B-86B0-25D3-9FF55D71F079}"/>
-                </a:ext>
-              </a:extLst>
-            </p:cNvPr>
-            <p:cNvSpPr txBox="1"/>
-            <p:nvPr/>
-          </p:nvSpPr>
-          <p:spPr>
-            <a:xfrm>
-              <a:off x="6072216" y="3846581"/>
-              <a:ext cx="312586" cy="215444"/>
-            </a:xfrm>
-            <a:prstGeom prst="rect">
-              <a:avLst/>
-            </a:prstGeom>
-            <a:noFill/>
-          </p:spPr>
-          <p:txBody>
-            <a:bodyPr wrap="none" lIns="0" tIns="0" rIns="0" bIns="0" rtlCol="0" anchor="ctr">
-              <a:spAutoFit/>
-            </a:bodyPr>
-            <a:lstStyle/>
-            <a:p>
-              <a:r>
-                <a:rPr lang="en-US" altLang="ko-KR" sz="1400" b="1" dirty="0">
-                  <a:ln w="12700">
-                    <a:solidFill>
-                      <a:schemeClr val="tx1"/>
-                    </a:solidFill>
-                  </a:ln>
-                  <a:solidFill>
-                    <a:schemeClr val="bg1"/>
-                  </a:solidFill>
-                </a:rPr>
-                <a:t>100</a:t>
-              </a:r>
-            </a:p>
-          </p:txBody>
-        </p:sp>
-        <p:sp>
-          <p:nvSpPr>
-            <p:cNvPr id="65" name="TextBox 64">
-              <a:extLst>
-                <a:ext uri="{FF2B5EF4-FFF2-40B4-BE49-F238E27FC236}">
-                  <a16:creationId xmlns:a16="http://schemas.microsoft.com/office/drawing/2014/main" id="{5DAFDD8B-EE93-F945-1991-2A3C4AFD3703}"/>
-                </a:ext>
-              </a:extLst>
-            </p:cNvPr>
-            <p:cNvSpPr txBox="1"/>
-            <p:nvPr/>
-          </p:nvSpPr>
-          <p:spPr>
-            <a:xfrm>
-              <a:off x="6521017" y="3764385"/>
-              <a:ext cx="644407" cy="184666"/>
-            </a:xfrm>
-            <a:prstGeom prst="rect">
-              <a:avLst/>
-            </a:prstGeom>
-            <a:noFill/>
-          </p:spPr>
-          <p:txBody>
-            <a:bodyPr wrap="none" lIns="0" tIns="0" rIns="0" bIns="0" rtlCol="0" anchor="ctr">
-              <a:spAutoFit/>
-            </a:bodyPr>
-            <a:lstStyle/>
-            <a:p>
-              <a:r>
-                <a:rPr lang="en-US" altLang="ko-KR" sz="1200" b="1" dirty="0"/>
-                <a:t>X 10,000</a:t>
-              </a:r>
-            </a:p>
-          </p:txBody>
-        </p:sp>
-        <p:sp>
-          <p:nvSpPr>
-            <p:cNvPr id="66" name="직사각형 65">
-              <a:extLst>
-                <a:ext uri="{FF2B5EF4-FFF2-40B4-BE49-F238E27FC236}">
-                  <a16:creationId xmlns:a16="http://schemas.microsoft.com/office/drawing/2014/main" id="{0E2A02E2-CC1F-1DC7-37F4-0FA5D2B2DABC}"/>
-                </a:ext>
-              </a:extLst>
-            </p:cNvPr>
-            <p:cNvSpPr/>
-            <p:nvPr/>
-          </p:nvSpPr>
-          <p:spPr>
-            <a:xfrm>
-              <a:off x="3219404" y="5335686"/>
-              <a:ext cx="349600" cy="349600"/>
-            </a:xfrm>
-            <a:prstGeom prst="rect">
-              <a:avLst/>
-            </a:prstGeom>
-            <a:solidFill>
-              <a:schemeClr val="bg1">
-                <a:lumMod val="85000"/>
-              </a:schemeClr>
-            </a:solidFill>
-            <a:ln>
-              <a:solidFill>
-                <a:schemeClr val="tx1"/>
-              </a:solidFill>
-            </a:ln>
-          </p:spPr>
-          <p:style>
-            <a:lnRef idx="2">
-              <a:schemeClr val="accent1">
-                <a:shade val="15000"/>
-              </a:schemeClr>
-            </a:lnRef>
-            <a:fillRef idx="1">
-              <a:schemeClr val="accent1"/>
-            </a:fillRef>
-            <a:effectRef idx="0">
-              <a:schemeClr val="accent1"/>
-            </a:effectRef>
-            <a:fontRef idx="minor">
-              <a:schemeClr val="lt1"/>
-            </a:fontRef>
-          </p:style>
-          <p:txBody>
-            <a:bodyPr rtlCol="0" anchor="ctr"/>
-            <a:lstStyle/>
-            <a:p>
-              <a:pPr algn="ctr"/>
-              <a:endParaRPr lang="ko-KR" altLang="en-US" dirty="0"/>
-            </a:p>
-          </p:txBody>
-        </p:sp>
-        <p:sp>
-          <p:nvSpPr>
-            <p:cNvPr id="67" name="TextBox 66">
-              <a:extLst>
-                <a:ext uri="{FF2B5EF4-FFF2-40B4-BE49-F238E27FC236}">
-                  <a16:creationId xmlns:a16="http://schemas.microsoft.com/office/drawing/2014/main" id="{2D5D0DCC-499F-D834-7985-FF1A3A0104AE}"/>
-                </a:ext>
-              </a:extLst>
-            </p:cNvPr>
-            <p:cNvSpPr txBox="1"/>
-            <p:nvPr/>
-          </p:nvSpPr>
-          <p:spPr>
-            <a:xfrm>
-              <a:off x="3355619" y="5551759"/>
-              <a:ext cx="312586" cy="215444"/>
-            </a:xfrm>
-            <a:prstGeom prst="rect">
-              <a:avLst/>
-            </a:prstGeom>
-            <a:noFill/>
-          </p:spPr>
-          <p:txBody>
-            <a:bodyPr wrap="none" lIns="0" tIns="0" rIns="0" bIns="0" rtlCol="0" anchor="ctr">
-              <a:spAutoFit/>
-            </a:bodyPr>
-            <a:lstStyle/>
-            <a:p>
-              <a:r>
-                <a:rPr lang="en-US" altLang="ko-KR" sz="1400" b="1" dirty="0">
-                  <a:ln w="12700">
-                    <a:solidFill>
-                      <a:schemeClr val="tx1"/>
-                    </a:solidFill>
-                  </a:ln>
-                  <a:solidFill>
-                    <a:schemeClr val="bg1"/>
-                  </a:solidFill>
-                </a:rPr>
-                <a:t>100</a:t>
-              </a:r>
-            </a:p>
-          </p:txBody>
-        </p:sp>
-        <p:sp>
-          <p:nvSpPr>
-            <p:cNvPr id="68" name="TextBox 67">
-              <a:extLst>
-                <a:ext uri="{FF2B5EF4-FFF2-40B4-BE49-F238E27FC236}">
-                  <a16:creationId xmlns:a16="http://schemas.microsoft.com/office/drawing/2014/main" id="{AAA47D8F-474F-FDBC-2A51-4CD4F73A9334}"/>
-                </a:ext>
-              </a:extLst>
-            </p:cNvPr>
-            <p:cNvSpPr txBox="1"/>
-            <p:nvPr/>
-          </p:nvSpPr>
-          <p:spPr>
-            <a:xfrm>
-              <a:off x="3804420" y="5469563"/>
-              <a:ext cx="424796" cy="184666"/>
-            </a:xfrm>
-            <a:prstGeom prst="rect">
-              <a:avLst/>
-            </a:prstGeom>
-            <a:noFill/>
-          </p:spPr>
-          <p:txBody>
-            <a:bodyPr wrap="none" lIns="0" tIns="0" rIns="0" bIns="0" rtlCol="0" anchor="ctr">
-              <a:spAutoFit/>
-            </a:bodyPr>
-            <a:lstStyle/>
-            <a:p>
-              <a:r>
-                <a:rPr lang="en-US" altLang="ko-KR" sz="1200" b="1" dirty="0"/>
-                <a:t>X 100</a:t>
-              </a:r>
-            </a:p>
-          </p:txBody>
-        </p:sp>
-        <p:sp>
-          <p:nvSpPr>
-            <p:cNvPr id="69" name="직사각형 68">
-              <a:extLst>
-                <a:ext uri="{FF2B5EF4-FFF2-40B4-BE49-F238E27FC236}">
-                  <a16:creationId xmlns:a16="http://schemas.microsoft.com/office/drawing/2014/main" id="{D2189E94-A73C-08B8-3D39-577FBAC987D1}"/>
-                </a:ext>
-              </a:extLst>
-            </p:cNvPr>
-            <p:cNvSpPr/>
-            <p:nvPr/>
-          </p:nvSpPr>
-          <p:spPr>
-            <a:xfrm>
-              <a:off x="4555073" y="5335686"/>
-              <a:ext cx="349600" cy="349600"/>
-            </a:xfrm>
-            <a:prstGeom prst="rect">
-              <a:avLst/>
-            </a:prstGeom>
-            <a:solidFill>
-              <a:schemeClr val="bg1">
-                <a:lumMod val="85000"/>
-              </a:schemeClr>
-            </a:solidFill>
-            <a:ln>
-              <a:solidFill>
-                <a:schemeClr val="tx1"/>
-              </a:solidFill>
-            </a:ln>
-          </p:spPr>
-          <p:style>
-            <a:lnRef idx="2">
-              <a:schemeClr val="accent1">
-                <a:shade val="15000"/>
-              </a:schemeClr>
-            </a:lnRef>
-            <a:fillRef idx="1">
-              <a:schemeClr val="accent1"/>
-            </a:fillRef>
-            <a:effectRef idx="0">
-              <a:schemeClr val="accent1"/>
-            </a:effectRef>
-            <a:fontRef idx="minor">
-              <a:schemeClr val="lt1"/>
-            </a:fontRef>
-          </p:style>
-          <p:txBody>
-            <a:bodyPr rtlCol="0" anchor="ctr"/>
-            <a:lstStyle/>
-            <a:p>
-              <a:pPr algn="ctr"/>
-              <a:endParaRPr lang="ko-KR" altLang="en-US" dirty="0"/>
-            </a:p>
-          </p:txBody>
-        </p:sp>
-        <p:sp>
-          <p:nvSpPr>
-            <p:cNvPr id="70" name="TextBox 69">
-              <a:extLst>
-                <a:ext uri="{FF2B5EF4-FFF2-40B4-BE49-F238E27FC236}">
-                  <a16:creationId xmlns:a16="http://schemas.microsoft.com/office/drawing/2014/main" id="{9FF7161D-3CD8-F537-F7F5-BECD582FB9FA}"/>
-                </a:ext>
-              </a:extLst>
-            </p:cNvPr>
-            <p:cNvSpPr txBox="1"/>
-            <p:nvPr/>
-          </p:nvSpPr>
-          <p:spPr>
-            <a:xfrm>
-              <a:off x="4691288" y="5551759"/>
-              <a:ext cx="312586" cy="215444"/>
-            </a:xfrm>
-            <a:prstGeom prst="rect">
-              <a:avLst/>
-            </a:prstGeom>
-            <a:noFill/>
-          </p:spPr>
-          <p:txBody>
-            <a:bodyPr wrap="none" lIns="0" tIns="0" rIns="0" bIns="0" rtlCol="0" anchor="ctr">
-              <a:spAutoFit/>
-            </a:bodyPr>
-            <a:lstStyle/>
-            <a:p>
-              <a:r>
-                <a:rPr lang="en-US" altLang="ko-KR" sz="1400" b="1" dirty="0">
-                  <a:ln w="12700">
-                    <a:solidFill>
-                      <a:schemeClr val="tx1"/>
-                    </a:solidFill>
-                  </a:ln>
-                  <a:solidFill>
-                    <a:schemeClr val="bg1"/>
-                  </a:solidFill>
-                </a:rPr>
-                <a:t>100</a:t>
-              </a:r>
-            </a:p>
-          </p:txBody>
-        </p:sp>
-        <p:sp>
-          <p:nvSpPr>
-            <p:cNvPr id="71" name="TextBox 70">
-              <a:extLst>
-                <a:ext uri="{FF2B5EF4-FFF2-40B4-BE49-F238E27FC236}">
-                  <a16:creationId xmlns:a16="http://schemas.microsoft.com/office/drawing/2014/main" id="{83BDF3A7-1821-FFDA-FF7F-C2266B11D1DE}"/>
-                </a:ext>
-              </a:extLst>
-            </p:cNvPr>
-            <p:cNvSpPr txBox="1"/>
-            <p:nvPr/>
-          </p:nvSpPr>
-          <p:spPr>
-            <a:xfrm>
-              <a:off x="5140089" y="5469563"/>
-              <a:ext cx="554639" cy="184666"/>
-            </a:xfrm>
-            <a:prstGeom prst="rect">
-              <a:avLst/>
-            </a:prstGeom>
-            <a:noFill/>
-          </p:spPr>
-          <p:txBody>
-            <a:bodyPr wrap="none" lIns="0" tIns="0" rIns="0" bIns="0" rtlCol="0" anchor="ctr">
-              <a:spAutoFit/>
-            </a:bodyPr>
-            <a:lstStyle/>
-            <a:p>
-              <a:r>
-                <a:rPr lang="en-US" altLang="ko-KR" sz="1200" b="1" dirty="0"/>
-                <a:t>X 1,000</a:t>
-              </a:r>
-            </a:p>
-          </p:txBody>
-        </p:sp>
-        <p:sp>
-          <p:nvSpPr>
-            <p:cNvPr id="72" name="직사각형 71">
-              <a:extLst>
-                <a:ext uri="{FF2B5EF4-FFF2-40B4-BE49-F238E27FC236}">
-                  <a16:creationId xmlns:a16="http://schemas.microsoft.com/office/drawing/2014/main" id="{024B3770-0E9E-38F4-AE37-69FAEF524306}"/>
-                </a:ext>
-              </a:extLst>
-            </p:cNvPr>
-            <p:cNvSpPr/>
-            <p:nvPr/>
-          </p:nvSpPr>
-          <p:spPr>
-            <a:xfrm>
-              <a:off x="5936001" y="5335686"/>
-              <a:ext cx="349600" cy="349600"/>
-            </a:xfrm>
-            <a:prstGeom prst="rect">
-              <a:avLst/>
-            </a:prstGeom>
-            <a:solidFill>
-              <a:schemeClr val="bg1">
-                <a:lumMod val="85000"/>
-              </a:schemeClr>
-            </a:solidFill>
-            <a:ln>
-              <a:solidFill>
-                <a:schemeClr val="tx1"/>
-              </a:solidFill>
-            </a:ln>
-          </p:spPr>
-          <p:style>
-            <a:lnRef idx="2">
-              <a:schemeClr val="accent1">
-                <a:shade val="15000"/>
-              </a:schemeClr>
-            </a:lnRef>
-            <a:fillRef idx="1">
-              <a:schemeClr val="accent1"/>
-            </a:fillRef>
-            <a:effectRef idx="0">
-              <a:schemeClr val="accent1"/>
-            </a:effectRef>
-            <a:fontRef idx="minor">
-              <a:schemeClr val="lt1"/>
-            </a:fontRef>
-          </p:style>
-          <p:txBody>
-            <a:bodyPr rtlCol="0" anchor="ctr"/>
-            <a:lstStyle/>
-            <a:p>
-              <a:pPr algn="ctr"/>
-              <a:endParaRPr lang="ko-KR" altLang="en-US" dirty="0"/>
-            </a:p>
-          </p:txBody>
-        </p:sp>
-        <p:sp>
-          <p:nvSpPr>
-            <p:cNvPr id="73" name="TextBox 72">
-              <a:extLst>
-                <a:ext uri="{FF2B5EF4-FFF2-40B4-BE49-F238E27FC236}">
-                  <a16:creationId xmlns:a16="http://schemas.microsoft.com/office/drawing/2014/main" id="{65052A15-9F87-8432-41DF-6D128E7A838E}"/>
-                </a:ext>
-              </a:extLst>
-            </p:cNvPr>
-            <p:cNvSpPr txBox="1"/>
-            <p:nvPr/>
-          </p:nvSpPr>
-          <p:spPr>
-            <a:xfrm>
-              <a:off x="6072216" y="5551759"/>
-              <a:ext cx="312586" cy="215444"/>
-            </a:xfrm>
-            <a:prstGeom prst="rect">
-              <a:avLst/>
-            </a:prstGeom>
-            <a:noFill/>
-          </p:spPr>
-          <p:txBody>
-            <a:bodyPr wrap="none" lIns="0" tIns="0" rIns="0" bIns="0" rtlCol="0" anchor="ctr">
-              <a:spAutoFit/>
-            </a:bodyPr>
-            <a:lstStyle/>
-            <a:p>
-              <a:r>
-                <a:rPr lang="en-US" altLang="ko-KR" sz="1400" b="1" dirty="0">
-                  <a:ln w="12700">
-                    <a:solidFill>
-                      <a:schemeClr val="tx1"/>
-                    </a:solidFill>
-                  </a:ln>
-                  <a:solidFill>
-                    <a:schemeClr val="bg1"/>
-                  </a:solidFill>
-                </a:rPr>
-                <a:t>100</a:t>
-              </a:r>
-            </a:p>
-          </p:txBody>
-        </p:sp>
-        <p:sp>
-          <p:nvSpPr>
-            <p:cNvPr id="74" name="TextBox 73">
-              <a:extLst>
-                <a:ext uri="{FF2B5EF4-FFF2-40B4-BE49-F238E27FC236}">
-                  <a16:creationId xmlns:a16="http://schemas.microsoft.com/office/drawing/2014/main" id="{61AC2A6E-A2C0-7471-2EC2-240394E73630}"/>
-                </a:ext>
-              </a:extLst>
-            </p:cNvPr>
-            <p:cNvSpPr txBox="1"/>
-            <p:nvPr/>
-          </p:nvSpPr>
-          <p:spPr>
-            <a:xfrm>
-              <a:off x="6521017" y="5469563"/>
-              <a:ext cx="644407" cy="184666"/>
-            </a:xfrm>
-            <a:prstGeom prst="rect">
-              <a:avLst/>
-            </a:prstGeom>
-            <a:noFill/>
-          </p:spPr>
-          <p:txBody>
-            <a:bodyPr wrap="none" lIns="0" tIns="0" rIns="0" bIns="0" rtlCol="0" anchor="ctr">
-              <a:spAutoFit/>
-            </a:bodyPr>
-            <a:lstStyle/>
-            <a:p>
-              <a:r>
-                <a:rPr lang="en-US" altLang="ko-KR" sz="1200" b="1" dirty="0"/>
-                <a:t>X 10,000</a:t>
-              </a:r>
-            </a:p>
-          </p:txBody>
-        </p:sp>
-        <p:sp>
-          <p:nvSpPr>
-            <p:cNvPr id="76" name="직사각형 75">
-              <a:extLst>
-                <a:ext uri="{FF2B5EF4-FFF2-40B4-BE49-F238E27FC236}">
-                  <a16:creationId xmlns:a16="http://schemas.microsoft.com/office/drawing/2014/main" id="{F3F49870-BFA7-7FA3-930F-AC2777A25893}"/>
-                </a:ext>
-              </a:extLst>
-            </p:cNvPr>
-            <p:cNvSpPr/>
-            <p:nvPr/>
-          </p:nvSpPr>
-          <p:spPr>
-            <a:xfrm>
-              <a:off x="7468989" y="3479996"/>
-              <a:ext cx="553998" cy="553998"/>
-            </a:xfrm>
-            <a:prstGeom prst="rect">
-              <a:avLst/>
-            </a:prstGeom>
-            <a:solidFill>
-              <a:schemeClr val="bg1">
-                <a:lumMod val="85000"/>
-              </a:schemeClr>
-            </a:solidFill>
-            <a:ln>
-              <a:solidFill>
-                <a:schemeClr val="tx1"/>
-              </a:solidFill>
-            </a:ln>
-          </p:spPr>
-          <p:style>
-            <a:lnRef idx="2">
-              <a:schemeClr val="accent1">
-                <a:shade val="15000"/>
-              </a:schemeClr>
-            </a:lnRef>
-            <a:fillRef idx="1">
-              <a:schemeClr val="accent1"/>
-            </a:fillRef>
-            <a:effectRef idx="0">
-              <a:schemeClr val="accent1"/>
-            </a:effectRef>
-            <a:fontRef idx="minor">
-              <a:schemeClr val="lt1"/>
-            </a:fontRef>
-          </p:style>
-          <p:txBody>
-            <a:bodyPr rtlCol="0" anchor="ctr"/>
-            <a:lstStyle/>
-            <a:p>
-              <a:pPr algn="ctr"/>
-              <a:endParaRPr lang="ko-KR" altLang="en-US" dirty="0"/>
-            </a:p>
-          </p:txBody>
-        </p:sp>
-        <p:sp>
-          <p:nvSpPr>
-            <p:cNvPr id="77" name="TextBox 76">
-              <a:extLst>
-                <a:ext uri="{FF2B5EF4-FFF2-40B4-BE49-F238E27FC236}">
-                  <a16:creationId xmlns:a16="http://schemas.microsoft.com/office/drawing/2014/main" id="{54AEA67D-3B1D-D7E5-F934-B305FEAF320B}"/>
-                </a:ext>
-              </a:extLst>
-            </p:cNvPr>
-            <p:cNvSpPr txBox="1"/>
-            <p:nvPr/>
-          </p:nvSpPr>
-          <p:spPr>
-            <a:xfrm>
-              <a:off x="8105441" y="3546365"/>
-              <a:ext cx="444032" cy="184666"/>
-            </a:xfrm>
-            <a:prstGeom prst="rect">
-              <a:avLst/>
-            </a:prstGeom>
-            <a:noFill/>
-          </p:spPr>
-          <p:txBody>
-            <a:bodyPr wrap="none" lIns="0" tIns="0" rIns="0" bIns="0" rtlCol="0" anchor="ctr">
-              <a:spAutoFit/>
-            </a:bodyPr>
-            <a:lstStyle/>
-            <a:p>
-              <a:r>
-                <a:rPr lang="en-US" altLang="ko-KR" sz="1200" b="1" dirty="0"/>
-                <a:t>88.8%</a:t>
-              </a:r>
-            </a:p>
-          </p:txBody>
-        </p:sp>
-        <p:sp>
-          <p:nvSpPr>
-            <p:cNvPr id="78" name="TextBox 77">
-              <a:extLst>
-                <a:ext uri="{FF2B5EF4-FFF2-40B4-BE49-F238E27FC236}">
-                  <a16:creationId xmlns:a16="http://schemas.microsoft.com/office/drawing/2014/main" id="{167A6EE9-B5BE-5FED-1669-E6DF6B0752F3}"/>
-                </a:ext>
-              </a:extLst>
-            </p:cNvPr>
-            <p:cNvSpPr txBox="1"/>
-            <p:nvPr/>
-          </p:nvSpPr>
-          <p:spPr>
-            <a:xfrm>
-              <a:off x="8104725" y="3764385"/>
-              <a:ext cx="953787" cy="184666"/>
-            </a:xfrm>
-            <a:prstGeom prst="rect">
-              <a:avLst/>
-            </a:prstGeom>
-            <a:noFill/>
-          </p:spPr>
-          <p:txBody>
-            <a:bodyPr wrap="none" lIns="0" tIns="0" rIns="0" bIns="0" rtlCol="0" anchor="ctr">
-              <a:spAutoFit/>
-            </a:bodyPr>
-            <a:lstStyle/>
-            <a:p>
-              <a:r>
-                <a:rPr lang="en-US" altLang="ko-KR" sz="1200" b="1" dirty="0"/>
-                <a:t>X 10,000,000</a:t>
-              </a:r>
-            </a:p>
-          </p:txBody>
-        </p:sp>
-        <p:sp>
-          <p:nvSpPr>
-            <p:cNvPr id="79" name="직사각형 78">
-              <a:extLst>
-                <a:ext uri="{FF2B5EF4-FFF2-40B4-BE49-F238E27FC236}">
-                  <a16:creationId xmlns:a16="http://schemas.microsoft.com/office/drawing/2014/main" id="{336F4A7F-6369-F502-309D-420BD0C7E590}"/>
-                </a:ext>
-              </a:extLst>
-            </p:cNvPr>
-            <p:cNvSpPr/>
-            <p:nvPr/>
-          </p:nvSpPr>
-          <p:spPr>
-            <a:xfrm>
-              <a:off x="7468989" y="5213205"/>
-              <a:ext cx="553998" cy="553998"/>
-            </a:xfrm>
-            <a:prstGeom prst="rect">
-              <a:avLst/>
-            </a:prstGeom>
-            <a:solidFill>
-              <a:schemeClr val="bg1">
-                <a:lumMod val="85000"/>
-              </a:schemeClr>
-            </a:solidFill>
-            <a:ln>
-              <a:solidFill>
-                <a:schemeClr val="tx1"/>
-              </a:solidFill>
-            </a:ln>
-          </p:spPr>
-          <p:style>
-            <a:lnRef idx="2">
-              <a:schemeClr val="accent1">
-                <a:shade val="15000"/>
-              </a:schemeClr>
-            </a:lnRef>
-            <a:fillRef idx="1">
-              <a:schemeClr val="accent1"/>
-            </a:fillRef>
-            <a:effectRef idx="0">
-              <a:schemeClr val="accent1"/>
-            </a:effectRef>
-            <a:fontRef idx="minor">
-              <a:schemeClr val="lt1"/>
-            </a:fontRef>
-          </p:style>
-          <p:txBody>
-            <a:bodyPr rtlCol="0" anchor="ctr"/>
-            <a:lstStyle/>
-            <a:p>
-              <a:pPr algn="ctr"/>
-              <a:endParaRPr lang="ko-KR" altLang="en-US" dirty="0"/>
-            </a:p>
-          </p:txBody>
-        </p:sp>
-        <p:sp>
-          <p:nvSpPr>
-            <p:cNvPr id="80" name="TextBox 79">
-              <a:extLst>
-                <a:ext uri="{FF2B5EF4-FFF2-40B4-BE49-F238E27FC236}">
-                  <a16:creationId xmlns:a16="http://schemas.microsoft.com/office/drawing/2014/main" id="{9A2989D4-3401-4451-A353-92173F3B8EF2}"/>
-                </a:ext>
-              </a:extLst>
-            </p:cNvPr>
-            <p:cNvSpPr txBox="1"/>
-            <p:nvPr/>
-          </p:nvSpPr>
-          <p:spPr>
-            <a:xfrm>
-              <a:off x="8105441" y="5279574"/>
-              <a:ext cx="444032" cy="184666"/>
-            </a:xfrm>
-            <a:prstGeom prst="rect">
-              <a:avLst/>
-            </a:prstGeom>
-            <a:noFill/>
-          </p:spPr>
-          <p:txBody>
-            <a:bodyPr wrap="none" lIns="0" tIns="0" rIns="0" bIns="0" rtlCol="0" anchor="ctr">
-              <a:spAutoFit/>
-            </a:bodyPr>
-            <a:lstStyle/>
-            <a:p>
-              <a:r>
-                <a:rPr lang="en-US" altLang="ko-KR" sz="1200" b="1" dirty="0"/>
-                <a:t>88.8%</a:t>
-              </a:r>
-            </a:p>
-          </p:txBody>
-        </p:sp>
-        <p:sp>
-          <p:nvSpPr>
-            <p:cNvPr id="81" name="TextBox 80">
-              <a:extLst>
-                <a:ext uri="{FF2B5EF4-FFF2-40B4-BE49-F238E27FC236}">
-                  <a16:creationId xmlns:a16="http://schemas.microsoft.com/office/drawing/2014/main" id="{AA53787D-A0A3-175D-E1AD-7EC38F0F2970}"/>
-                </a:ext>
-              </a:extLst>
-            </p:cNvPr>
-            <p:cNvSpPr txBox="1"/>
-            <p:nvPr/>
-          </p:nvSpPr>
-          <p:spPr>
-            <a:xfrm>
-              <a:off x="8104725" y="5497594"/>
-              <a:ext cx="953787" cy="184666"/>
-            </a:xfrm>
-            <a:prstGeom prst="rect">
-              <a:avLst/>
-            </a:prstGeom>
-            <a:noFill/>
-          </p:spPr>
-          <p:txBody>
-            <a:bodyPr wrap="none" lIns="0" tIns="0" rIns="0" bIns="0" rtlCol="0" anchor="ctr">
-              <a:spAutoFit/>
-            </a:bodyPr>
-            <a:lstStyle/>
-            <a:p>
-              <a:r>
-                <a:rPr lang="en-US" altLang="ko-KR" sz="1200" b="1" dirty="0"/>
-                <a:t>X 10,000,000</a:t>
-              </a:r>
-            </a:p>
-          </p:txBody>
-        </p:sp>
-        <p:sp>
-          <p:nvSpPr>
-            <p:cNvPr id="2" name="TextBox 1">
-              <a:extLst>
-                <a:ext uri="{FF2B5EF4-FFF2-40B4-BE49-F238E27FC236}">
-                  <a16:creationId xmlns:a16="http://schemas.microsoft.com/office/drawing/2014/main" id="{AB07C90A-6C6A-0CC5-C60F-9FF9F9FBBC3D}"/>
-                </a:ext>
-              </a:extLst>
-            </p:cNvPr>
-            <p:cNvSpPr txBox="1"/>
-            <p:nvPr/>
-          </p:nvSpPr>
-          <p:spPr>
-            <a:xfrm>
-              <a:off x="3555881" y="586827"/>
-              <a:ext cx="4895571" cy="2277547"/>
-            </a:xfrm>
-            <a:prstGeom prst="rect">
-              <a:avLst/>
-            </a:prstGeom>
-            <a:noFill/>
-          </p:spPr>
-          <p:txBody>
-            <a:bodyPr wrap="none" lIns="0" tIns="0" rIns="0" bIns="0" rtlCol="0">
-              <a:spAutoFit/>
-            </a:bodyPr>
-            <a:lstStyle/>
-            <a:p>
-              <a:r>
-                <a:rPr lang="en-US" altLang="ko-KR" sz="14800" dirty="0">
-                  <a:ln w="19050">
-                    <a:solidFill>
-                      <a:schemeClr val="tx1"/>
-                    </a:solidFill>
-                  </a:ln>
-                  <a:solidFill>
-                    <a:schemeClr val="bg1">
-                      <a:lumMod val="95000"/>
-                    </a:schemeClr>
-                  </a:solidFill>
-                </a:rPr>
-                <a:t>Clear!</a:t>
-              </a:r>
-              <a:endParaRPr lang="ko-KR" altLang="en-US" sz="14800" dirty="0">
-                <a:ln w="19050">
-                  <a:solidFill>
-                    <a:schemeClr val="tx1"/>
-                  </a:solidFill>
-                </a:ln>
-                <a:solidFill>
-                  <a:schemeClr val="bg1">
-                    <a:lumMod val="95000"/>
-                  </a:schemeClr>
-                </a:solidFill>
-              </a:endParaRPr>
-            </a:p>
-          </p:txBody>
-        </p:sp>
-      </p:grpSp>
       <p:sp>
         <p:nvSpPr>
           <p:cNvPr id="86" name="TextBox 85">
@@ -15285,7 +12759,7 @@
         </p:nvSpPr>
         <p:spPr>
           <a:xfrm>
-            <a:off x="10004499" y="4256240"/>
+            <a:off x="10004499" y="4809326"/>
             <a:ext cx="1107996" cy="461665"/>
           </a:xfrm>
           <a:prstGeom prst="rect">
@@ -15320,7 +12794,7 @@
         </p:nvSpPr>
         <p:spPr>
           <a:xfrm>
-            <a:off x="10004499" y="4928096"/>
+            <a:off x="10004499" y="5481182"/>
             <a:ext cx="1107996" cy="461665"/>
           </a:xfrm>
           <a:prstGeom prst="rect">
@@ -15355,7 +12829,7 @@
         </p:nvGrpSpPr>
         <p:grpSpPr>
           <a:xfrm>
-            <a:off x="9486936" y="4256241"/>
+            <a:off x="9486936" y="4809327"/>
             <a:ext cx="517563" cy="492160"/>
             <a:chOff x="5332521" y="3473841"/>
             <a:chExt cx="679692" cy="646331"/>
@@ -15489,7 +12963,7 @@
         </p:nvGrpSpPr>
         <p:grpSpPr>
           <a:xfrm>
-            <a:off x="9486935" y="4928096"/>
+            <a:off x="9486935" y="5481182"/>
             <a:ext cx="517564" cy="492161"/>
             <a:chOff x="8558572" y="3473841"/>
             <a:chExt cx="679692" cy="646331"/>
@@ -15602,6 +13076,2306 @@
             <a:p>
               <a:pPr algn="ctr"/>
               <a:endParaRPr lang="ko-KR" altLang="en-US"/>
+            </a:p>
+          </p:txBody>
+        </p:sp>
+      </p:grpSp>
+      <p:grpSp>
+        <p:nvGrpSpPr>
+          <p:cNvPr id="140" name="그룹 139">
+            <a:extLst>
+              <a:ext uri="{FF2B5EF4-FFF2-40B4-BE49-F238E27FC236}">
+                <a16:creationId xmlns:a16="http://schemas.microsoft.com/office/drawing/2014/main" id="{4F090C75-D249-ED12-D623-000EA0ABB244}"/>
+              </a:ext>
+            </a:extLst>
+          </p:cNvPr>
+          <p:cNvGrpSpPr/>
+          <p:nvPr/>
+        </p:nvGrpSpPr>
+        <p:grpSpPr>
+          <a:xfrm>
+            <a:off x="2909887" y="283156"/>
+            <a:ext cx="6372225" cy="5765153"/>
+            <a:chOff x="2909887" y="190823"/>
+            <a:chExt cx="6372225" cy="5765153"/>
+          </a:xfrm>
+        </p:grpSpPr>
+        <p:sp>
+          <p:nvSpPr>
+            <p:cNvPr id="75" name="사각형: 둥근 모서리 74">
+              <a:extLst>
+                <a:ext uri="{FF2B5EF4-FFF2-40B4-BE49-F238E27FC236}">
+                  <a16:creationId xmlns:a16="http://schemas.microsoft.com/office/drawing/2014/main" id="{28C9B444-4C68-16B1-A3B0-18A9BEDF68B9}"/>
+                </a:ext>
+              </a:extLst>
+            </p:cNvPr>
+            <p:cNvSpPr/>
+            <p:nvPr/>
+          </p:nvSpPr>
+          <p:spPr>
+            <a:xfrm>
+              <a:off x="2909887" y="1817008"/>
+              <a:ext cx="6372225" cy="4138968"/>
+            </a:xfrm>
+            <a:prstGeom prst="roundRect">
+              <a:avLst>
+                <a:gd name="adj" fmla="val 4628"/>
+              </a:avLst>
+            </a:prstGeom>
+            <a:solidFill>
+              <a:schemeClr val="bg1">
+                <a:lumMod val="95000"/>
+              </a:schemeClr>
+            </a:solidFill>
+          </p:spPr>
+          <p:style>
+            <a:lnRef idx="2">
+              <a:schemeClr val="accent1">
+                <a:shade val="15000"/>
+              </a:schemeClr>
+            </a:lnRef>
+            <a:fillRef idx="1">
+              <a:schemeClr val="accent1"/>
+            </a:fillRef>
+            <a:effectRef idx="0">
+              <a:schemeClr val="accent1"/>
+            </a:effectRef>
+            <a:fontRef idx="minor">
+              <a:schemeClr val="lt1"/>
+            </a:fontRef>
+          </p:style>
+          <p:txBody>
+            <a:bodyPr rtlCol="0" anchor="ctr"/>
+            <a:lstStyle/>
+            <a:p>
+              <a:pPr algn="ctr"/>
+              <a:endParaRPr lang="ko-KR" altLang="en-US"/>
+            </a:p>
+          </p:txBody>
+        </p:sp>
+        <p:sp>
+          <p:nvSpPr>
+            <p:cNvPr id="82" name="TextBox 81">
+              <a:extLst>
+                <a:ext uri="{FF2B5EF4-FFF2-40B4-BE49-F238E27FC236}">
+                  <a16:creationId xmlns:a16="http://schemas.microsoft.com/office/drawing/2014/main" id="{1E1A1382-870D-19C2-001B-F2FF954B36F3}"/>
+                </a:ext>
+              </a:extLst>
+            </p:cNvPr>
+            <p:cNvSpPr txBox="1"/>
+            <p:nvPr/>
+          </p:nvSpPr>
+          <p:spPr>
+            <a:xfrm>
+              <a:off x="3252741" y="2299138"/>
+              <a:ext cx="589841" cy="184666"/>
+            </a:xfrm>
+            <a:prstGeom prst="rect">
+              <a:avLst/>
+            </a:prstGeom>
+            <a:noFill/>
+          </p:spPr>
+          <p:txBody>
+            <a:bodyPr wrap="none" lIns="0" tIns="0" rIns="0" bIns="0" rtlCol="0" anchor="ctr">
+              <a:spAutoFit/>
+            </a:bodyPr>
+            <a:lstStyle/>
+            <a:p>
+              <a:r>
+                <a:rPr lang="en-US" altLang="ko-KR" sz="1200" b="1" dirty="0"/>
+                <a:t>Player 1</a:t>
+              </a:r>
+            </a:p>
+          </p:txBody>
+        </p:sp>
+        <p:sp>
+          <p:nvSpPr>
+            <p:cNvPr id="83" name="TextBox 82">
+              <a:extLst>
+                <a:ext uri="{FF2B5EF4-FFF2-40B4-BE49-F238E27FC236}">
+                  <a16:creationId xmlns:a16="http://schemas.microsoft.com/office/drawing/2014/main" id="{58E3FA99-866C-DAF4-9DBE-95D6EFC369DC}"/>
+                </a:ext>
+              </a:extLst>
+            </p:cNvPr>
+            <p:cNvSpPr txBox="1"/>
+            <p:nvPr/>
+          </p:nvSpPr>
+          <p:spPr>
+            <a:xfrm>
+              <a:off x="3940985" y="2299138"/>
+              <a:ext cx="1107676" cy="184666"/>
+            </a:xfrm>
+            <a:prstGeom prst="rect">
+              <a:avLst/>
+            </a:prstGeom>
+            <a:noFill/>
+          </p:spPr>
+          <p:txBody>
+            <a:bodyPr wrap="none" lIns="0" tIns="0" rIns="0" bIns="0" rtlCol="0" anchor="ctr">
+              <a:spAutoFit/>
+            </a:bodyPr>
+            <a:lstStyle/>
+            <a:p>
+              <a:r>
+                <a:rPr lang="en-US" altLang="ko-KR" sz="1200" b="1" dirty="0"/>
+                <a:t>00,000,000,000</a:t>
+              </a:r>
+            </a:p>
+          </p:txBody>
+        </p:sp>
+        <p:sp>
+          <p:nvSpPr>
+            <p:cNvPr id="84" name="직사각형 83">
+              <a:extLst>
+                <a:ext uri="{FF2B5EF4-FFF2-40B4-BE49-F238E27FC236}">
+                  <a16:creationId xmlns:a16="http://schemas.microsoft.com/office/drawing/2014/main" id="{AB297A60-70FF-49BE-42BA-8253D2D59101}"/>
+                </a:ext>
+              </a:extLst>
+            </p:cNvPr>
+            <p:cNvSpPr/>
+            <p:nvPr/>
+          </p:nvSpPr>
+          <p:spPr>
+            <a:xfrm>
+              <a:off x="3252741" y="2592994"/>
+              <a:ext cx="553998" cy="553998"/>
+            </a:xfrm>
+            <a:prstGeom prst="rect">
+              <a:avLst/>
+            </a:prstGeom>
+            <a:solidFill>
+              <a:schemeClr val="bg1">
+                <a:lumMod val="85000"/>
+              </a:schemeClr>
+            </a:solidFill>
+            <a:ln>
+              <a:solidFill>
+                <a:schemeClr val="tx1"/>
+              </a:solidFill>
+            </a:ln>
+          </p:spPr>
+          <p:style>
+            <a:lnRef idx="2">
+              <a:schemeClr val="accent1">
+                <a:shade val="15000"/>
+              </a:schemeClr>
+            </a:lnRef>
+            <a:fillRef idx="1">
+              <a:schemeClr val="accent1"/>
+            </a:fillRef>
+            <a:effectRef idx="0">
+              <a:schemeClr val="accent1"/>
+            </a:effectRef>
+            <a:fontRef idx="minor">
+              <a:schemeClr val="lt1"/>
+            </a:fontRef>
+          </p:style>
+          <p:txBody>
+            <a:bodyPr rtlCol="0" anchor="ctr"/>
+            <a:lstStyle/>
+            <a:p>
+              <a:pPr algn="ctr"/>
+              <a:endParaRPr lang="ko-KR" altLang="en-US" dirty="0"/>
+            </a:p>
+          </p:txBody>
+        </p:sp>
+        <p:sp>
+          <p:nvSpPr>
+            <p:cNvPr id="94" name="하트 93">
+              <a:extLst>
+                <a:ext uri="{FF2B5EF4-FFF2-40B4-BE49-F238E27FC236}">
+                  <a16:creationId xmlns:a16="http://schemas.microsoft.com/office/drawing/2014/main" id="{0FD3653E-F4F9-137B-EBD4-A6C387920AB6}"/>
+                </a:ext>
+              </a:extLst>
+            </p:cNvPr>
+            <p:cNvSpPr/>
+            <p:nvPr/>
+          </p:nvSpPr>
+          <p:spPr>
+            <a:xfrm>
+              <a:off x="3942057" y="2592994"/>
+              <a:ext cx="213064" cy="213064"/>
+            </a:xfrm>
+            <a:prstGeom prst="heart">
+              <a:avLst/>
+            </a:prstGeom>
+            <a:solidFill>
+              <a:srgbClr val="F95555"/>
+            </a:solidFill>
+            <a:ln w="28575">
+              <a:solidFill>
+                <a:srgbClr val="A47828"/>
+              </a:solidFill>
+            </a:ln>
+          </p:spPr>
+          <p:style>
+            <a:lnRef idx="2">
+              <a:schemeClr val="accent1">
+                <a:shade val="15000"/>
+              </a:schemeClr>
+            </a:lnRef>
+            <a:fillRef idx="1">
+              <a:schemeClr val="accent1"/>
+            </a:fillRef>
+            <a:effectRef idx="0">
+              <a:schemeClr val="accent1"/>
+            </a:effectRef>
+            <a:fontRef idx="minor">
+              <a:schemeClr val="lt1"/>
+            </a:fontRef>
+          </p:style>
+          <p:txBody>
+            <a:bodyPr rtlCol="0" anchor="ctr"/>
+            <a:lstStyle/>
+            <a:p>
+              <a:pPr algn="ctr"/>
+              <a:endParaRPr lang="ko-KR" altLang="en-US"/>
+            </a:p>
+          </p:txBody>
+        </p:sp>
+        <p:sp>
+          <p:nvSpPr>
+            <p:cNvPr id="95" name="하트 94">
+              <a:extLst>
+                <a:ext uri="{FF2B5EF4-FFF2-40B4-BE49-F238E27FC236}">
+                  <a16:creationId xmlns:a16="http://schemas.microsoft.com/office/drawing/2014/main" id="{4A0FC69E-A668-E7B3-4284-D8958E8EA5B4}"/>
+                </a:ext>
+              </a:extLst>
+            </p:cNvPr>
+            <p:cNvSpPr/>
+            <p:nvPr/>
+          </p:nvSpPr>
+          <p:spPr>
+            <a:xfrm>
+              <a:off x="4221710" y="2592994"/>
+              <a:ext cx="213064" cy="213064"/>
+            </a:xfrm>
+            <a:prstGeom prst="heart">
+              <a:avLst/>
+            </a:prstGeom>
+            <a:solidFill>
+              <a:srgbClr val="F95555"/>
+            </a:solidFill>
+            <a:ln w="28575">
+              <a:solidFill>
+                <a:srgbClr val="A47828"/>
+              </a:solidFill>
+            </a:ln>
+          </p:spPr>
+          <p:style>
+            <a:lnRef idx="2">
+              <a:schemeClr val="accent1">
+                <a:shade val="15000"/>
+              </a:schemeClr>
+            </a:lnRef>
+            <a:fillRef idx="1">
+              <a:schemeClr val="accent1"/>
+            </a:fillRef>
+            <a:effectRef idx="0">
+              <a:schemeClr val="accent1"/>
+            </a:effectRef>
+            <a:fontRef idx="minor">
+              <a:schemeClr val="lt1"/>
+            </a:fontRef>
+          </p:style>
+          <p:txBody>
+            <a:bodyPr rtlCol="0" anchor="ctr"/>
+            <a:lstStyle/>
+            <a:p>
+              <a:pPr algn="ctr"/>
+              <a:endParaRPr lang="ko-KR" altLang="en-US"/>
+            </a:p>
+          </p:txBody>
+        </p:sp>
+        <p:sp>
+          <p:nvSpPr>
+            <p:cNvPr id="96" name="하트 95">
+              <a:extLst>
+                <a:ext uri="{FF2B5EF4-FFF2-40B4-BE49-F238E27FC236}">
+                  <a16:creationId xmlns:a16="http://schemas.microsoft.com/office/drawing/2014/main" id="{5ACEEC0A-6D87-0F1B-5935-FE37011D6BC9}"/>
+                </a:ext>
+              </a:extLst>
+            </p:cNvPr>
+            <p:cNvSpPr/>
+            <p:nvPr/>
+          </p:nvSpPr>
+          <p:spPr>
+            <a:xfrm>
+              <a:off x="4501360" y="2592994"/>
+              <a:ext cx="213064" cy="213064"/>
+            </a:xfrm>
+            <a:prstGeom prst="heart">
+              <a:avLst/>
+            </a:prstGeom>
+            <a:solidFill>
+              <a:srgbClr val="F95555"/>
+            </a:solidFill>
+            <a:ln w="28575">
+              <a:solidFill>
+                <a:srgbClr val="A47828"/>
+              </a:solidFill>
+            </a:ln>
+          </p:spPr>
+          <p:style>
+            <a:lnRef idx="2">
+              <a:schemeClr val="accent1">
+                <a:shade val="15000"/>
+              </a:schemeClr>
+            </a:lnRef>
+            <a:fillRef idx="1">
+              <a:schemeClr val="accent1"/>
+            </a:fillRef>
+            <a:effectRef idx="0">
+              <a:schemeClr val="accent1"/>
+            </a:effectRef>
+            <a:fontRef idx="minor">
+              <a:schemeClr val="lt1"/>
+            </a:fontRef>
+          </p:style>
+          <p:txBody>
+            <a:bodyPr rtlCol="0" anchor="ctr"/>
+            <a:lstStyle/>
+            <a:p>
+              <a:pPr algn="ctr"/>
+              <a:endParaRPr lang="ko-KR" altLang="en-US"/>
+            </a:p>
+          </p:txBody>
+        </p:sp>
+        <p:sp>
+          <p:nvSpPr>
+            <p:cNvPr id="97" name="하트 96">
+              <a:extLst>
+                <a:ext uri="{FF2B5EF4-FFF2-40B4-BE49-F238E27FC236}">
+                  <a16:creationId xmlns:a16="http://schemas.microsoft.com/office/drawing/2014/main" id="{55CC8601-5B6F-A2CB-8682-5E288ED8DA20}"/>
+                </a:ext>
+              </a:extLst>
+            </p:cNvPr>
+            <p:cNvSpPr/>
+            <p:nvPr/>
+          </p:nvSpPr>
+          <p:spPr>
+            <a:xfrm>
+              <a:off x="4787732" y="2592994"/>
+              <a:ext cx="213064" cy="213064"/>
+            </a:xfrm>
+            <a:prstGeom prst="heart">
+              <a:avLst/>
+            </a:prstGeom>
+            <a:solidFill>
+              <a:srgbClr val="F95555"/>
+            </a:solidFill>
+            <a:ln w="28575">
+              <a:solidFill>
+                <a:srgbClr val="A47828"/>
+              </a:solidFill>
+            </a:ln>
+          </p:spPr>
+          <p:style>
+            <a:lnRef idx="2">
+              <a:schemeClr val="accent1">
+                <a:shade val="15000"/>
+              </a:schemeClr>
+            </a:lnRef>
+            <a:fillRef idx="1">
+              <a:schemeClr val="accent1"/>
+            </a:fillRef>
+            <a:effectRef idx="0">
+              <a:schemeClr val="accent1"/>
+            </a:effectRef>
+            <a:fontRef idx="minor">
+              <a:schemeClr val="lt1"/>
+            </a:fontRef>
+          </p:style>
+          <p:txBody>
+            <a:bodyPr rtlCol="0" anchor="ctr"/>
+            <a:lstStyle/>
+            <a:p>
+              <a:pPr algn="ctr"/>
+              <a:endParaRPr lang="ko-KR" altLang="en-US"/>
+            </a:p>
+          </p:txBody>
+        </p:sp>
+        <p:sp>
+          <p:nvSpPr>
+            <p:cNvPr id="98" name="하트 97">
+              <a:extLst>
+                <a:ext uri="{FF2B5EF4-FFF2-40B4-BE49-F238E27FC236}">
+                  <a16:creationId xmlns:a16="http://schemas.microsoft.com/office/drawing/2014/main" id="{95DFF8D8-5166-7797-C952-87265358FB74}"/>
+                </a:ext>
+              </a:extLst>
+            </p:cNvPr>
+            <p:cNvSpPr/>
+            <p:nvPr/>
+          </p:nvSpPr>
+          <p:spPr>
+            <a:xfrm>
+              <a:off x="5067385" y="2592994"/>
+              <a:ext cx="213064" cy="213064"/>
+            </a:xfrm>
+            <a:prstGeom prst="heart">
+              <a:avLst/>
+            </a:prstGeom>
+            <a:solidFill>
+              <a:srgbClr val="F95555"/>
+            </a:solidFill>
+            <a:ln w="28575">
+              <a:solidFill>
+                <a:srgbClr val="A47828"/>
+              </a:solidFill>
+            </a:ln>
+          </p:spPr>
+          <p:style>
+            <a:lnRef idx="2">
+              <a:schemeClr val="accent1">
+                <a:shade val="15000"/>
+              </a:schemeClr>
+            </a:lnRef>
+            <a:fillRef idx="1">
+              <a:schemeClr val="accent1"/>
+            </a:fillRef>
+            <a:effectRef idx="0">
+              <a:schemeClr val="accent1"/>
+            </a:effectRef>
+            <a:fontRef idx="minor">
+              <a:schemeClr val="lt1"/>
+            </a:fontRef>
+          </p:style>
+          <p:txBody>
+            <a:bodyPr rtlCol="0" anchor="ctr"/>
+            <a:lstStyle/>
+            <a:p>
+              <a:pPr algn="ctr"/>
+              <a:endParaRPr lang="ko-KR" altLang="en-US"/>
+            </a:p>
+          </p:txBody>
+        </p:sp>
+        <p:sp>
+          <p:nvSpPr>
+            <p:cNvPr id="99" name="다이아몬드 98">
+              <a:extLst>
+                <a:ext uri="{FF2B5EF4-FFF2-40B4-BE49-F238E27FC236}">
+                  <a16:creationId xmlns:a16="http://schemas.microsoft.com/office/drawing/2014/main" id="{20B4E6FD-678D-0827-615E-43649D91824A}"/>
+                </a:ext>
+              </a:extLst>
+            </p:cNvPr>
+            <p:cNvSpPr/>
+            <p:nvPr/>
+          </p:nvSpPr>
+          <p:spPr>
+            <a:xfrm>
+              <a:off x="3940985" y="2870928"/>
+              <a:ext cx="213064" cy="213064"/>
+            </a:xfrm>
+            <a:prstGeom prst="diamond">
+              <a:avLst/>
+            </a:prstGeom>
+            <a:solidFill>
+              <a:srgbClr val="F4E170"/>
+            </a:solidFill>
+            <a:ln w="28575">
+              <a:solidFill>
+                <a:srgbClr val="70AADE"/>
+              </a:solidFill>
+            </a:ln>
+          </p:spPr>
+          <p:style>
+            <a:lnRef idx="2">
+              <a:schemeClr val="accent1">
+                <a:shade val="15000"/>
+              </a:schemeClr>
+            </a:lnRef>
+            <a:fillRef idx="1">
+              <a:schemeClr val="accent1"/>
+            </a:fillRef>
+            <a:effectRef idx="0">
+              <a:schemeClr val="accent1"/>
+            </a:effectRef>
+            <a:fontRef idx="minor">
+              <a:schemeClr val="lt1"/>
+            </a:fontRef>
+          </p:style>
+          <p:txBody>
+            <a:bodyPr rtlCol="0" anchor="ctr"/>
+            <a:lstStyle/>
+            <a:p>
+              <a:pPr algn="ctr"/>
+              <a:endParaRPr lang="ko-KR" altLang="en-US"/>
+            </a:p>
+          </p:txBody>
+        </p:sp>
+        <p:sp>
+          <p:nvSpPr>
+            <p:cNvPr id="100" name="다이아몬드 99">
+              <a:extLst>
+                <a:ext uri="{FF2B5EF4-FFF2-40B4-BE49-F238E27FC236}">
+                  <a16:creationId xmlns:a16="http://schemas.microsoft.com/office/drawing/2014/main" id="{256A17BB-6F03-47E3-4304-3DCC7241878C}"/>
+                </a:ext>
+              </a:extLst>
+            </p:cNvPr>
+            <p:cNvSpPr/>
+            <p:nvPr/>
+          </p:nvSpPr>
+          <p:spPr>
+            <a:xfrm>
+              <a:off x="4221710" y="2870928"/>
+              <a:ext cx="213064" cy="213064"/>
+            </a:xfrm>
+            <a:prstGeom prst="diamond">
+              <a:avLst/>
+            </a:prstGeom>
+            <a:solidFill>
+              <a:srgbClr val="F4E170"/>
+            </a:solidFill>
+            <a:ln w="28575">
+              <a:solidFill>
+                <a:srgbClr val="70AADE"/>
+              </a:solidFill>
+            </a:ln>
+          </p:spPr>
+          <p:style>
+            <a:lnRef idx="2">
+              <a:schemeClr val="accent1">
+                <a:shade val="15000"/>
+              </a:schemeClr>
+            </a:lnRef>
+            <a:fillRef idx="1">
+              <a:schemeClr val="accent1"/>
+            </a:fillRef>
+            <a:effectRef idx="0">
+              <a:schemeClr val="accent1"/>
+            </a:effectRef>
+            <a:fontRef idx="minor">
+              <a:schemeClr val="lt1"/>
+            </a:fontRef>
+          </p:style>
+          <p:txBody>
+            <a:bodyPr rtlCol="0" anchor="ctr"/>
+            <a:lstStyle/>
+            <a:p>
+              <a:pPr algn="ctr"/>
+              <a:endParaRPr lang="ko-KR" altLang="en-US"/>
+            </a:p>
+          </p:txBody>
+        </p:sp>
+        <p:sp>
+          <p:nvSpPr>
+            <p:cNvPr id="101" name="다이아몬드 100">
+              <a:extLst>
+                <a:ext uri="{FF2B5EF4-FFF2-40B4-BE49-F238E27FC236}">
+                  <a16:creationId xmlns:a16="http://schemas.microsoft.com/office/drawing/2014/main" id="{42ECDAF1-B2D8-0492-01A0-9F8649619A5E}"/>
+                </a:ext>
+              </a:extLst>
+            </p:cNvPr>
+            <p:cNvSpPr/>
+            <p:nvPr/>
+          </p:nvSpPr>
+          <p:spPr>
+            <a:xfrm>
+              <a:off x="4501360" y="2870928"/>
+              <a:ext cx="213064" cy="213064"/>
+            </a:xfrm>
+            <a:prstGeom prst="diamond">
+              <a:avLst/>
+            </a:prstGeom>
+            <a:solidFill>
+              <a:srgbClr val="F4E170"/>
+            </a:solidFill>
+            <a:ln w="28575">
+              <a:solidFill>
+                <a:srgbClr val="70AADE"/>
+              </a:solidFill>
+            </a:ln>
+          </p:spPr>
+          <p:style>
+            <a:lnRef idx="2">
+              <a:schemeClr val="accent1">
+                <a:shade val="15000"/>
+              </a:schemeClr>
+            </a:lnRef>
+            <a:fillRef idx="1">
+              <a:schemeClr val="accent1"/>
+            </a:fillRef>
+            <a:effectRef idx="0">
+              <a:schemeClr val="accent1"/>
+            </a:effectRef>
+            <a:fontRef idx="minor">
+              <a:schemeClr val="lt1"/>
+            </a:fontRef>
+          </p:style>
+          <p:txBody>
+            <a:bodyPr rtlCol="0" anchor="ctr"/>
+            <a:lstStyle/>
+            <a:p>
+              <a:pPr algn="ctr"/>
+              <a:endParaRPr lang="ko-KR" altLang="en-US"/>
+            </a:p>
+          </p:txBody>
+        </p:sp>
+        <p:sp>
+          <p:nvSpPr>
+            <p:cNvPr id="102" name="TextBox 101">
+              <a:extLst>
+                <a:ext uri="{FF2B5EF4-FFF2-40B4-BE49-F238E27FC236}">
+                  <a16:creationId xmlns:a16="http://schemas.microsoft.com/office/drawing/2014/main" id="{00EBFF1E-6918-D1F5-9E9B-48D24AB3BB0D}"/>
+                </a:ext>
+              </a:extLst>
+            </p:cNvPr>
+            <p:cNvSpPr txBox="1"/>
+            <p:nvPr/>
+          </p:nvSpPr>
+          <p:spPr>
+            <a:xfrm>
+              <a:off x="5602114" y="2617247"/>
+              <a:ext cx="734175" cy="184666"/>
+            </a:xfrm>
+            <a:prstGeom prst="rect">
+              <a:avLst/>
+            </a:prstGeom>
+            <a:noFill/>
+          </p:spPr>
+          <p:txBody>
+            <a:bodyPr wrap="none" lIns="0" tIns="0" rIns="0" bIns="0" rtlCol="0" anchor="ctr">
+              <a:spAutoFit/>
+            </a:bodyPr>
+            <a:lstStyle/>
+            <a:p>
+              <a:r>
+                <a:rPr lang="en-US" altLang="ko-KR" sz="1200" b="1" dirty="0"/>
+                <a:t>X 100,000</a:t>
+              </a:r>
+            </a:p>
+          </p:txBody>
+        </p:sp>
+        <p:sp>
+          <p:nvSpPr>
+            <p:cNvPr id="103" name="TextBox 102">
+              <a:extLst>
+                <a:ext uri="{FF2B5EF4-FFF2-40B4-BE49-F238E27FC236}">
+                  <a16:creationId xmlns:a16="http://schemas.microsoft.com/office/drawing/2014/main" id="{F29D60DE-AD8C-252E-3ABC-AAB96F89E637}"/>
+                </a:ext>
+              </a:extLst>
+            </p:cNvPr>
+            <p:cNvSpPr txBox="1"/>
+            <p:nvPr/>
+          </p:nvSpPr>
+          <p:spPr>
+            <a:xfrm>
+              <a:off x="5602114" y="2899326"/>
+              <a:ext cx="644407" cy="184666"/>
+            </a:xfrm>
+            <a:prstGeom prst="rect">
+              <a:avLst/>
+            </a:prstGeom>
+            <a:noFill/>
+          </p:spPr>
+          <p:txBody>
+            <a:bodyPr wrap="none" lIns="0" tIns="0" rIns="0" bIns="0" rtlCol="0" anchor="ctr">
+              <a:spAutoFit/>
+            </a:bodyPr>
+            <a:lstStyle/>
+            <a:p>
+              <a:r>
+                <a:rPr lang="en-US" altLang="ko-KR" sz="1200" b="1" dirty="0"/>
+                <a:t>X 10,000</a:t>
+              </a:r>
+            </a:p>
+          </p:txBody>
+        </p:sp>
+        <p:sp>
+          <p:nvSpPr>
+            <p:cNvPr id="104" name="직사각형 103">
+              <a:extLst>
+                <a:ext uri="{FF2B5EF4-FFF2-40B4-BE49-F238E27FC236}">
+                  <a16:creationId xmlns:a16="http://schemas.microsoft.com/office/drawing/2014/main" id="{E5285E81-CF0D-082D-D9A7-58A8488CB2B0}"/>
+                </a:ext>
+              </a:extLst>
+            </p:cNvPr>
+            <p:cNvSpPr/>
+            <p:nvPr/>
+          </p:nvSpPr>
+          <p:spPr>
+            <a:xfrm>
+              <a:off x="3944711" y="3261660"/>
+              <a:ext cx="553998" cy="553998"/>
+            </a:xfrm>
+            <a:prstGeom prst="rect">
+              <a:avLst/>
+            </a:prstGeom>
+            <a:solidFill>
+              <a:schemeClr val="bg1">
+                <a:lumMod val="85000"/>
+              </a:schemeClr>
+            </a:solidFill>
+            <a:ln>
+              <a:solidFill>
+                <a:schemeClr val="tx1"/>
+              </a:solidFill>
+            </a:ln>
+          </p:spPr>
+          <p:style>
+            <a:lnRef idx="2">
+              <a:schemeClr val="accent1">
+                <a:shade val="15000"/>
+              </a:schemeClr>
+            </a:lnRef>
+            <a:fillRef idx="1">
+              <a:schemeClr val="accent1"/>
+            </a:fillRef>
+            <a:effectRef idx="0">
+              <a:schemeClr val="accent1"/>
+            </a:effectRef>
+            <a:fontRef idx="minor">
+              <a:schemeClr val="lt1"/>
+            </a:fontRef>
+          </p:style>
+          <p:txBody>
+            <a:bodyPr rtlCol="0" anchor="ctr"/>
+            <a:lstStyle/>
+            <a:p>
+              <a:pPr algn="ctr"/>
+              <a:endParaRPr lang="ko-KR" altLang="en-US" dirty="0"/>
+            </a:p>
+          </p:txBody>
+        </p:sp>
+        <p:sp>
+          <p:nvSpPr>
+            <p:cNvPr id="105" name="TextBox 104">
+              <a:extLst>
+                <a:ext uri="{FF2B5EF4-FFF2-40B4-BE49-F238E27FC236}">
+                  <a16:creationId xmlns:a16="http://schemas.microsoft.com/office/drawing/2014/main" id="{6BB3ACDA-3769-FAE7-8BD5-74997978E41D}"/>
+                </a:ext>
+              </a:extLst>
+            </p:cNvPr>
+            <p:cNvSpPr txBox="1"/>
+            <p:nvPr/>
+          </p:nvSpPr>
+          <p:spPr>
+            <a:xfrm>
+              <a:off x="4581163" y="3328029"/>
+              <a:ext cx="444032" cy="184666"/>
+            </a:xfrm>
+            <a:prstGeom prst="rect">
+              <a:avLst/>
+            </a:prstGeom>
+            <a:noFill/>
+          </p:spPr>
+          <p:txBody>
+            <a:bodyPr wrap="none" lIns="0" tIns="0" rIns="0" bIns="0" rtlCol="0" anchor="ctr">
+              <a:spAutoFit/>
+            </a:bodyPr>
+            <a:lstStyle/>
+            <a:p>
+              <a:r>
+                <a:rPr lang="en-US" altLang="ko-KR" sz="1200" b="1" dirty="0"/>
+                <a:t>88.8%</a:t>
+              </a:r>
+            </a:p>
+          </p:txBody>
+        </p:sp>
+        <p:sp>
+          <p:nvSpPr>
+            <p:cNvPr id="106" name="TextBox 105">
+              <a:extLst>
+                <a:ext uri="{FF2B5EF4-FFF2-40B4-BE49-F238E27FC236}">
+                  <a16:creationId xmlns:a16="http://schemas.microsoft.com/office/drawing/2014/main" id="{F0C04CE4-521B-810E-A498-A940F74C4A29}"/>
+                </a:ext>
+              </a:extLst>
+            </p:cNvPr>
+            <p:cNvSpPr txBox="1"/>
+            <p:nvPr/>
+          </p:nvSpPr>
+          <p:spPr>
+            <a:xfrm>
+              <a:off x="4580447" y="3546049"/>
+              <a:ext cx="734175" cy="184666"/>
+            </a:xfrm>
+            <a:prstGeom prst="rect">
+              <a:avLst/>
+            </a:prstGeom>
+            <a:noFill/>
+          </p:spPr>
+          <p:txBody>
+            <a:bodyPr wrap="none" lIns="0" tIns="0" rIns="0" bIns="0" rtlCol="0" anchor="ctr">
+              <a:spAutoFit/>
+            </a:bodyPr>
+            <a:lstStyle/>
+            <a:p>
+              <a:r>
+                <a:rPr lang="en-US" altLang="ko-KR" sz="1200" b="1" dirty="0"/>
+                <a:t>X 100,000</a:t>
+              </a:r>
+            </a:p>
+          </p:txBody>
+        </p:sp>
+        <p:sp>
+          <p:nvSpPr>
+            <p:cNvPr id="107" name="TextBox 106">
+              <a:extLst>
+                <a:ext uri="{FF2B5EF4-FFF2-40B4-BE49-F238E27FC236}">
+                  <a16:creationId xmlns:a16="http://schemas.microsoft.com/office/drawing/2014/main" id="{3665926C-975E-9F8E-48A2-BE53B1A939FF}"/>
+                </a:ext>
+              </a:extLst>
+            </p:cNvPr>
+            <p:cNvSpPr txBox="1"/>
+            <p:nvPr/>
+          </p:nvSpPr>
+          <p:spPr>
+            <a:xfrm>
+              <a:off x="3589218" y="190823"/>
+              <a:ext cx="4895571" cy="2277547"/>
+            </a:xfrm>
+            <a:prstGeom prst="rect">
+              <a:avLst/>
+            </a:prstGeom>
+            <a:noFill/>
+          </p:spPr>
+          <p:txBody>
+            <a:bodyPr wrap="none" lIns="0" tIns="0" rIns="0" bIns="0" rtlCol="0">
+              <a:spAutoFit/>
+            </a:bodyPr>
+            <a:lstStyle/>
+            <a:p>
+              <a:r>
+                <a:rPr lang="en-US" altLang="ko-KR" sz="14800" dirty="0">
+                  <a:ln w="19050">
+                    <a:solidFill>
+                      <a:schemeClr val="tx1"/>
+                    </a:solidFill>
+                  </a:ln>
+                  <a:solidFill>
+                    <a:schemeClr val="bg1">
+                      <a:lumMod val="95000"/>
+                    </a:schemeClr>
+                  </a:solidFill>
+                </a:rPr>
+                <a:t>Clear!</a:t>
+              </a:r>
+              <a:endParaRPr lang="ko-KR" altLang="en-US" sz="14800" dirty="0">
+                <a:ln w="19050">
+                  <a:solidFill>
+                    <a:schemeClr val="tx1"/>
+                  </a:solidFill>
+                </a:ln>
+                <a:solidFill>
+                  <a:schemeClr val="bg1">
+                    <a:lumMod val="95000"/>
+                  </a:schemeClr>
+                </a:solidFill>
+              </a:endParaRPr>
+            </a:p>
+          </p:txBody>
+        </p:sp>
+        <p:sp>
+          <p:nvSpPr>
+            <p:cNvPr id="108" name="직사각형 107">
+              <a:extLst>
+                <a:ext uri="{FF2B5EF4-FFF2-40B4-BE49-F238E27FC236}">
+                  <a16:creationId xmlns:a16="http://schemas.microsoft.com/office/drawing/2014/main" id="{24482AAA-85A4-08F3-421F-CA554397E2A9}"/>
+                </a:ext>
+              </a:extLst>
+            </p:cNvPr>
+            <p:cNvSpPr/>
+            <p:nvPr/>
+          </p:nvSpPr>
+          <p:spPr>
+            <a:xfrm>
+              <a:off x="5671189" y="3261660"/>
+              <a:ext cx="553998" cy="553998"/>
+            </a:xfrm>
+            <a:prstGeom prst="rect">
+              <a:avLst/>
+            </a:prstGeom>
+            <a:solidFill>
+              <a:schemeClr val="bg1">
+                <a:lumMod val="85000"/>
+              </a:schemeClr>
+            </a:solidFill>
+            <a:ln>
+              <a:solidFill>
+                <a:schemeClr val="tx1"/>
+              </a:solidFill>
+            </a:ln>
+          </p:spPr>
+          <p:style>
+            <a:lnRef idx="2">
+              <a:schemeClr val="accent1">
+                <a:shade val="15000"/>
+              </a:schemeClr>
+            </a:lnRef>
+            <a:fillRef idx="1">
+              <a:schemeClr val="accent1"/>
+            </a:fillRef>
+            <a:effectRef idx="0">
+              <a:schemeClr val="accent1"/>
+            </a:effectRef>
+            <a:fontRef idx="minor">
+              <a:schemeClr val="lt1"/>
+            </a:fontRef>
+          </p:style>
+          <p:txBody>
+            <a:bodyPr rtlCol="0" anchor="ctr"/>
+            <a:lstStyle/>
+            <a:p>
+              <a:pPr algn="ctr"/>
+              <a:endParaRPr lang="ko-KR" altLang="en-US" dirty="0"/>
+            </a:p>
+          </p:txBody>
+        </p:sp>
+        <p:sp>
+          <p:nvSpPr>
+            <p:cNvPr id="109" name="TextBox 108">
+              <a:extLst>
+                <a:ext uri="{FF2B5EF4-FFF2-40B4-BE49-F238E27FC236}">
+                  <a16:creationId xmlns:a16="http://schemas.microsoft.com/office/drawing/2014/main" id="{5EA559BA-2BBE-43AA-BEBF-0BC1E3AEBB3E}"/>
+                </a:ext>
+              </a:extLst>
+            </p:cNvPr>
+            <p:cNvSpPr txBox="1"/>
+            <p:nvPr/>
+          </p:nvSpPr>
+          <p:spPr>
+            <a:xfrm>
+              <a:off x="6307641" y="3328029"/>
+              <a:ext cx="444032" cy="184666"/>
+            </a:xfrm>
+            <a:prstGeom prst="rect">
+              <a:avLst/>
+            </a:prstGeom>
+            <a:noFill/>
+          </p:spPr>
+          <p:txBody>
+            <a:bodyPr wrap="none" lIns="0" tIns="0" rIns="0" bIns="0" rtlCol="0" anchor="ctr">
+              <a:spAutoFit/>
+            </a:bodyPr>
+            <a:lstStyle/>
+            <a:p>
+              <a:r>
+                <a:rPr lang="en-US" altLang="ko-KR" sz="1200" b="1" dirty="0"/>
+                <a:t>88.8%</a:t>
+              </a:r>
+            </a:p>
+          </p:txBody>
+        </p:sp>
+        <p:sp>
+          <p:nvSpPr>
+            <p:cNvPr id="110" name="TextBox 109">
+              <a:extLst>
+                <a:ext uri="{FF2B5EF4-FFF2-40B4-BE49-F238E27FC236}">
+                  <a16:creationId xmlns:a16="http://schemas.microsoft.com/office/drawing/2014/main" id="{BE1D21D1-AF64-C482-D97E-FCD0CAE36F87}"/>
+                </a:ext>
+              </a:extLst>
+            </p:cNvPr>
+            <p:cNvSpPr txBox="1"/>
+            <p:nvPr/>
+          </p:nvSpPr>
+          <p:spPr>
+            <a:xfrm>
+              <a:off x="6306925" y="3546049"/>
+              <a:ext cx="864019" cy="184666"/>
+            </a:xfrm>
+            <a:prstGeom prst="rect">
+              <a:avLst/>
+            </a:prstGeom>
+            <a:noFill/>
+          </p:spPr>
+          <p:txBody>
+            <a:bodyPr wrap="none" lIns="0" tIns="0" rIns="0" bIns="0" rtlCol="0" anchor="ctr">
+              <a:spAutoFit/>
+            </a:bodyPr>
+            <a:lstStyle/>
+            <a:p>
+              <a:r>
+                <a:rPr lang="en-US" altLang="ko-KR" sz="1200" b="1" dirty="0"/>
+                <a:t>X 1,000,000</a:t>
+              </a:r>
+            </a:p>
+          </p:txBody>
+        </p:sp>
+        <p:sp>
+          <p:nvSpPr>
+            <p:cNvPr id="111" name="직사각형 110">
+              <a:extLst>
+                <a:ext uri="{FF2B5EF4-FFF2-40B4-BE49-F238E27FC236}">
+                  <a16:creationId xmlns:a16="http://schemas.microsoft.com/office/drawing/2014/main" id="{AD2323F7-FC7A-EF0F-BA43-4C3210D2F66D}"/>
+                </a:ext>
+              </a:extLst>
+            </p:cNvPr>
+            <p:cNvSpPr/>
+            <p:nvPr/>
+          </p:nvSpPr>
+          <p:spPr>
+            <a:xfrm>
+              <a:off x="7389707" y="3261660"/>
+              <a:ext cx="553998" cy="553998"/>
+            </a:xfrm>
+            <a:prstGeom prst="rect">
+              <a:avLst/>
+            </a:prstGeom>
+            <a:solidFill>
+              <a:schemeClr val="bg1">
+                <a:lumMod val="85000"/>
+              </a:schemeClr>
+            </a:solidFill>
+            <a:ln>
+              <a:solidFill>
+                <a:schemeClr val="tx1"/>
+              </a:solidFill>
+            </a:ln>
+          </p:spPr>
+          <p:style>
+            <a:lnRef idx="2">
+              <a:schemeClr val="accent1">
+                <a:shade val="15000"/>
+              </a:schemeClr>
+            </a:lnRef>
+            <a:fillRef idx="1">
+              <a:schemeClr val="accent1"/>
+            </a:fillRef>
+            <a:effectRef idx="0">
+              <a:schemeClr val="accent1"/>
+            </a:effectRef>
+            <a:fontRef idx="minor">
+              <a:schemeClr val="lt1"/>
+            </a:fontRef>
+          </p:style>
+          <p:txBody>
+            <a:bodyPr rtlCol="0" anchor="ctr"/>
+            <a:lstStyle/>
+            <a:p>
+              <a:pPr algn="ctr"/>
+              <a:endParaRPr lang="ko-KR" altLang="en-US" dirty="0"/>
+            </a:p>
+          </p:txBody>
+        </p:sp>
+        <p:sp>
+          <p:nvSpPr>
+            <p:cNvPr id="112" name="TextBox 111">
+              <a:extLst>
+                <a:ext uri="{FF2B5EF4-FFF2-40B4-BE49-F238E27FC236}">
+                  <a16:creationId xmlns:a16="http://schemas.microsoft.com/office/drawing/2014/main" id="{6FA34B2D-2F2C-AA95-EAA2-F636A29A81F2}"/>
+                </a:ext>
+              </a:extLst>
+            </p:cNvPr>
+            <p:cNvSpPr txBox="1"/>
+            <p:nvPr/>
+          </p:nvSpPr>
+          <p:spPr>
+            <a:xfrm>
+              <a:off x="8026159" y="3328029"/>
+              <a:ext cx="444032" cy="184666"/>
+            </a:xfrm>
+            <a:prstGeom prst="rect">
+              <a:avLst/>
+            </a:prstGeom>
+            <a:noFill/>
+          </p:spPr>
+          <p:txBody>
+            <a:bodyPr wrap="none" lIns="0" tIns="0" rIns="0" bIns="0" rtlCol="0" anchor="ctr">
+              <a:spAutoFit/>
+            </a:bodyPr>
+            <a:lstStyle/>
+            <a:p>
+              <a:r>
+                <a:rPr lang="en-US" altLang="ko-KR" sz="1200" b="1" dirty="0"/>
+                <a:t>88.8%</a:t>
+              </a:r>
+            </a:p>
+          </p:txBody>
+        </p:sp>
+        <p:sp>
+          <p:nvSpPr>
+            <p:cNvPr id="113" name="TextBox 112">
+              <a:extLst>
+                <a:ext uri="{FF2B5EF4-FFF2-40B4-BE49-F238E27FC236}">
+                  <a16:creationId xmlns:a16="http://schemas.microsoft.com/office/drawing/2014/main" id="{16C065D5-4A86-869A-C5AA-61E5F6013D33}"/>
+                </a:ext>
+              </a:extLst>
+            </p:cNvPr>
+            <p:cNvSpPr txBox="1"/>
+            <p:nvPr/>
+          </p:nvSpPr>
+          <p:spPr>
+            <a:xfrm>
+              <a:off x="8025443" y="3546049"/>
+              <a:ext cx="953787" cy="184666"/>
+            </a:xfrm>
+            <a:prstGeom prst="rect">
+              <a:avLst/>
+            </a:prstGeom>
+            <a:noFill/>
+          </p:spPr>
+          <p:txBody>
+            <a:bodyPr wrap="none" lIns="0" tIns="0" rIns="0" bIns="0" rtlCol="0" anchor="ctr">
+              <a:spAutoFit/>
+            </a:bodyPr>
+            <a:lstStyle/>
+            <a:p>
+              <a:r>
+                <a:rPr lang="en-US" altLang="ko-KR" sz="1200" b="1" dirty="0"/>
+                <a:t>X 10,000,000</a:t>
+              </a:r>
+            </a:p>
+          </p:txBody>
+        </p:sp>
+        <p:sp>
+          <p:nvSpPr>
+            <p:cNvPr id="114" name="TextBox 113">
+              <a:extLst>
+                <a:ext uri="{FF2B5EF4-FFF2-40B4-BE49-F238E27FC236}">
+                  <a16:creationId xmlns:a16="http://schemas.microsoft.com/office/drawing/2014/main" id="{B3F003ED-D6BB-4821-FF18-02BBB23B017F}"/>
+                </a:ext>
+              </a:extLst>
+            </p:cNvPr>
+            <p:cNvSpPr txBox="1"/>
+            <p:nvPr/>
+          </p:nvSpPr>
+          <p:spPr>
+            <a:xfrm>
+              <a:off x="6680307" y="2614740"/>
+              <a:ext cx="809581" cy="184666"/>
+            </a:xfrm>
+            <a:prstGeom prst="rect">
+              <a:avLst/>
+            </a:prstGeom>
+            <a:noFill/>
+          </p:spPr>
+          <p:txBody>
+            <a:bodyPr wrap="none" lIns="0" tIns="0" rIns="0" bIns="0" rtlCol="0" anchor="ctr">
+              <a:spAutoFit/>
+            </a:bodyPr>
+            <a:lstStyle/>
+            <a:p>
+              <a:r>
+                <a:rPr lang="en-US" altLang="ko-KR" sz="1200" b="1" dirty="0"/>
+                <a:t>Total</a:t>
+              </a:r>
+              <a:r>
+                <a:rPr lang="ko-KR" altLang="en-US" sz="1200" b="1" dirty="0"/>
+                <a:t> </a:t>
+              </a:r>
+              <a:r>
+                <a:rPr lang="en-US" altLang="ko-KR" sz="1200" b="1" dirty="0"/>
+                <a:t>Score</a:t>
+              </a:r>
+            </a:p>
+          </p:txBody>
+        </p:sp>
+        <p:sp>
+          <p:nvSpPr>
+            <p:cNvPr id="115" name="TextBox 114">
+              <a:extLst>
+                <a:ext uri="{FF2B5EF4-FFF2-40B4-BE49-F238E27FC236}">
+                  <a16:creationId xmlns:a16="http://schemas.microsoft.com/office/drawing/2014/main" id="{1765AB8C-77B5-9EDD-BDF8-33E29F0780B7}"/>
+                </a:ext>
+              </a:extLst>
+            </p:cNvPr>
+            <p:cNvSpPr txBox="1"/>
+            <p:nvPr/>
+          </p:nvSpPr>
+          <p:spPr>
+            <a:xfrm>
+              <a:off x="6906363" y="2776029"/>
+              <a:ext cx="2197718" cy="369332"/>
+            </a:xfrm>
+            <a:prstGeom prst="rect">
+              <a:avLst/>
+            </a:prstGeom>
+            <a:noFill/>
+          </p:spPr>
+          <p:txBody>
+            <a:bodyPr wrap="none" lIns="0" tIns="0" rIns="0" bIns="0" rtlCol="0" anchor="ctr">
+              <a:spAutoFit/>
+            </a:bodyPr>
+            <a:lstStyle/>
+            <a:p>
+              <a:r>
+                <a:rPr lang="en-US" altLang="ko-KR" sz="2400" b="1" dirty="0"/>
+                <a:t>00,000,000,000</a:t>
+              </a:r>
+            </a:p>
+          </p:txBody>
+        </p:sp>
+        <p:sp>
+          <p:nvSpPr>
+            <p:cNvPr id="116" name="TextBox 115">
+              <a:extLst>
+                <a:ext uri="{FF2B5EF4-FFF2-40B4-BE49-F238E27FC236}">
+                  <a16:creationId xmlns:a16="http://schemas.microsoft.com/office/drawing/2014/main" id="{B00DF29C-EC55-CBE1-DF92-4C59E087804B}"/>
+                </a:ext>
+              </a:extLst>
+            </p:cNvPr>
+            <p:cNvSpPr txBox="1"/>
+            <p:nvPr/>
+          </p:nvSpPr>
+          <p:spPr>
+            <a:xfrm>
+              <a:off x="3252741" y="4149767"/>
+              <a:ext cx="589841" cy="184666"/>
+            </a:xfrm>
+            <a:prstGeom prst="rect">
+              <a:avLst/>
+            </a:prstGeom>
+            <a:noFill/>
+          </p:spPr>
+          <p:txBody>
+            <a:bodyPr wrap="none" lIns="0" tIns="0" rIns="0" bIns="0" rtlCol="0" anchor="ctr">
+              <a:spAutoFit/>
+            </a:bodyPr>
+            <a:lstStyle/>
+            <a:p>
+              <a:r>
+                <a:rPr lang="en-US" altLang="ko-KR" sz="1200" b="1" dirty="0"/>
+                <a:t>Player 2</a:t>
+              </a:r>
+            </a:p>
+          </p:txBody>
+        </p:sp>
+        <p:sp>
+          <p:nvSpPr>
+            <p:cNvPr id="117" name="TextBox 116">
+              <a:extLst>
+                <a:ext uri="{FF2B5EF4-FFF2-40B4-BE49-F238E27FC236}">
+                  <a16:creationId xmlns:a16="http://schemas.microsoft.com/office/drawing/2014/main" id="{A4628720-4AF7-A746-BA7F-BF9C5CE27069}"/>
+                </a:ext>
+              </a:extLst>
+            </p:cNvPr>
+            <p:cNvSpPr txBox="1"/>
+            <p:nvPr/>
+          </p:nvSpPr>
+          <p:spPr>
+            <a:xfrm>
+              <a:off x="3940985" y="4149767"/>
+              <a:ext cx="1107676" cy="184666"/>
+            </a:xfrm>
+            <a:prstGeom prst="rect">
+              <a:avLst/>
+            </a:prstGeom>
+            <a:noFill/>
+          </p:spPr>
+          <p:txBody>
+            <a:bodyPr wrap="none" lIns="0" tIns="0" rIns="0" bIns="0" rtlCol="0" anchor="ctr">
+              <a:spAutoFit/>
+            </a:bodyPr>
+            <a:lstStyle/>
+            <a:p>
+              <a:r>
+                <a:rPr lang="en-US" altLang="ko-KR" sz="1200" b="1" dirty="0"/>
+                <a:t>00,000,000,000</a:t>
+              </a:r>
+            </a:p>
+          </p:txBody>
+        </p:sp>
+        <p:sp>
+          <p:nvSpPr>
+            <p:cNvPr id="118" name="직사각형 117">
+              <a:extLst>
+                <a:ext uri="{FF2B5EF4-FFF2-40B4-BE49-F238E27FC236}">
+                  <a16:creationId xmlns:a16="http://schemas.microsoft.com/office/drawing/2014/main" id="{47C446A3-C6C3-2B02-7505-89F0B41042D1}"/>
+                </a:ext>
+              </a:extLst>
+            </p:cNvPr>
+            <p:cNvSpPr/>
+            <p:nvPr/>
+          </p:nvSpPr>
+          <p:spPr>
+            <a:xfrm>
+              <a:off x="3252741" y="4443623"/>
+              <a:ext cx="553998" cy="553998"/>
+            </a:xfrm>
+            <a:prstGeom prst="rect">
+              <a:avLst/>
+            </a:prstGeom>
+            <a:solidFill>
+              <a:schemeClr val="bg1">
+                <a:lumMod val="85000"/>
+              </a:schemeClr>
+            </a:solidFill>
+            <a:ln>
+              <a:solidFill>
+                <a:schemeClr val="tx1"/>
+              </a:solidFill>
+            </a:ln>
+          </p:spPr>
+          <p:style>
+            <a:lnRef idx="2">
+              <a:schemeClr val="accent1">
+                <a:shade val="15000"/>
+              </a:schemeClr>
+            </a:lnRef>
+            <a:fillRef idx="1">
+              <a:schemeClr val="accent1"/>
+            </a:fillRef>
+            <a:effectRef idx="0">
+              <a:schemeClr val="accent1"/>
+            </a:effectRef>
+            <a:fontRef idx="minor">
+              <a:schemeClr val="lt1"/>
+            </a:fontRef>
+          </p:style>
+          <p:txBody>
+            <a:bodyPr rtlCol="0" anchor="ctr"/>
+            <a:lstStyle/>
+            <a:p>
+              <a:pPr algn="ctr"/>
+              <a:endParaRPr lang="ko-KR" altLang="en-US" dirty="0"/>
+            </a:p>
+          </p:txBody>
+        </p:sp>
+        <p:sp>
+          <p:nvSpPr>
+            <p:cNvPr id="119" name="하트 118">
+              <a:extLst>
+                <a:ext uri="{FF2B5EF4-FFF2-40B4-BE49-F238E27FC236}">
+                  <a16:creationId xmlns:a16="http://schemas.microsoft.com/office/drawing/2014/main" id="{EFDDC125-5B12-8DF2-0F87-0ED133D76792}"/>
+                </a:ext>
+              </a:extLst>
+            </p:cNvPr>
+            <p:cNvSpPr/>
+            <p:nvPr/>
+          </p:nvSpPr>
+          <p:spPr>
+            <a:xfrm>
+              <a:off x="3942057" y="4443623"/>
+              <a:ext cx="213064" cy="213064"/>
+            </a:xfrm>
+            <a:prstGeom prst="heart">
+              <a:avLst/>
+            </a:prstGeom>
+            <a:solidFill>
+              <a:srgbClr val="F95555"/>
+            </a:solidFill>
+            <a:ln w="28575">
+              <a:solidFill>
+                <a:srgbClr val="A47828"/>
+              </a:solidFill>
+            </a:ln>
+          </p:spPr>
+          <p:style>
+            <a:lnRef idx="2">
+              <a:schemeClr val="accent1">
+                <a:shade val="15000"/>
+              </a:schemeClr>
+            </a:lnRef>
+            <a:fillRef idx="1">
+              <a:schemeClr val="accent1"/>
+            </a:fillRef>
+            <a:effectRef idx="0">
+              <a:schemeClr val="accent1"/>
+            </a:effectRef>
+            <a:fontRef idx="minor">
+              <a:schemeClr val="lt1"/>
+            </a:fontRef>
+          </p:style>
+          <p:txBody>
+            <a:bodyPr rtlCol="0" anchor="ctr"/>
+            <a:lstStyle/>
+            <a:p>
+              <a:pPr algn="ctr"/>
+              <a:endParaRPr lang="ko-KR" altLang="en-US"/>
+            </a:p>
+          </p:txBody>
+        </p:sp>
+        <p:sp>
+          <p:nvSpPr>
+            <p:cNvPr id="120" name="하트 119">
+              <a:extLst>
+                <a:ext uri="{FF2B5EF4-FFF2-40B4-BE49-F238E27FC236}">
+                  <a16:creationId xmlns:a16="http://schemas.microsoft.com/office/drawing/2014/main" id="{45863E4A-3161-F693-3682-8E28E21E589D}"/>
+                </a:ext>
+              </a:extLst>
+            </p:cNvPr>
+            <p:cNvSpPr/>
+            <p:nvPr/>
+          </p:nvSpPr>
+          <p:spPr>
+            <a:xfrm>
+              <a:off x="4221710" y="4443623"/>
+              <a:ext cx="213064" cy="213064"/>
+            </a:xfrm>
+            <a:prstGeom prst="heart">
+              <a:avLst/>
+            </a:prstGeom>
+            <a:solidFill>
+              <a:srgbClr val="F95555"/>
+            </a:solidFill>
+            <a:ln w="28575">
+              <a:solidFill>
+                <a:srgbClr val="A47828"/>
+              </a:solidFill>
+            </a:ln>
+          </p:spPr>
+          <p:style>
+            <a:lnRef idx="2">
+              <a:schemeClr val="accent1">
+                <a:shade val="15000"/>
+              </a:schemeClr>
+            </a:lnRef>
+            <a:fillRef idx="1">
+              <a:schemeClr val="accent1"/>
+            </a:fillRef>
+            <a:effectRef idx="0">
+              <a:schemeClr val="accent1"/>
+            </a:effectRef>
+            <a:fontRef idx="minor">
+              <a:schemeClr val="lt1"/>
+            </a:fontRef>
+          </p:style>
+          <p:txBody>
+            <a:bodyPr rtlCol="0" anchor="ctr"/>
+            <a:lstStyle/>
+            <a:p>
+              <a:pPr algn="ctr"/>
+              <a:endParaRPr lang="ko-KR" altLang="en-US"/>
+            </a:p>
+          </p:txBody>
+        </p:sp>
+        <p:sp>
+          <p:nvSpPr>
+            <p:cNvPr id="121" name="하트 120">
+              <a:extLst>
+                <a:ext uri="{FF2B5EF4-FFF2-40B4-BE49-F238E27FC236}">
+                  <a16:creationId xmlns:a16="http://schemas.microsoft.com/office/drawing/2014/main" id="{FEC23395-3849-CE0B-0892-8FCF9524E523}"/>
+                </a:ext>
+              </a:extLst>
+            </p:cNvPr>
+            <p:cNvSpPr/>
+            <p:nvPr/>
+          </p:nvSpPr>
+          <p:spPr>
+            <a:xfrm>
+              <a:off x="4501360" y="4443623"/>
+              <a:ext cx="213064" cy="213064"/>
+            </a:xfrm>
+            <a:prstGeom prst="heart">
+              <a:avLst/>
+            </a:prstGeom>
+            <a:solidFill>
+              <a:srgbClr val="F95555"/>
+            </a:solidFill>
+            <a:ln w="28575">
+              <a:solidFill>
+                <a:srgbClr val="A47828"/>
+              </a:solidFill>
+            </a:ln>
+          </p:spPr>
+          <p:style>
+            <a:lnRef idx="2">
+              <a:schemeClr val="accent1">
+                <a:shade val="15000"/>
+              </a:schemeClr>
+            </a:lnRef>
+            <a:fillRef idx="1">
+              <a:schemeClr val="accent1"/>
+            </a:fillRef>
+            <a:effectRef idx="0">
+              <a:schemeClr val="accent1"/>
+            </a:effectRef>
+            <a:fontRef idx="minor">
+              <a:schemeClr val="lt1"/>
+            </a:fontRef>
+          </p:style>
+          <p:txBody>
+            <a:bodyPr rtlCol="0" anchor="ctr"/>
+            <a:lstStyle/>
+            <a:p>
+              <a:pPr algn="ctr"/>
+              <a:endParaRPr lang="ko-KR" altLang="en-US"/>
+            </a:p>
+          </p:txBody>
+        </p:sp>
+        <p:sp>
+          <p:nvSpPr>
+            <p:cNvPr id="122" name="하트 121">
+              <a:extLst>
+                <a:ext uri="{FF2B5EF4-FFF2-40B4-BE49-F238E27FC236}">
+                  <a16:creationId xmlns:a16="http://schemas.microsoft.com/office/drawing/2014/main" id="{97CEDA1C-6EC6-EBFA-763F-2C24FBE1A26D}"/>
+                </a:ext>
+              </a:extLst>
+            </p:cNvPr>
+            <p:cNvSpPr/>
+            <p:nvPr/>
+          </p:nvSpPr>
+          <p:spPr>
+            <a:xfrm>
+              <a:off x="4787732" y="4443623"/>
+              <a:ext cx="213064" cy="213064"/>
+            </a:xfrm>
+            <a:prstGeom prst="heart">
+              <a:avLst/>
+            </a:prstGeom>
+            <a:solidFill>
+              <a:srgbClr val="F95555"/>
+            </a:solidFill>
+            <a:ln w="28575">
+              <a:solidFill>
+                <a:srgbClr val="A47828"/>
+              </a:solidFill>
+            </a:ln>
+          </p:spPr>
+          <p:style>
+            <a:lnRef idx="2">
+              <a:schemeClr val="accent1">
+                <a:shade val="15000"/>
+              </a:schemeClr>
+            </a:lnRef>
+            <a:fillRef idx="1">
+              <a:schemeClr val="accent1"/>
+            </a:fillRef>
+            <a:effectRef idx="0">
+              <a:schemeClr val="accent1"/>
+            </a:effectRef>
+            <a:fontRef idx="minor">
+              <a:schemeClr val="lt1"/>
+            </a:fontRef>
+          </p:style>
+          <p:txBody>
+            <a:bodyPr rtlCol="0" anchor="ctr"/>
+            <a:lstStyle/>
+            <a:p>
+              <a:pPr algn="ctr"/>
+              <a:endParaRPr lang="ko-KR" altLang="en-US"/>
+            </a:p>
+          </p:txBody>
+        </p:sp>
+        <p:sp>
+          <p:nvSpPr>
+            <p:cNvPr id="123" name="하트 122">
+              <a:extLst>
+                <a:ext uri="{FF2B5EF4-FFF2-40B4-BE49-F238E27FC236}">
+                  <a16:creationId xmlns:a16="http://schemas.microsoft.com/office/drawing/2014/main" id="{1CEEB316-B0EA-5D25-D3FE-B3D1E0BD03EA}"/>
+                </a:ext>
+              </a:extLst>
+            </p:cNvPr>
+            <p:cNvSpPr/>
+            <p:nvPr/>
+          </p:nvSpPr>
+          <p:spPr>
+            <a:xfrm>
+              <a:off x="5067385" y="4443623"/>
+              <a:ext cx="213064" cy="213064"/>
+            </a:xfrm>
+            <a:prstGeom prst="heart">
+              <a:avLst/>
+            </a:prstGeom>
+            <a:solidFill>
+              <a:srgbClr val="F95555"/>
+            </a:solidFill>
+            <a:ln w="28575">
+              <a:solidFill>
+                <a:srgbClr val="A47828"/>
+              </a:solidFill>
+            </a:ln>
+          </p:spPr>
+          <p:style>
+            <a:lnRef idx="2">
+              <a:schemeClr val="accent1">
+                <a:shade val="15000"/>
+              </a:schemeClr>
+            </a:lnRef>
+            <a:fillRef idx="1">
+              <a:schemeClr val="accent1"/>
+            </a:fillRef>
+            <a:effectRef idx="0">
+              <a:schemeClr val="accent1"/>
+            </a:effectRef>
+            <a:fontRef idx="minor">
+              <a:schemeClr val="lt1"/>
+            </a:fontRef>
+          </p:style>
+          <p:txBody>
+            <a:bodyPr rtlCol="0" anchor="ctr"/>
+            <a:lstStyle/>
+            <a:p>
+              <a:pPr algn="ctr"/>
+              <a:endParaRPr lang="ko-KR" altLang="en-US"/>
+            </a:p>
+          </p:txBody>
+        </p:sp>
+        <p:sp>
+          <p:nvSpPr>
+            <p:cNvPr id="124" name="다이아몬드 123">
+              <a:extLst>
+                <a:ext uri="{FF2B5EF4-FFF2-40B4-BE49-F238E27FC236}">
+                  <a16:creationId xmlns:a16="http://schemas.microsoft.com/office/drawing/2014/main" id="{A8455D3C-5DDE-AD60-10A7-4301C0756F24}"/>
+                </a:ext>
+              </a:extLst>
+            </p:cNvPr>
+            <p:cNvSpPr/>
+            <p:nvPr/>
+          </p:nvSpPr>
+          <p:spPr>
+            <a:xfrm>
+              <a:off x="3940985" y="4721557"/>
+              <a:ext cx="213064" cy="213064"/>
+            </a:xfrm>
+            <a:prstGeom prst="diamond">
+              <a:avLst/>
+            </a:prstGeom>
+            <a:solidFill>
+              <a:srgbClr val="F4E170"/>
+            </a:solidFill>
+            <a:ln w="28575">
+              <a:solidFill>
+                <a:srgbClr val="70AADE"/>
+              </a:solidFill>
+            </a:ln>
+          </p:spPr>
+          <p:style>
+            <a:lnRef idx="2">
+              <a:schemeClr val="accent1">
+                <a:shade val="15000"/>
+              </a:schemeClr>
+            </a:lnRef>
+            <a:fillRef idx="1">
+              <a:schemeClr val="accent1"/>
+            </a:fillRef>
+            <a:effectRef idx="0">
+              <a:schemeClr val="accent1"/>
+            </a:effectRef>
+            <a:fontRef idx="minor">
+              <a:schemeClr val="lt1"/>
+            </a:fontRef>
+          </p:style>
+          <p:txBody>
+            <a:bodyPr rtlCol="0" anchor="ctr"/>
+            <a:lstStyle/>
+            <a:p>
+              <a:pPr algn="ctr"/>
+              <a:endParaRPr lang="ko-KR" altLang="en-US"/>
+            </a:p>
+          </p:txBody>
+        </p:sp>
+        <p:sp>
+          <p:nvSpPr>
+            <p:cNvPr id="125" name="다이아몬드 124">
+              <a:extLst>
+                <a:ext uri="{FF2B5EF4-FFF2-40B4-BE49-F238E27FC236}">
+                  <a16:creationId xmlns:a16="http://schemas.microsoft.com/office/drawing/2014/main" id="{17E21251-6311-1075-5DA1-D785FD0C0CE2}"/>
+                </a:ext>
+              </a:extLst>
+            </p:cNvPr>
+            <p:cNvSpPr/>
+            <p:nvPr/>
+          </p:nvSpPr>
+          <p:spPr>
+            <a:xfrm>
+              <a:off x="4221710" y="4721557"/>
+              <a:ext cx="213064" cy="213064"/>
+            </a:xfrm>
+            <a:prstGeom prst="diamond">
+              <a:avLst/>
+            </a:prstGeom>
+            <a:solidFill>
+              <a:srgbClr val="F4E170"/>
+            </a:solidFill>
+            <a:ln w="28575">
+              <a:solidFill>
+                <a:srgbClr val="70AADE"/>
+              </a:solidFill>
+            </a:ln>
+          </p:spPr>
+          <p:style>
+            <a:lnRef idx="2">
+              <a:schemeClr val="accent1">
+                <a:shade val="15000"/>
+              </a:schemeClr>
+            </a:lnRef>
+            <a:fillRef idx="1">
+              <a:schemeClr val="accent1"/>
+            </a:fillRef>
+            <a:effectRef idx="0">
+              <a:schemeClr val="accent1"/>
+            </a:effectRef>
+            <a:fontRef idx="minor">
+              <a:schemeClr val="lt1"/>
+            </a:fontRef>
+          </p:style>
+          <p:txBody>
+            <a:bodyPr rtlCol="0" anchor="ctr"/>
+            <a:lstStyle/>
+            <a:p>
+              <a:pPr algn="ctr"/>
+              <a:endParaRPr lang="ko-KR" altLang="en-US"/>
+            </a:p>
+          </p:txBody>
+        </p:sp>
+        <p:sp>
+          <p:nvSpPr>
+            <p:cNvPr id="126" name="다이아몬드 125">
+              <a:extLst>
+                <a:ext uri="{FF2B5EF4-FFF2-40B4-BE49-F238E27FC236}">
+                  <a16:creationId xmlns:a16="http://schemas.microsoft.com/office/drawing/2014/main" id="{340E060F-375C-98B5-7165-CCCB61778752}"/>
+                </a:ext>
+              </a:extLst>
+            </p:cNvPr>
+            <p:cNvSpPr/>
+            <p:nvPr/>
+          </p:nvSpPr>
+          <p:spPr>
+            <a:xfrm>
+              <a:off x="4501360" y="4721557"/>
+              <a:ext cx="213064" cy="213064"/>
+            </a:xfrm>
+            <a:prstGeom prst="diamond">
+              <a:avLst/>
+            </a:prstGeom>
+            <a:solidFill>
+              <a:srgbClr val="F4E170"/>
+            </a:solidFill>
+            <a:ln w="28575">
+              <a:solidFill>
+                <a:srgbClr val="70AADE"/>
+              </a:solidFill>
+            </a:ln>
+          </p:spPr>
+          <p:style>
+            <a:lnRef idx="2">
+              <a:schemeClr val="accent1">
+                <a:shade val="15000"/>
+              </a:schemeClr>
+            </a:lnRef>
+            <a:fillRef idx="1">
+              <a:schemeClr val="accent1"/>
+            </a:fillRef>
+            <a:effectRef idx="0">
+              <a:schemeClr val="accent1"/>
+            </a:effectRef>
+            <a:fontRef idx="minor">
+              <a:schemeClr val="lt1"/>
+            </a:fontRef>
+          </p:style>
+          <p:txBody>
+            <a:bodyPr rtlCol="0" anchor="ctr"/>
+            <a:lstStyle/>
+            <a:p>
+              <a:pPr algn="ctr"/>
+              <a:endParaRPr lang="ko-KR" altLang="en-US"/>
+            </a:p>
+          </p:txBody>
+        </p:sp>
+        <p:sp>
+          <p:nvSpPr>
+            <p:cNvPr id="127" name="TextBox 126">
+              <a:extLst>
+                <a:ext uri="{FF2B5EF4-FFF2-40B4-BE49-F238E27FC236}">
+                  <a16:creationId xmlns:a16="http://schemas.microsoft.com/office/drawing/2014/main" id="{908CFBE2-778E-DF39-E048-E48945998BA7}"/>
+                </a:ext>
+              </a:extLst>
+            </p:cNvPr>
+            <p:cNvSpPr txBox="1"/>
+            <p:nvPr/>
+          </p:nvSpPr>
+          <p:spPr>
+            <a:xfrm>
+              <a:off x="5602114" y="4467876"/>
+              <a:ext cx="734175" cy="184666"/>
+            </a:xfrm>
+            <a:prstGeom prst="rect">
+              <a:avLst/>
+            </a:prstGeom>
+            <a:noFill/>
+          </p:spPr>
+          <p:txBody>
+            <a:bodyPr wrap="none" lIns="0" tIns="0" rIns="0" bIns="0" rtlCol="0" anchor="ctr">
+              <a:spAutoFit/>
+            </a:bodyPr>
+            <a:lstStyle/>
+            <a:p>
+              <a:r>
+                <a:rPr lang="en-US" altLang="ko-KR" sz="1200" b="1" dirty="0"/>
+                <a:t>X 100,000</a:t>
+              </a:r>
+            </a:p>
+          </p:txBody>
+        </p:sp>
+        <p:sp>
+          <p:nvSpPr>
+            <p:cNvPr id="128" name="TextBox 127">
+              <a:extLst>
+                <a:ext uri="{FF2B5EF4-FFF2-40B4-BE49-F238E27FC236}">
+                  <a16:creationId xmlns:a16="http://schemas.microsoft.com/office/drawing/2014/main" id="{3151EB98-4BEA-1A90-54EC-F95234AB43F9}"/>
+                </a:ext>
+              </a:extLst>
+            </p:cNvPr>
+            <p:cNvSpPr txBox="1"/>
+            <p:nvPr/>
+          </p:nvSpPr>
+          <p:spPr>
+            <a:xfrm>
+              <a:off x="5602114" y="4749955"/>
+              <a:ext cx="644407" cy="184666"/>
+            </a:xfrm>
+            <a:prstGeom prst="rect">
+              <a:avLst/>
+            </a:prstGeom>
+            <a:noFill/>
+          </p:spPr>
+          <p:txBody>
+            <a:bodyPr wrap="none" lIns="0" tIns="0" rIns="0" bIns="0" rtlCol="0" anchor="ctr">
+              <a:spAutoFit/>
+            </a:bodyPr>
+            <a:lstStyle/>
+            <a:p>
+              <a:r>
+                <a:rPr lang="en-US" altLang="ko-KR" sz="1200" b="1" dirty="0"/>
+                <a:t>X 10,000</a:t>
+              </a:r>
+            </a:p>
+          </p:txBody>
+        </p:sp>
+        <p:sp>
+          <p:nvSpPr>
+            <p:cNvPr id="129" name="직사각형 128">
+              <a:extLst>
+                <a:ext uri="{FF2B5EF4-FFF2-40B4-BE49-F238E27FC236}">
+                  <a16:creationId xmlns:a16="http://schemas.microsoft.com/office/drawing/2014/main" id="{A8AA3576-E0D4-E577-B3A1-2DC750D28D73}"/>
+                </a:ext>
+              </a:extLst>
+            </p:cNvPr>
+            <p:cNvSpPr/>
+            <p:nvPr/>
+          </p:nvSpPr>
+          <p:spPr>
+            <a:xfrm>
+              <a:off x="3944711" y="5112289"/>
+              <a:ext cx="553998" cy="553998"/>
+            </a:xfrm>
+            <a:prstGeom prst="rect">
+              <a:avLst/>
+            </a:prstGeom>
+            <a:solidFill>
+              <a:schemeClr val="bg1">
+                <a:lumMod val="85000"/>
+              </a:schemeClr>
+            </a:solidFill>
+            <a:ln>
+              <a:solidFill>
+                <a:schemeClr val="tx1"/>
+              </a:solidFill>
+            </a:ln>
+          </p:spPr>
+          <p:style>
+            <a:lnRef idx="2">
+              <a:schemeClr val="accent1">
+                <a:shade val="15000"/>
+              </a:schemeClr>
+            </a:lnRef>
+            <a:fillRef idx="1">
+              <a:schemeClr val="accent1"/>
+            </a:fillRef>
+            <a:effectRef idx="0">
+              <a:schemeClr val="accent1"/>
+            </a:effectRef>
+            <a:fontRef idx="minor">
+              <a:schemeClr val="lt1"/>
+            </a:fontRef>
+          </p:style>
+          <p:txBody>
+            <a:bodyPr rtlCol="0" anchor="ctr"/>
+            <a:lstStyle/>
+            <a:p>
+              <a:pPr algn="ctr"/>
+              <a:endParaRPr lang="ko-KR" altLang="en-US" dirty="0"/>
+            </a:p>
+          </p:txBody>
+        </p:sp>
+        <p:sp>
+          <p:nvSpPr>
+            <p:cNvPr id="130" name="TextBox 129">
+              <a:extLst>
+                <a:ext uri="{FF2B5EF4-FFF2-40B4-BE49-F238E27FC236}">
+                  <a16:creationId xmlns:a16="http://schemas.microsoft.com/office/drawing/2014/main" id="{A7CA01DF-BD20-CD8C-0705-644DDF275F08}"/>
+                </a:ext>
+              </a:extLst>
+            </p:cNvPr>
+            <p:cNvSpPr txBox="1"/>
+            <p:nvPr/>
+          </p:nvSpPr>
+          <p:spPr>
+            <a:xfrm>
+              <a:off x="4581163" y="5178658"/>
+              <a:ext cx="444032" cy="184666"/>
+            </a:xfrm>
+            <a:prstGeom prst="rect">
+              <a:avLst/>
+            </a:prstGeom>
+            <a:noFill/>
+          </p:spPr>
+          <p:txBody>
+            <a:bodyPr wrap="none" lIns="0" tIns="0" rIns="0" bIns="0" rtlCol="0" anchor="ctr">
+              <a:spAutoFit/>
+            </a:bodyPr>
+            <a:lstStyle/>
+            <a:p>
+              <a:r>
+                <a:rPr lang="en-US" altLang="ko-KR" sz="1200" b="1" dirty="0"/>
+                <a:t>88.8%</a:t>
+              </a:r>
+            </a:p>
+          </p:txBody>
+        </p:sp>
+        <p:sp>
+          <p:nvSpPr>
+            <p:cNvPr id="131" name="TextBox 130">
+              <a:extLst>
+                <a:ext uri="{FF2B5EF4-FFF2-40B4-BE49-F238E27FC236}">
+                  <a16:creationId xmlns:a16="http://schemas.microsoft.com/office/drawing/2014/main" id="{684F4FE9-F642-E480-95DE-0C3C829F058E}"/>
+                </a:ext>
+              </a:extLst>
+            </p:cNvPr>
+            <p:cNvSpPr txBox="1"/>
+            <p:nvPr/>
+          </p:nvSpPr>
+          <p:spPr>
+            <a:xfrm>
+              <a:off x="4580447" y="5396678"/>
+              <a:ext cx="734175" cy="184666"/>
+            </a:xfrm>
+            <a:prstGeom prst="rect">
+              <a:avLst/>
+            </a:prstGeom>
+            <a:noFill/>
+          </p:spPr>
+          <p:txBody>
+            <a:bodyPr wrap="none" lIns="0" tIns="0" rIns="0" bIns="0" rtlCol="0" anchor="ctr">
+              <a:spAutoFit/>
+            </a:bodyPr>
+            <a:lstStyle/>
+            <a:p>
+              <a:r>
+                <a:rPr lang="en-US" altLang="ko-KR" sz="1200" b="1" dirty="0"/>
+                <a:t>X 100,000</a:t>
+              </a:r>
+            </a:p>
+          </p:txBody>
+        </p:sp>
+        <p:sp>
+          <p:nvSpPr>
+            <p:cNvPr id="132" name="직사각형 131">
+              <a:extLst>
+                <a:ext uri="{FF2B5EF4-FFF2-40B4-BE49-F238E27FC236}">
+                  <a16:creationId xmlns:a16="http://schemas.microsoft.com/office/drawing/2014/main" id="{2B8CD5B0-D63C-E536-FE6D-B36316CFBD12}"/>
+                </a:ext>
+              </a:extLst>
+            </p:cNvPr>
+            <p:cNvSpPr/>
+            <p:nvPr/>
+          </p:nvSpPr>
+          <p:spPr>
+            <a:xfrm>
+              <a:off x="5671189" y="5112289"/>
+              <a:ext cx="553998" cy="553998"/>
+            </a:xfrm>
+            <a:prstGeom prst="rect">
+              <a:avLst/>
+            </a:prstGeom>
+            <a:solidFill>
+              <a:schemeClr val="bg1">
+                <a:lumMod val="85000"/>
+              </a:schemeClr>
+            </a:solidFill>
+            <a:ln>
+              <a:solidFill>
+                <a:schemeClr val="tx1"/>
+              </a:solidFill>
+            </a:ln>
+          </p:spPr>
+          <p:style>
+            <a:lnRef idx="2">
+              <a:schemeClr val="accent1">
+                <a:shade val="15000"/>
+              </a:schemeClr>
+            </a:lnRef>
+            <a:fillRef idx="1">
+              <a:schemeClr val="accent1"/>
+            </a:fillRef>
+            <a:effectRef idx="0">
+              <a:schemeClr val="accent1"/>
+            </a:effectRef>
+            <a:fontRef idx="minor">
+              <a:schemeClr val="lt1"/>
+            </a:fontRef>
+          </p:style>
+          <p:txBody>
+            <a:bodyPr rtlCol="0" anchor="ctr"/>
+            <a:lstStyle/>
+            <a:p>
+              <a:pPr algn="ctr"/>
+              <a:endParaRPr lang="ko-KR" altLang="en-US" dirty="0"/>
+            </a:p>
+          </p:txBody>
+        </p:sp>
+        <p:sp>
+          <p:nvSpPr>
+            <p:cNvPr id="133" name="TextBox 132">
+              <a:extLst>
+                <a:ext uri="{FF2B5EF4-FFF2-40B4-BE49-F238E27FC236}">
+                  <a16:creationId xmlns:a16="http://schemas.microsoft.com/office/drawing/2014/main" id="{416500A9-D357-E0E2-33D6-853FA699D362}"/>
+                </a:ext>
+              </a:extLst>
+            </p:cNvPr>
+            <p:cNvSpPr txBox="1"/>
+            <p:nvPr/>
+          </p:nvSpPr>
+          <p:spPr>
+            <a:xfrm>
+              <a:off x="6307641" y="5178658"/>
+              <a:ext cx="444032" cy="184666"/>
+            </a:xfrm>
+            <a:prstGeom prst="rect">
+              <a:avLst/>
+            </a:prstGeom>
+            <a:noFill/>
+          </p:spPr>
+          <p:txBody>
+            <a:bodyPr wrap="none" lIns="0" tIns="0" rIns="0" bIns="0" rtlCol="0" anchor="ctr">
+              <a:spAutoFit/>
+            </a:bodyPr>
+            <a:lstStyle/>
+            <a:p>
+              <a:r>
+                <a:rPr lang="en-US" altLang="ko-KR" sz="1200" b="1" dirty="0"/>
+                <a:t>88.8%</a:t>
+              </a:r>
+            </a:p>
+          </p:txBody>
+        </p:sp>
+        <p:sp>
+          <p:nvSpPr>
+            <p:cNvPr id="134" name="TextBox 133">
+              <a:extLst>
+                <a:ext uri="{FF2B5EF4-FFF2-40B4-BE49-F238E27FC236}">
+                  <a16:creationId xmlns:a16="http://schemas.microsoft.com/office/drawing/2014/main" id="{212ECF89-FD00-124E-CFC8-140162F92548}"/>
+                </a:ext>
+              </a:extLst>
+            </p:cNvPr>
+            <p:cNvSpPr txBox="1"/>
+            <p:nvPr/>
+          </p:nvSpPr>
+          <p:spPr>
+            <a:xfrm>
+              <a:off x="6306925" y="5396678"/>
+              <a:ext cx="864019" cy="184666"/>
+            </a:xfrm>
+            <a:prstGeom prst="rect">
+              <a:avLst/>
+            </a:prstGeom>
+            <a:noFill/>
+          </p:spPr>
+          <p:txBody>
+            <a:bodyPr wrap="none" lIns="0" tIns="0" rIns="0" bIns="0" rtlCol="0" anchor="ctr">
+              <a:spAutoFit/>
+            </a:bodyPr>
+            <a:lstStyle/>
+            <a:p>
+              <a:r>
+                <a:rPr lang="en-US" altLang="ko-KR" sz="1200" b="1" dirty="0"/>
+                <a:t>X 1,000,000</a:t>
+              </a:r>
+            </a:p>
+          </p:txBody>
+        </p:sp>
+        <p:sp>
+          <p:nvSpPr>
+            <p:cNvPr id="135" name="직사각형 134">
+              <a:extLst>
+                <a:ext uri="{FF2B5EF4-FFF2-40B4-BE49-F238E27FC236}">
+                  <a16:creationId xmlns:a16="http://schemas.microsoft.com/office/drawing/2014/main" id="{0E50F134-6B56-2345-B8A7-D5D404CEC87B}"/>
+                </a:ext>
+              </a:extLst>
+            </p:cNvPr>
+            <p:cNvSpPr/>
+            <p:nvPr/>
+          </p:nvSpPr>
+          <p:spPr>
+            <a:xfrm>
+              <a:off x="7389707" y="5112289"/>
+              <a:ext cx="553998" cy="553998"/>
+            </a:xfrm>
+            <a:prstGeom prst="rect">
+              <a:avLst/>
+            </a:prstGeom>
+            <a:solidFill>
+              <a:schemeClr val="bg1">
+                <a:lumMod val="85000"/>
+              </a:schemeClr>
+            </a:solidFill>
+            <a:ln>
+              <a:solidFill>
+                <a:schemeClr val="tx1"/>
+              </a:solidFill>
+            </a:ln>
+          </p:spPr>
+          <p:style>
+            <a:lnRef idx="2">
+              <a:schemeClr val="accent1">
+                <a:shade val="15000"/>
+              </a:schemeClr>
+            </a:lnRef>
+            <a:fillRef idx="1">
+              <a:schemeClr val="accent1"/>
+            </a:fillRef>
+            <a:effectRef idx="0">
+              <a:schemeClr val="accent1"/>
+            </a:effectRef>
+            <a:fontRef idx="minor">
+              <a:schemeClr val="lt1"/>
+            </a:fontRef>
+          </p:style>
+          <p:txBody>
+            <a:bodyPr rtlCol="0" anchor="ctr"/>
+            <a:lstStyle/>
+            <a:p>
+              <a:pPr algn="ctr"/>
+              <a:endParaRPr lang="ko-KR" altLang="en-US" dirty="0"/>
+            </a:p>
+          </p:txBody>
+        </p:sp>
+        <p:sp>
+          <p:nvSpPr>
+            <p:cNvPr id="136" name="TextBox 135">
+              <a:extLst>
+                <a:ext uri="{FF2B5EF4-FFF2-40B4-BE49-F238E27FC236}">
+                  <a16:creationId xmlns:a16="http://schemas.microsoft.com/office/drawing/2014/main" id="{41AF3096-5123-4DCB-0865-C1A55E123187}"/>
+                </a:ext>
+              </a:extLst>
+            </p:cNvPr>
+            <p:cNvSpPr txBox="1"/>
+            <p:nvPr/>
+          </p:nvSpPr>
+          <p:spPr>
+            <a:xfrm>
+              <a:off x="8026159" y="5178658"/>
+              <a:ext cx="444032" cy="184666"/>
+            </a:xfrm>
+            <a:prstGeom prst="rect">
+              <a:avLst/>
+            </a:prstGeom>
+            <a:noFill/>
+          </p:spPr>
+          <p:txBody>
+            <a:bodyPr wrap="none" lIns="0" tIns="0" rIns="0" bIns="0" rtlCol="0" anchor="ctr">
+              <a:spAutoFit/>
+            </a:bodyPr>
+            <a:lstStyle/>
+            <a:p>
+              <a:r>
+                <a:rPr lang="en-US" altLang="ko-KR" sz="1200" b="1" dirty="0"/>
+                <a:t>88.8%</a:t>
+              </a:r>
+            </a:p>
+          </p:txBody>
+        </p:sp>
+        <p:sp>
+          <p:nvSpPr>
+            <p:cNvPr id="137" name="TextBox 136">
+              <a:extLst>
+                <a:ext uri="{FF2B5EF4-FFF2-40B4-BE49-F238E27FC236}">
+                  <a16:creationId xmlns:a16="http://schemas.microsoft.com/office/drawing/2014/main" id="{FF5F72FB-3D57-D581-0B38-8746EFD7E314}"/>
+                </a:ext>
+              </a:extLst>
+            </p:cNvPr>
+            <p:cNvSpPr txBox="1"/>
+            <p:nvPr/>
+          </p:nvSpPr>
+          <p:spPr>
+            <a:xfrm>
+              <a:off x="8025443" y="5396678"/>
+              <a:ext cx="953787" cy="184666"/>
+            </a:xfrm>
+            <a:prstGeom prst="rect">
+              <a:avLst/>
+            </a:prstGeom>
+            <a:noFill/>
+          </p:spPr>
+          <p:txBody>
+            <a:bodyPr wrap="none" lIns="0" tIns="0" rIns="0" bIns="0" rtlCol="0" anchor="ctr">
+              <a:spAutoFit/>
+            </a:bodyPr>
+            <a:lstStyle/>
+            <a:p>
+              <a:r>
+                <a:rPr lang="en-US" altLang="ko-KR" sz="1200" b="1" dirty="0"/>
+                <a:t>X 10,000,000</a:t>
+              </a:r>
+            </a:p>
+          </p:txBody>
+        </p:sp>
+        <p:sp>
+          <p:nvSpPr>
+            <p:cNvPr id="138" name="TextBox 137">
+              <a:extLst>
+                <a:ext uri="{FF2B5EF4-FFF2-40B4-BE49-F238E27FC236}">
+                  <a16:creationId xmlns:a16="http://schemas.microsoft.com/office/drawing/2014/main" id="{09FD1603-4F2B-5ADB-11DA-850E613DD014}"/>
+                </a:ext>
+              </a:extLst>
+            </p:cNvPr>
+            <p:cNvSpPr txBox="1"/>
+            <p:nvPr/>
+          </p:nvSpPr>
+          <p:spPr>
+            <a:xfrm>
+              <a:off x="6680307" y="4465369"/>
+              <a:ext cx="809581" cy="184666"/>
+            </a:xfrm>
+            <a:prstGeom prst="rect">
+              <a:avLst/>
+            </a:prstGeom>
+            <a:noFill/>
+          </p:spPr>
+          <p:txBody>
+            <a:bodyPr wrap="none" lIns="0" tIns="0" rIns="0" bIns="0" rtlCol="0" anchor="ctr">
+              <a:spAutoFit/>
+            </a:bodyPr>
+            <a:lstStyle/>
+            <a:p>
+              <a:r>
+                <a:rPr lang="en-US" altLang="ko-KR" sz="1200" b="1" dirty="0"/>
+                <a:t>Total</a:t>
+              </a:r>
+              <a:r>
+                <a:rPr lang="ko-KR" altLang="en-US" sz="1200" b="1" dirty="0"/>
+                <a:t> </a:t>
+              </a:r>
+              <a:r>
+                <a:rPr lang="en-US" altLang="ko-KR" sz="1200" b="1" dirty="0"/>
+                <a:t>Score</a:t>
+              </a:r>
+            </a:p>
+          </p:txBody>
+        </p:sp>
+        <p:sp>
+          <p:nvSpPr>
+            <p:cNvPr id="139" name="TextBox 138">
+              <a:extLst>
+                <a:ext uri="{FF2B5EF4-FFF2-40B4-BE49-F238E27FC236}">
+                  <a16:creationId xmlns:a16="http://schemas.microsoft.com/office/drawing/2014/main" id="{541F9040-2BFC-4B1C-F33B-8AAB7384366E}"/>
+                </a:ext>
+              </a:extLst>
+            </p:cNvPr>
+            <p:cNvSpPr txBox="1"/>
+            <p:nvPr/>
+          </p:nvSpPr>
+          <p:spPr>
+            <a:xfrm>
+              <a:off x="6906363" y="4626658"/>
+              <a:ext cx="2197718" cy="369332"/>
+            </a:xfrm>
+            <a:prstGeom prst="rect">
+              <a:avLst/>
+            </a:prstGeom>
+            <a:noFill/>
+          </p:spPr>
+          <p:txBody>
+            <a:bodyPr wrap="none" lIns="0" tIns="0" rIns="0" bIns="0" rtlCol="0" anchor="ctr">
+              <a:spAutoFit/>
+            </a:bodyPr>
+            <a:lstStyle/>
+            <a:p>
+              <a:r>
+                <a:rPr lang="en-US" altLang="ko-KR" sz="2400" b="1" dirty="0"/>
+                <a:t>00,000,000,000</a:t>
+              </a:r>
             </a:p>
           </p:txBody>
         </p:sp>

--- a/Document/Wireframe.pptx
+++ b/Document/Wireframe.pptx
@@ -267,7 +267,7 @@
           <a:p>
             <a:fld id="{DB2DEBA8-F55D-44A4-AB57-279B0C7BB628}" type="datetimeFigureOut">
               <a:rPr lang="ko-KR" altLang="en-US" smtClean="0"/>
-              <a:t>2024-10-16</a:t>
+              <a:t>2024-10-20</a:t>
             </a:fld>
             <a:endParaRPr lang="ko-KR" altLang="en-US"/>
           </a:p>
@@ -465,7 +465,7 @@
           <a:p>
             <a:fld id="{DB2DEBA8-F55D-44A4-AB57-279B0C7BB628}" type="datetimeFigureOut">
               <a:rPr lang="ko-KR" altLang="en-US" smtClean="0"/>
-              <a:t>2024-10-16</a:t>
+              <a:t>2024-10-20</a:t>
             </a:fld>
             <a:endParaRPr lang="ko-KR" altLang="en-US"/>
           </a:p>
@@ -673,7 +673,7 @@
           <a:p>
             <a:fld id="{DB2DEBA8-F55D-44A4-AB57-279B0C7BB628}" type="datetimeFigureOut">
               <a:rPr lang="ko-KR" altLang="en-US" smtClean="0"/>
-              <a:t>2024-10-16</a:t>
+              <a:t>2024-10-20</a:t>
             </a:fld>
             <a:endParaRPr lang="ko-KR" altLang="en-US"/>
           </a:p>
@@ -871,7 +871,7 @@
           <a:p>
             <a:fld id="{DB2DEBA8-F55D-44A4-AB57-279B0C7BB628}" type="datetimeFigureOut">
               <a:rPr lang="ko-KR" altLang="en-US" smtClean="0"/>
-              <a:t>2024-10-16</a:t>
+              <a:t>2024-10-20</a:t>
             </a:fld>
             <a:endParaRPr lang="ko-KR" altLang="en-US"/>
           </a:p>
@@ -1146,7 +1146,7 @@
           <a:p>
             <a:fld id="{DB2DEBA8-F55D-44A4-AB57-279B0C7BB628}" type="datetimeFigureOut">
               <a:rPr lang="ko-KR" altLang="en-US" smtClean="0"/>
-              <a:t>2024-10-16</a:t>
+              <a:t>2024-10-20</a:t>
             </a:fld>
             <a:endParaRPr lang="ko-KR" altLang="en-US"/>
           </a:p>
@@ -1411,7 +1411,7 @@
           <a:p>
             <a:fld id="{DB2DEBA8-F55D-44A4-AB57-279B0C7BB628}" type="datetimeFigureOut">
               <a:rPr lang="ko-KR" altLang="en-US" smtClean="0"/>
-              <a:t>2024-10-16</a:t>
+              <a:t>2024-10-20</a:t>
             </a:fld>
             <a:endParaRPr lang="ko-KR" altLang="en-US"/>
           </a:p>
@@ -1823,7 +1823,7 @@
           <a:p>
             <a:fld id="{DB2DEBA8-F55D-44A4-AB57-279B0C7BB628}" type="datetimeFigureOut">
               <a:rPr lang="ko-KR" altLang="en-US" smtClean="0"/>
-              <a:t>2024-10-16</a:t>
+              <a:t>2024-10-20</a:t>
             </a:fld>
             <a:endParaRPr lang="ko-KR" altLang="en-US"/>
           </a:p>
@@ -1964,7 +1964,7 @@
           <a:p>
             <a:fld id="{DB2DEBA8-F55D-44A4-AB57-279B0C7BB628}" type="datetimeFigureOut">
               <a:rPr lang="ko-KR" altLang="en-US" smtClean="0"/>
-              <a:t>2024-10-16</a:t>
+              <a:t>2024-10-20</a:t>
             </a:fld>
             <a:endParaRPr lang="ko-KR" altLang="en-US"/>
           </a:p>
@@ -2077,7 +2077,7 @@
           <a:p>
             <a:fld id="{DB2DEBA8-F55D-44A4-AB57-279B0C7BB628}" type="datetimeFigureOut">
               <a:rPr lang="ko-KR" altLang="en-US" smtClean="0"/>
-              <a:t>2024-10-16</a:t>
+              <a:t>2024-10-20</a:t>
             </a:fld>
             <a:endParaRPr lang="ko-KR" altLang="en-US"/>
           </a:p>
@@ -2388,7 +2388,7 @@
           <a:p>
             <a:fld id="{DB2DEBA8-F55D-44A4-AB57-279B0C7BB628}" type="datetimeFigureOut">
               <a:rPr lang="ko-KR" altLang="en-US" smtClean="0"/>
-              <a:t>2024-10-16</a:t>
+              <a:t>2024-10-20</a:t>
             </a:fld>
             <a:endParaRPr lang="ko-KR" altLang="en-US"/>
           </a:p>
@@ -2676,7 +2676,7 @@
           <a:p>
             <a:fld id="{DB2DEBA8-F55D-44A4-AB57-279B0C7BB628}" type="datetimeFigureOut">
               <a:rPr lang="ko-KR" altLang="en-US" smtClean="0"/>
-              <a:t>2024-10-16</a:t>
+              <a:t>2024-10-20</a:t>
             </a:fld>
             <a:endParaRPr lang="ko-KR" altLang="en-US"/>
           </a:p>
@@ -2917,7 +2917,7 @@
           <a:p>
             <a:fld id="{DB2DEBA8-F55D-44A4-AB57-279B0C7BB628}" type="datetimeFigureOut">
               <a:rPr lang="ko-KR" altLang="en-US" smtClean="0"/>
-              <a:t>2024-10-16</a:t>
+              <a:t>2024-10-20</a:t>
             </a:fld>
             <a:endParaRPr lang="ko-KR" altLang="en-US"/>
           </a:p>
@@ -3348,7 +3348,7 @@
         </p:nvSpPr>
         <p:spPr>
           <a:xfrm>
-            <a:off x="7419703" y="357051"/>
+            <a:off x="1063228" y="323221"/>
             <a:ext cx="3877985" cy="1200329"/>
           </a:xfrm>
           <a:prstGeom prst="rect">
@@ -3383,8 +3383,8 @@
         </p:nvSpPr>
         <p:spPr>
           <a:xfrm>
-            <a:off x="4772298" y="1445622"/>
-            <a:ext cx="6497291" cy="1754326"/>
+            <a:off x="2394858" y="1445622"/>
+            <a:ext cx="2954655" cy="1754326"/>
           </a:xfrm>
           <a:prstGeom prst="rect">
             <a:avLst/>
@@ -3401,18 +3401,6 @@
               <a:rPr lang="ko-KR" altLang="en-US" sz="10800" dirty="0"/>
               <a:t>우당</a:t>
             </a:r>
-            <a:r>
-              <a:rPr lang="en-US" altLang="ko-KR" sz="10800" b="1" dirty="0"/>
-              <a:t>’</a:t>
-            </a:r>
-            <a:r>
-              <a:rPr lang="ko-KR" altLang="en-US" sz="10800" b="1" dirty="0"/>
-              <a:t>탕탕</a:t>
-            </a:r>
-            <a:r>
-              <a:rPr lang="en-US" altLang="ko-KR" sz="10800" b="1" dirty="0"/>
-              <a:t>’</a:t>
-            </a:r>
             <a:endParaRPr lang="ko-KR" altLang="en-US" sz="10800" b="1" dirty="0"/>
           </a:p>
         </p:txBody>
@@ -3431,7 +3419,7 @@
         </p:nvSpPr>
         <p:spPr>
           <a:xfrm>
-            <a:off x="6553200" y="3473841"/>
+            <a:off x="7523799" y="3473841"/>
             <a:ext cx="1415772" cy="461665"/>
           </a:xfrm>
           <a:prstGeom prst="rect">
@@ -3466,7 +3454,7 @@
         </p:nvSpPr>
         <p:spPr>
           <a:xfrm>
-            <a:off x="9695464" y="3473841"/>
+            <a:off x="9903298" y="3473841"/>
             <a:ext cx="1415772" cy="461665"/>
           </a:xfrm>
           <a:prstGeom prst="rect">
@@ -3501,7 +3489,7 @@
         </p:nvGrpSpPr>
         <p:grpSpPr>
           <a:xfrm>
-            <a:off x="6035637" y="3473842"/>
+            <a:off x="7006236" y="3473842"/>
             <a:ext cx="517563" cy="492160"/>
             <a:chOff x="5332521" y="3473841"/>
             <a:chExt cx="679692" cy="646331"/>
@@ -3635,7 +3623,7 @@
         </p:nvGrpSpPr>
         <p:grpSpPr>
           <a:xfrm>
-            <a:off x="9177900" y="3473841"/>
+            <a:off x="9385734" y="3473841"/>
             <a:ext cx="517564" cy="492161"/>
             <a:chOff x="8558572" y="3473841"/>
             <a:chExt cx="679692" cy="646331"/>
@@ -4478,6 +4466,104 @@
           <a:p>
             <a:pPr algn="ctr"/>
             <a:endParaRPr lang="ko-KR" altLang="en-US"/>
+          </a:p>
+        </p:txBody>
+      </p:sp>
+      <p:sp>
+        <p:nvSpPr>
+          <p:cNvPr id="16" name="TextBox 15">
+            <a:extLst>
+              <a:ext uri="{FF2B5EF4-FFF2-40B4-BE49-F238E27FC236}">
+                <a16:creationId xmlns:a16="http://schemas.microsoft.com/office/drawing/2014/main" id="{DB264988-C25B-A5ED-109B-3911838D5C32}"/>
+              </a:ext>
+            </a:extLst>
+          </p:cNvPr>
+          <p:cNvSpPr txBox="1"/>
+          <p:nvPr/>
+        </p:nvSpPr>
+        <p:spPr>
+          <a:xfrm>
+            <a:off x="5201883" y="581170"/>
+            <a:ext cx="4801314" cy="2862322"/>
+          </a:xfrm>
+          <a:prstGeom prst="rect">
+            <a:avLst/>
+          </a:prstGeom>
+          <a:noFill/>
+        </p:spPr>
+        <p:txBody>
+          <a:bodyPr wrap="none" rtlCol="0">
+            <a:spAutoFit/>
+          </a:bodyPr>
+          <a:lstStyle/>
+          <a:p>
+            <a:r>
+              <a:rPr lang="ko-KR" altLang="en-US" sz="18000" b="1" dirty="0"/>
+              <a:t>탕탕</a:t>
+            </a:r>
+          </a:p>
+        </p:txBody>
+      </p:sp>
+      <p:sp>
+        <p:nvSpPr>
+          <p:cNvPr id="17" name="직사각형 16">
+            <a:extLst>
+              <a:ext uri="{FF2B5EF4-FFF2-40B4-BE49-F238E27FC236}">
+                <a16:creationId xmlns:a16="http://schemas.microsoft.com/office/drawing/2014/main" id="{CE861046-222B-9110-04E6-C84BCEA92F3F}"/>
+              </a:ext>
+            </a:extLst>
+          </p:cNvPr>
+          <p:cNvSpPr/>
+          <p:nvPr/>
+        </p:nvSpPr>
+        <p:spPr>
+          <a:xfrm>
+            <a:off x="548640" y="4122887"/>
+            <a:ext cx="8315243" cy="2512623"/>
+          </a:xfrm>
+          <a:prstGeom prst="rect">
+            <a:avLst/>
+          </a:prstGeom>
+          <a:solidFill>
+            <a:schemeClr val="bg1">
+              <a:lumMod val="75000"/>
+            </a:schemeClr>
+          </a:solidFill>
+          <a:ln>
+            <a:solidFill>
+              <a:schemeClr val="tx1"/>
+            </a:solidFill>
+          </a:ln>
+        </p:spPr>
+        <p:style>
+          <a:lnRef idx="2">
+            <a:schemeClr val="accent1">
+              <a:shade val="15000"/>
+            </a:schemeClr>
+          </a:lnRef>
+          <a:fillRef idx="1">
+            <a:schemeClr val="accent1"/>
+          </a:fillRef>
+          <a:effectRef idx="0">
+            <a:schemeClr val="accent1"/>
+          </a:effectRef>
+          <a:fontRef idx="minor">
+            <a:schemeClr val="lt1"/>
+          </a:fontRef>
+        </p:style>
+        <p:txBody>
+          <a:bodyPr rtlCol="0" anchor="ctr"/>
+          <a:lstStyle/>
+          <a:p>
+            <a:pPr algn="ctr"/>
+            <a:r>
+              <a:rPr lang="ko-KR" altLang="en-US" sz="3200">
+                <a:solidFill>
+                  <a:schemeClr val="tx1"/>
+                </a:solidFill>
+              </a:rPr>
+              <a:t>리더보드</a:t>
+            </a:r>
           </a:p>
         </p:txBody>
       </p:sp>

--- a/Document/Wireframe.pptx
+++ b/Document/Wireframe.pptx
@@ -267,7 +267,7 @@
           <a:p>
             <a:fld id="{DB2DEBA8-F55D-44A4-AB57-279B0C7BB628}" type="datetimeFigureOut">
               <a:rPr lang="ko-KR" altLang="en-US" smtClean="0"/>
-              <a:t>2024-10-20</a:t>
+              <a:t>2024-10-21</a:t>
             </a:fld>
             <a:endParaRPr lang="ko-KR" altLang="en-US"/>
           </a:p>
@@ -465,7 +465,7 @@
           <a:p>
             <a:fld id="{DB2DEBA8-F55D-44A4-AB57-279B0C7BB628}" type="datetimeFigureOut">
               <a:rPr lang="ko-KR" altLang="en-US" smtClean="0"/>
-              <a:t>2024-10-20</a:t>
+              <a:t>2024-10-21</a:t>
             </a:fld>
             <a:endParaRPr lang="ko-KR" altLang="en-US"/>
           </a:p>
@@ -673,7 +673,7 @@
           <a:p>
             <a:fld id="{DB2DEBA8-F55D-44A4-AB57-279B0C7BB628}" type="datetimeFigureOut">
               <a:rPr lang="ko-KR" altLang="en-US" smtClean="0"/>
-              <a:t>2024-10-20</a:t>
+              <a:t>2024-10-21</a:t>
             </a:fld>
             <a:endParaRPr lang="ko-KR" altLang="en-US"/>
           </a:p>
@@ -871,7 +871,7 @@
           <a:p>
             <a:fld id="{DB2DEBA8-F55D-44A4-AB57-279B0C7BB628}" type="datetimeFigureOut">
               <a:rPr lang="ko-KR" altLang="en-US" smtClean="0"/>
-              <a:t>2024-10-20</a:t>
+              <a:t>2024-10-21</a:t>
             </a:fld>
             <a:endParaRPr lang="ko-KR" altLang="en-US"/>
           </a:p>
@@ -1146,7 +1146,7 @@
           <a:p>
             <a:fld id="{DB2DEBA8-F55D-44A4-AB57-279B0C7BB628}" type="datetimeFigureOut">
               <a:rPr lang="ko-KR" altLang="en-US" smtClean="0"/>
-              <a:t>2024-10-20</a:t>
+              <a:t>2024-10-21</a:t>
             </a:fld>
             <a:endParaRPr lang="ko-KR" altLang="en-US"/>
           </a:p>
@@ -1411,7 +1411,7 @@
           <a:p>
             <a:fld id="{DB2DEBA8-F55D-44A4-AB57-279B0C7BB628}" type="datetimeFigureOut">
               <a:rPr lang="ko-KR" altLang="en-US" smtClean="0"/>
-              <a:t>2024-10-20</a:t>
+              <a:t>2024-10-21</a:t>
             </a:fld>
             <a:endParaRPr lang="ko-KR" altLang="en-US"/>
           </a:p>
@@ -1823,7 +1823,7 @@
           <a:p>
             <a:fld id="{DB2DEBA8-F55D-44A4-AB57-279B0C7BB628}" type="datetimeFigureOut">
               <a:rPr lang="ko-KR" altLang="en-US" smtClean="0"/>
-              <a:t>2024-10-20</a:t>
+              <a:t>2024-10-21</a:t>
             </a:fld>
             <a:endParaRPr lang="ko-KR" altLang="en-US"/>
           </a:p>
@@ -1964,7 +1964,7 @@
           <a:p>
             <a:fld id="{DB2DEBA8-F55D-44A4-AB57-279B0C7BB628}" type="datetimeFigureOut">
               <a:rPr lang="ko-KR" altLang="en-US" smtClean="0"/>
-              <a:t>2024-10-20</a:t>
+              <a:t>2024-10-21</a:t>
             </a:fld>
             <a:endParaRPr lang="ko-KR" altLang="en-US"/>
           </a:p>
@@ -2077,7 +2077,7 @@
           <a:p>
             <a:fld id="{DB2DEBA8-F55D-44A4-AB57-279B0C7BB628}" type="datetimeFigureOut">
               <a:rPr lang="ko-KR" altLang="en-US" smtClean="0"/>
-              <a:t>2024-10-20</a:t>
+              <a:t>2024-10-21</a:t>
             </a:fld>
             <a:endParaRPr lang="ko-KR" altLang="en-US"/>
           </a:p>
@@ -2388,7 +2388,7 @@
           <a:p>
             <a:fld id="{DB2DEBA8-F55D-44A4-AB57-279B0C7BB628}" type="datetimeFigureOut">
               <a:rPr lang="ko-KR" altLang="en-US" smtClean="0"/>
-              <a:t>2024-10-20</a:t>
+              <a:t>2024-10-21</a:t>
             </a:fld>
             <a:endParaRPr lang="ko-KR" altLang="en-US"/>
           </a:p>
@@ -2676,7 +2676,7 @@
           <a:p>
             <a:fld id="{DB2DEBA8-F55D-44A4-AB57-279B0C7BB628}" type="datetimeFigureOut">
               <a:rPr lang="ko-KR" altLang="en-US" smtClean="0"/>
-              <a:t>2024-10-20</a:t>
+              <a:t>2024-10-21</a:t>
             </a:fld>
             <a:endParaRPr lang="ko-KR" altLang="en-US"/>
           </a:p>
@@ -2917,7 +2917,7 @@
           <a:p>
             <a:fld id="{DB2DEBA8-F55D-44A4-AB57-279B0C7BB628}" type="datetimeFigureOut">
               <a:rPr lang="ko-KR" altLang="en-US" smtClean="0"/>
-              <a:t>2024-10-20</a:t>
+              <a:t>2024-10-21</a:t>
             </a:fld>
             <a:endParaRPr lang="ko-KR" altLang="en-US"/>
           </a:p>
@@ -4506,7 +4506,7 @@
       </p:sp>
       <p:sp>
         <p:nvSpPr>
-          <p:cNvPr id="17" name="직사각형 16">
+          <p:cNvPr id="17" name="사각형: 둥근 모서리 16">
             <a:extLst>
               <a:ext uri="{FF2B5EF4-FFF2-40B4-BE49-F238E27FC236}">
                 <a16:creationId xmlns:a16="http://schemas.microsoft.com/office/drawing/2014/main" id="{CE861046-222B-9110-04E6-C84BCEA92F3F}"/>
@@ -4518,15 +4518,17 @@
         </p:nvSpPr>
         <p:spPr>
           <a:xfrm>
-            <a:off x="548640" y="4122887"/>
-            <a:ext cx="8315243" cy="2512623"/>
-          </a:xfrm>
-          <a:prstGeom prst="rect">
-            <a:avLst/>
+            <a:off x="548641" y="4122887"/>
+            <a:ext cx="7292706" cy="2512623"/>
+          </a:xfrm>
+          <a:prstGeom prst="roundRect">
+            <a:avLst>
+              <a:gd name="adj" fmla="val 4536"/>
+            </a:avLst>
           </a:prstGeom>
           <a:solidFill>
             <a:schemeClr val="bg1">
-              <a:lumMod val="75000"/>
+              <a:lumMod val="85000"/>
             </a:schemeClr>
           </a:solidFill>
           <a:ln>
@@ -4556,17 +4558,1522 @@
           <a:lstStyle/>
           <a:p>
             <a:pPr algn="ctr"/>
+            <a:endParaRPr lang="ko-KR" altLang="en-US" sz="3200" dirty="0">
+              <a:solidFill>
+                <a:schemeClr val="tx1"/>
+              </a:solidFill>
+            </a:endParaRPr>
+          </a:p>
+        </p:txBody>
+      </p:sp>
+      <p:sp>
+        <p:nvSpPr>
+          <p:cNvPr id="30" name="직사각형 29">
+            <a:extLst>
+              <a:ext uri="{FF2B5EF4-FFF2-40B4-BE49-F238E27FC236}">
+                <a16:creationId xmlns:a16="http://schemas.microsoft.com/office/drawing/2014/main" id="{92A63AFE-F02A-72D3-661A-495D3C45C38A}"/>
+              </a:ext>
+            </a:extLst>
+          </p:cNvPr>
+          <p:cNvSpPr/>
+          <p:nvPr/>
+        </p:nvSpPr>
+        <p:spPr>
+          <a:xfrm>
+            <a:off x="758428" y="4322349"/>
+            <a:ext cx="609600" cy="609600"/>
+          </a:xfrm>
+          <a:prstGeom prst="rect">
+            <a:avLst/>
+          </a:prstGeom>
+        </p:spPr>
+        <p:style>
+          <a:lnRef idx="2">
+            <a:schemeClr val="accent1">
+              <a:shade val="15000"/>
+            </a:schemeClr>
+          </a:lnRef>
+          <a:fillRef idx="1">
+            <a:schemeClr val="accent1"/>
+          </a:fillRef>
+          <a:effectRef idx="0">
+            <a:schemeClr val="accent1"/>
+          </a:effectRef>
+          <a:fontRef idx="minor">
+            <a:schemeClr val="lt1"/>
+          </a:fontRef>
+        </p:style>
+        <p:txBody>
+          <a:bodyPr rtlCol="0" anchor="ctr"/>
+          <a:lstStyle/>
+          <a:p>
+            <a:pPr algn="ctr"/>
+            <a:endParaRPr lang="ko-KR" altLang="en-US"/>
+          </a:p>
+        </p:txBody>
+      </p:sp>
+      <p:sp>
+        <p:nvSpPr>
+          <p:cNvPr id="31" name="TextBox 30">
+            <a:extLst>
+              <a:ext uri="{FF2B5EF4-FFF2-40B4-BE49-F238E27FC236}">
+                <a16:creationId xmlns:a16="http://schemas.microsoft.com/office/drawing/2014/main" id="{D3AAFD7F-2113-7991-1D36-38014B20F7CC}"/>
+              </a:ext>
+            </a:extLst>
+          </p:cNvPr>
+          <p:cNvSpPr txBox="1"/>
+          <p:nvPr/>
+        </p:nvSpPr>
+        <p:spPr>
+          <a:xfrm>
+            <a:off x="1460052" y="4536278"/>
+            <a:ext cx="1173719" cy="369332"/>
+          </a:xfrm>
+          <a:prstGeom prst="rect">
+            <a:avLst/>
+          </a:prstGeom>
+          <a:noFill/>
+        </p:spPr>
+        <p:txBody>
+          <a:bodyPr wrap="none" rtlCol="0">
+            <a:spAutoFit/>
+          </a:bodyPr>
+          <a:lstStyle/>
+          <a:p>
             <a:r>
-              <a:rPr lang="ko-KR" altLang="en-US" sz="3200">
+              <a:rPr lang="en-US" altLang="ko-KR" dirty="0"/>
+              <a:t>8,888,888</a:t>
+            </a:r>
+            <a:endParaRPr lang="ko-KR" altLang="en-US" dirty="0"/>
+          </a:p>
+        </p:txBody>
+      </p:sp>
+      <p:sp>
+        <p:nvSpPr>
+          <p:cNvPr id="32" name="TextBox 31">
+            <a:extLst>
+              <a:ext uri="{FF2B5EF4-FFF2-40B4-BE49-F238E27FC236}">
+                <a16:creationId xmlns:a16="http://schemas.microsoft.com/office/drawing/2014/main" id="{C0CFC6E6-F470-BA70-9E65-F139B9B2D8CD}"/>
+              </a:ext>
+            </a:extLst>
+          </p:cNvPr>
+          <p:cNvSpPr txBox="1"/>
+          <p:nvPr/>
+        </p:nvSpPr>
+        <p:spPr>
+          <a:xfrm>
+            <a:off x="569113" y="4122887"/>
+            <a:ext cx="378630" cy="492443"/>
+          </a:xfrm>
+          <a:prstGeom prst="rect">
+            <a:avLst/>
+          </a:prstGeom>
+          <a:noFill/>
+        </p:spPr>
+        <p:txBody>
+          <a:bodyPr wrap="none" rtlCol="0">
+            <a:spAutoFit/>
+          </a:bodyPr>
+          <a:lstStyle/>
+          <a:p>
+            <a:r>
+              <a:rPr lang="en-US" altLang="ko-KR" sz="2600" b="1" dirty="0">
+                <a:ln>
+                  <a:solidFill>
+                    <a:schemeClr val="tx1"/>
+                  </a:solidFill>
+                </a:ln>
+                <a:solidFill>
+                  <a:schemeClr val="bg1"/>
+                </a:solidFill>
+              </a:rPr>
+              <a:t>1</a:t>
+            </a:r>
+            <a:endParaRPr lang="ko-KR" altLang="en-US" sz="2600" b="1" dirty="0">
+              <a:ln>
                 <a:solidFill>
                   <a:schemeClr val="tx1"/>
                 </a:solidFill>
+              </a:ln>
+              <a:solidFill>
+                <a:schemeClr val="bg1"/>
+              </a:solidFill>
+            </a:endParaRPr>
+          </a:p>
+        </p:txBody>
+      </p:sp>
+      <p:cxnSp>
+        <p:nvCxnSpPr>
+          <p:cNvPr id="34" name="직선 연결선 33">
+            <a:extLst>
+              <a:ext uri="{FF2B5EF4-FFF2-40B4-BE49-F238E27FC236}">
+                <a16:creationId xmlns:a16="http://schemas.microsoft.com/office/drawing/2014/main" id="{CEC80C24-1C06-2ADA-1246-08297795717D}"/>
+              </a:ext>
+            </a:extLst>
+          </p:cNvPr>
+          <p:cNvCxnSpPr/>
+          <p:nvPr/>
+        </p:nvCxnSpPr>
+        <p:spPr>
+          <a:xfrm>
+            <a:off x="1472530" y="4905610"/>
+            <a:ext cx="1161241" cy="0"/>
+          </a:xfrm>
+          <a:prstGeom prst="line">
+            <a:avLst/>
+          </a:prstGeom>
+          <a:ln>
+            <a:solidFill>
+              <a:schemeClr val="tx1">
+                <a:lumMod val="65000"/>
+                <a:lumOff val="35000"/>
+              </a:schemeClr>
+            </a:solidFill>
+          </a:ln>
+        </p:spPr>
+        <p:style>
+          <a:lnRef idx="2">
+            <a:schemeClr val="accent1"/>
+          </a:lnRef>
+          <a:fillRef idx="0">
+            <a:schemeClr val="accent1"/>
+          </a:fillRef>
+          <a:effectRef idx="1">
+            <a:schemeClr val="accent1"/>
+          </a:effectRef>
+          <a:fontRef idx="minor">
+            <a:schemeClr val="tx1"/>
+          </a:fontRef>
+        </p:style>
+      </p:cxnSp>
+      <p:sp>
+        <p:nvSpPr>
+          <p:cNvPr id="37" name="직사각형 36">
+            <a:extLst>
+              <a:ext uri="{FF2B5EF4-FFF2-40B4-BE49-F238E27FC236}">
+                <a16:creationId xmlns:a16="http://schemas.microsoft.com/office/drawing/2014/main" id="{4A3A3D65-6C10-B99C-4556-E483E31A2C02}"/>
+              </a:ext>
+            </a:extLst>
+          </p:cNvPr>
+          <p:cNvSpPr/>
+          <p:nvPr/>
+        </p:nvSpPr>
+        <p:spPr>
+          <a:xfrm>
+            <a:off x="758428" y="5114224"/>
+            <a:ext cx="609600" cy="609600"/>
+          </a:xfrm>
+          <a:prstGeom prst="rect">
+            <a:avLst/>
+          </a:prstGeom>
+        </p:spPr>
+        <p:style>
+          <a:lnRef idx="2">
+            <a:schemeClr val="accent1">
+              <a:shade val="15000"/>
+            </a:schemeClr>
+          </a:lnRef>
+          <a:fillRef idx="1">
+            <a:schemeClr val="accent1"/>
+          </a:fillRef>
+          <a:effectRef idx="0">
+            <a:schemeClr val="accent1"/>
+          </a:effectRef>
+          <a:fontRef idx="minor">
+            <a:schemeClr val="lt1"/>
+          </a:fontRef>
+        </p:style>
+        <p:txBody>
+          <a:bodyPr rtlCol="0" anchor="ctr"/>
+          <a:lstStyle/>
+          <a:p>
+            <a:pPr algn="ctr"/>
+            <a:endParaRPr lang="ko-KR" altLang="en-US"/>
+          </a:p>
+        </p:txBody>
+      </p:sp>
+      <p:sp>
+        <p:nvSpPr>
+          <p:cNvPr id="38" name="TextBox 37">
+            <a:extLst>
+              <a:ext uri="{FF2B5EF4-FFF2-40B4-BE49-F238E27FC236}">
+                <a16:creationId xmlns:a16="http://schemas.microsoft.com/office/drawing/2014/main" id="{1FE606F9-4D07-B5C5-5B18-573B0870A6DF}"/>
+              </a:ext>
+            </a:extLst>
+          </p:cNvPr>
+          <p:cNvSpPr txBox="1"/>
+          <p:nvPr/>
+        </p:nvSpPr>
+        <p:spPr>
+          <a:xfrm>
+            <a:off x="1460052" y="5328153"/>
+            <a:ext cx="1173719" cy="369332"/>
+          </a:xfrm>
+          <a:prstGeom prst="rect">
+            <a:avLst/>
+          </a:prstGeom>
+          <a:noFill/>
+        </p:spPr>
+        <p:txBody>
+          <a:bodyPr wrap="none" rtlCol="0">
+            <a:spAutoFit/>
+          </a:bodyPr>
+          <a:lstStyle/>
+          <a:p>
+            <a:r>
+              <a:rPr lang="en-US" altLang="ko-KR" dirty="0"/>
+              <a:t>8,888,888</a:t>
+            </a:r>
+            <a:endParaRPr lang="ko-KR" altLang="en-US" dirty="0"/>
+          </a:p>
+        </p:txBody>
+      </p:sp>
+      <p:sp>
+        <p:nvSpPr>
+          <p:cNvPr id="39" name="TextBox 38">
+            <a:extLst>
+              <a:ext uri="{FF2B5EF4-FFF2-40B4-BE49-F238E27FC236}">
+                <a16:creationId xmlns:a16="http://schemas.microsoft.com/office/drawing/2014/main" id="{41E3E3D1-3C41-D103-EDF8-DF63BB945EA1}"/>
+              </a:ext>
+            </a:extLst>
+          </p:cNvPr>
+          <p:cNvSpPr txBox="1"/>
+          <p:nvPr/>
+        </p:nvSpPr>
+        <p:spPr>
+          <a:xfrm>
+            <a:off x="569113" y="4914762"/>
+            <a:ext cx="378630" cy="492443"/>
+          </a:xfrm>
+          <a:prstGeom prst="rect">
+            <a:avLst/>
+          </a:prstGeom>
+          <a:noFill/>
+        </p:spPr>
+        <p:txBody>
+          <a:bodyPr wrap="none" rtlCol="0">
+            <a:spAutoFit/>
+          </a:bodyPr>
+          <a:lstStyle/>
+          <a:p>
+            <a:r>
+              <a:rPr lang="en-US" altLang="ko-KR" sz="2600" b="1" dirty="0">
+                <a:ln>
+                  <a:solidFill>
+                    <a:schemeClr val="tx1"/>
+                  </a:solidFill>
+                </a:ln>
+                <a:solidFill>
+                  <a:schemeClr val="bg1"/>
+                </a:solidFill>
               </a:rPr>
-              <a:t>리더보드</a:t>
+              <a:t>2</a:t>
             </a:r>
-          </a:p>
-        </p:txBody>
-      </p:sp>
+            <a:endParaRPr lang="ko-KR" altLang="en-US" sz="2600" b="1" dirty="0">
+              <a:ln>
+                <a:solidFill>
+                  <a:schemeClr val="tx1"/>
+                </a:solidFill>
+              </a:ln>
+              <a:solidFill>
+                <a:schemeClr val="bg1"/>
+              </a:solidFill>
+            </a:endParaRPr>
+          </a:p>
+        </p:txBody>
+      </p:sp>
+      <p:cxnSp>
+        <p:nvCxnSpPr>
+          <p:cNvPr id="40" name="직선 연결선 39">
+            <a:extLst>
+              <a:ext uri="{FF2B5EF4-FFF2-40B4-BE49-F238E27FC236}">
+                <a16:creationId xmlns:a16="http://schemas.microsoft.com/office/drawing/2014/main" id="{4D5319FB-E0AA-A0FF-9D6A-E41D1148A253}"/>
+              </a:ext>
+            </a:extLst>
+          </p:cNvPr>
+          <p:cNvCxnSpPr/>
+          <p:nvPr/>
+        </p:nvCxnSpPr>
+        <p:spPr>
+          <a:xfrm>
+            <a:off x="1472530" y="5697485"/>
+            <a:ext cx="1161241" cy="0"/>
+          </a:xfrm>
+          <a:prstGeom prst="line">
+            <a:avLst/>
+          </a:prstGeom>
+          <a:ln>
+            <a:solidFill>
+              <a:schemeClr val="tx1">
+                <a:lumMod val="65000"/>
+                <a:lumOff val="35000"/>
+              </a:schemeClr>
+            </a:solidFill>
+          </a:ln>
+        </p:spPr>
+        <p:style>
+          <a:lnRef idx="2">
+            <a:schemeClr val="accent1"/>
+          </a:lnRef>
+          <a:fillRef idx="0">
+            <a:schemeClr val="accent1"/>
+          </a:fillRef>
+          <a:effectRef idx="1">
+            <a:schemeClr val="accent1"/>
+          </a:effectRef>
+          <a:fontRef idx="minor">
+            <a:schemeClr val="tx1"/>
+          </a:fontRef>
+        </p:style>
+      </p:cxnSp>
+      <p:sp>
+        <p:nvSpPr>
+          <p:cNvPr id="42" name="직사각형 41">
+            <a:extLst>
+              <a:ext uri="{FF2B5EF4-FFF2-40B4-BE49-F238E27FC236}">
+                <a16:creationId xmlns:a16="http://schemas.microsoft.com/office/drawing/2014/main" id="{EE8025F3-8D7D-5492-A801-E6FC14165610}"/>
+              </a:ext>
+            </a:extLst>
+          </p:cNvPr>
+          <p:cNvSpPr/>
+          <p:nvPr/>
+        </p:nvSpPr>
+        <p:spPr>
+          <a:xfrm>
+            <a:off x="758428" y="5883546"/>
+            <a:ext cx="609600" cy="609600"/>
+          </a:xfrm>
+          <a:prstGeom prst="rect">
+            <a:avLst/>
+          </a:prstGeom>
+        </p:spPr>
+        <p:style>
+          <a:lnRef idx="2">
+            <a:schemeClr val="accent1">
+              <a:shade val="15000"/>
+            </a:schemeClr>
+          </a:lnRef>
+          <a:fillRef idx="1">
+            <a:schemeClr val="accent1"/>
+          </a:fillRef>
+          <a:effectRef idx="0">
+            <a:schemeClr val="accent1"/>
+          </a:effectRef>
+          <a:fontRef idx="minor">
+            <a:schemeClr val="lt1"/>
+          </a:fontRef>
+        </p:style>
+        <p:txBody>
+          <a:bodyPr rtlCol="0" anchor="ctr"/>
+          <a:lstStyle/>
+          <a:p>
+            <a:pPr algn="ctr"/>
+            <a:endParaRPr lang="ko-KR" altLang="en-US"/>
+          </a:p>
+        </p:txBody>
+      </p:sp>
+      <p:sp>
+        <p:nvSpPr>
+          <p:cNvPr id="43" name="TextBox 42">
+            <a:extLst>
+              <a:ext uri="{FF2B5EF4-FFF2-40B4-BE49-F238E27FC236}">
+                <a16:creationId xmlns:a16="http://schemas.microsoft.com/office/drawing/2014/main" id="{93BE101E-234E-BD98-71CF-F6E64F527A2E}"/>
+              </a:ext>
+            </a:extLst>
+          </p:cNvPr>
+          <p:cNvSpPr txBox="1"/>
+          <p:nvPr/>
+        </p:nvSpPr>
+        <p:spPr>
+          <a:xfrm>
+            <a:off x="1460052" y="6097475"/>
+            <a:ext cx="1173719" cy="369332"/>
+          </a:xfrm>
+          <a:prstGeom prst="rect">
+            <a:avLst/>
+          </a:prstGeom>
+          <a:noFill/>
+        </p:spPr>
+        <p:txBody>
+          <a:bodyPr wrap="none" rtlCol="0">
+            <a:spAutoFit/>
+          </a:bodyPr>
+          <a:lstStyle/>
+          <a:p>
+            <a:r>
+              <a:rPr lang="en-US" altLang="ko-KR" dirty="0"/>
+              <a:t>8,888,888</a:t>
+            </a:r>
+            <a:endParaRPr lang="ko-KR" altLang="en-US" dirty="0"/>
+          </a:p>
+        </p:txBody>
+      </p:sp>
+      <p:sp>
+        <p:nvSpPr>
+          <p:cNvPr id="44" name="TextBox 43">
+            <a:extLst>
+              <a:ext uri="{FF2B5EF4-FFF2-40B4-BE49-F238E27FC236}">
+                <a16:creationId xmlns:a16="http://schemas.microsoft.com/office/drawing/2014/main" id="{FE4CA78E-89CB-9042-D654-8A412E66F64D}"/>
+              </a:ext>
+            </a:extLst>
+          </p:cNvPr>
+          <p:cNvSpPr txBox="1"/>
+          <p:nvPr/>
+        </p:nvSpPr>
+        <p:spPr>
+          <a:xfrm>
+            <a:off x="569113" y="5684084"/>
+            <a:ext cx="378630" cy="492443"/>
+          </a:xfrm>
+          <a:prstGeom prst="rect">
+            <a:avLst/>
+          </a:prstGeom>
+          <a:noFill/>
+        </p:spPr>
+        <p:txBody>
+          <a:bodyPr wrap="none" rtlCol="0">
+            <a:spAutoFit/>
+          </a:bodyPr>
+          <a:lstStyle/>
+          <a:p>
+            <a:r>
+              <a:rPr lang="en-US" altLang="ko-KR" sz="2600" b="1" dirty="0">
+                <a:ln>
+                  <a:solidFill>
+                    <a:schemeClr val="tx1"/>
+                  </a:solidFill>
+                </a:ln>
+                <a:solidFill>
+                  <a:schemeClr val="bg1"/>
+                </a:solidFill>
+              </a:rPr>
+              <a:t>3</a:t>
+            </a:r>
+            <a:endParaRPr lang="ko-KR" altLang="en-US" sz="2600" b="1" dirty="0">
+              <a:ln>
+                <a:solidFill>
+                  <a:schemeClr val="tx1"/>
+                </a:solidFill>
+              </a:ln>
+              <a:solidFill>
+                <a:schemeClr val="bg1"/>
+              </a:solidFill>
+            </a:endParaRPr>
+          </a:p>
+        </p:txBody>
+      </p:sp>
+      <p:cxnSp>
+        <p:nvCxnSpPr>
+          <p:cNvPr id="45" name="직선 연결선 44">
+            <a:extLst>
+              <a:ext uri="{FF2B5EF4-FFF2-40B4-BE49-F238E27FC236}">
+                <a16:creationId xmlns:a16="http://schemas.microsoft.com/office/drawing/2014/main" id="{4A457678-83D9-0E1A-8B1C-48683A874B13}"/>
+              </a:ext>
+            </a:extLst>
+          </p:cNvPr>
+          <p:cNvCxnSpPr/>
+          <p:nvPr/>
+        </p:nvCxnSpPr>
+        <p:spPr>
+          <a:xfrm>
+            <a:off x="1472530" y="6466807"/>
+            <a:ext cx="1161241" cy="0"/>
+          </a:xfrm>
+          <a:prstGeom prst="line">
+            <a:avLst/>
+          </a:prstGeom>
+          <a:ln>
+            <a:solidFill>
+              <a:schemeClr val="tx1">
+                <a:lumMod val="65000"/>
+                <a:lumOff val="35000"/>
+              </a:schemeClr>
+            </a:solidFill>
+          </a:ln>
+        </p:spPr>
+        <p:style>
+          <a:lnRef idx="2">
+            <a:schemeClr val="accent1"/>
+          </a:lnRef>
+          <a:fillRef idx="0">
+            <a:schemeClr val="accent1"/>
+          </a:fillRef>
+          <a:effectRef idx="1">
+            <a:schemeClr val="accent1"/>
+          </a:effectRef>
+          <a:fontRef idx="minor">
+            <a:schemeClr val="tx1"/>
+          </a:fontRef>
+        </p:style>
+      </p:cxnSp>
+      <p:sp>
+        <p:nvSpPr>
+          <p:cNvPr id="47" name="직사각형 46">
+            <a:extLst>
+              <a:ext uri="{FF2B5EF4-FFF2-40B4-BE49-F238E27FC236}">
+                <a16:creationId xmlns:a16="http://schemas.microsoft.com/office/drawing/2014/main" id="{B4C6B375-3A74-6251-2B0D-DB3D79E2CD33}"/>
+              </a:ext>
+            </a:extLst>
+          </p:cNvPr>
+          <p:cNvSpPr/>
+          <p:nvPr/>
+        </p:nvSpPr>
+        <p:spPr>
+          <a:xfrm>
+            <a:off x="3530161" y="4322349"/>
+            <a:ext cx="609600" cy="609600"/>
+          </a:xfrm>
+          <a:prstGeom prst="rect">
+            <a:avLst/>
+          </a:prstGeom>
+        </p:spPr>
+        <p:style>
+          <a:lnRef idx="2">
+            <a:schemeClr val="accent1">
+              <a:shade val="15000"/>
+            </a:schemeClr>
+          </a:lnRef>
+          <a:fillRef idx="1">
+            <a:schemeClr val="accent1"/>
+          </a:fillRef>
+          <a:effectRef idx="0">
+            <a:schemeClr val="accent1"/>
+          </a:effectRef>
+          <a:fontRef idx="minor">
+            <a:schemeClr val="lt1"/>
+          </a:fontRef>
+        </p:style>
+        <p:txBody>
+          <a:bodyPr rtlCol="0" anchor="ctr"/>
+          <a:lstStyle/>
+          <a:p>
+            <a:pPr algn="ctr"/>
+            <a:endParaRPr lang="ko-KR" altLang="en-US"/>
+          </a:p>
+        </p:txBody>
+      </p:sp>
+      <p:sp>
+        <p:nvSpPr>
+          <p:cNvPr id="48" name="TextBox 47">
+            <a:extLst>
+              <a:ext uri="{FF2B5EF4-FFF2-40B4-BE49-F238E27FC236}">
+                <a16:creationId xmlns:a16="http://schemas.microsoft.com/office/drawing/2014/main" id="{50F182A2-1042-E5E2-A92E-0D32A9D8A3E3}"/>
+              </a:ext>
+            </a:extLst>
+          </p:cNvPr>
+          <p:cNvSpPr txBox="1"/>
+          <p:nvPr/>
+        </p:nvSpPr>
+        <p:spPr>
+          <a:xfrm>
+            <a:off x="4231785" y="4253955"/>
+            <a:ext cx="1173719" cy="369332"/>
+          </a:xfrm>
+          <a:prstGeom prst="rect">
+            <a:avLst/>
+          </a:prstGeom>
+          <a:noFill/>
+        </p:spPr>
+        <p:txBody>
+          <a:bodyPr wrap="none" rtlCol="0">
+            <a:spAutoFit/>
+          </a:bodyPr>
+          <a:lstStyle/>
+          <a:p>
+            <a:r>
+              <a:rPr lang="en-US" altLang="ko-KR" dirty="0"/>
+              <a:t>8,888,888</a:t>
+            </a:r>
+            <a:endParaRPr lang="ko-KR" altLang="en-US" dirty="0"/>
+          </a:p>
+        </p:txBody>
+      </p:sp>
+      <p:sp>
+        <p:nvSpPr>
+          <p:cNvPr id="49" name="TextBox 48">
+            <a:extLst>
+              <a:ext uri="{FF2B5EF4-FFF2-40B4-BE49-F238E27FC236}">
+                <a16:creationId xmlns:a16="http://schemas.microsoft.com/office/drawing/2014/main" id="{31FA925D-9E34-8EB3-15C5-90E62E7F14A0}"/>
+              </a:ext>
+            </a:extLst>
+          </p:cNvPr>
+          <p:cNvSpPr txBox="1"/>
+          <p:nvPr/>
+        </p:nvSpPr>
+        <p:spPr>
+          <a:xfrm>
+            <a:off x="3340846" y="4122887"/>
+            <a:ext cx="378630" cy="492443"/>
+          </a:xfrm>
+          <a:prstGeom prst="rect">
+            <a:avLst/>
+          </a:prstGeom>
+          <a:noFill/>
+        </p:spPr>
+        <p:txBody>
+          <a:bodyPr wrap="none" rtlCol="0">
+            <a:spAutoFit/>
+          </a:bodyPr>
+          <a:lstStyle/>
+          <a:p>
+            <a:r>
+              <a:rPr lang="en-US" altLang="ko-KR" sz="2600" b="1" dirty="0">
+                <a:ln>
+                  <a:solidFill>
+                    <a:schemeClr val="tx1"/>
+                  </a:solidFill>
+                </a:ln>
+                <a:solidFill>
+                  <a:schemeClr val="bg1"/>
+                </a:solidFill>
+              </a:rPr>
+              <a:t>1</a:t>
+            </a:r>
+            <a:endParaRPr lang="ko-KR" altLang="en-US" sz="2600" b="1" dirty="0">
+              <a:ln>
+                <a:solidFill>
+                  <a:schemeClr val="tx1"/>
+                </a:solidFill>
+              </a:ln>
+              <a:solidFill>
+                <a:schemeClr val="bg1"/>
+              </a:solidFill>
+            </a:endParaRPr>
+          </a:p>
+        </p:txBody>
+      </p:sp>
+      <p:cxnSp>
+        <p:nvCxnSpPr>
+          <p:cNvPr id="50" name="직선 연결선 49">
+            <a:extLst>
+              <a:ext uri="{FF2B5EF4-FFF2-40B4-BE49-F238E27FC236}">
+                <a16:creationId xmlns:a16="http://schemas.microsoft.com/office/drawing/2014/main" id="{EB95C5C7-3195-10C7-EB41-45130C5D06F4}"/>
+              </a:ext>
+            </a:extLst>
+          </p:cNvPr>
+          <p:cNvCxnSpPr/>
+          <p:nvPr/>
+        </p:nvCxnSpPr>
+        <p:spPr>
+          <a:xfrm>
+            <a:off x="4244263" y="4623287"/>
+            <a:ext cx="1161241" cy="0"/>
+          </a:xfrm>
+          <a:prstGeom prst="line">
+            <a:avLst/>
+          </a:prstGeom>
+          <a:ln>
+            <a:solidFill>
+              <a:schemeClr val="tx1">
+                <a:lumMod val="65000"/>
+                <a:lumOff val="35000"/>
+              </a:schemeClr>
+            </a:solidFill>
+          </a:ln>
+        </p:spPr>
+        <p:style>
+          <a:lnRef idx="2">
+            <a:schemeClr val="accent1"/>
+          </a:lnRef>
+          <a:fillRef idx="0">
+            <a:schemeClr val="accent1"/>
+          </a:fillRef>
+          <a:effectRef idx="1">
+            <a:schemeClr val="accent1"/>
+          </a:effectRef>
+          <a:fontRef idx="minor">
+            <a:schemeClr val="tx1"/>
+          </a:fontRef>
+        </p:style>
+      </p:cxnSp>
+      <p:sp>
+        <p:nvSpPr>
+          <p:cNvPr id="52" name="직사각형 51">
+            <a:extLst>
+              <a:ext uri="{FF2B5EF4-FFF2-40B4-BE49-F238E27FC236}">
+                <a16:creationId xmlns:a16="http://schemas.microsoft.com/office/drawing/2014/main" id="{CC4D8547-CD4F-571D-DD0D-196B572B0EF3}"/>
+              </a:ext>
+            </a:extLst>
+          </p:cNvPr>
+          <p:cNvSpPr/>
+          <p:nvPr/>
+        </p:nvSpPr>
+        <p:spPr>
+          <a:xfrm>
+            <a:off x="3530161" y="5114224"/>
+            <a:ext cx="609600" cy="609600"/>
+          </a:xfrm>
+          <a:prstGeom prst="rect">
+            <a:avLst/>
+          </a:prstGeom>
+        </p:spPr>
+        <p:style>
+          <a:lnRef idx="2">
+            <a:schemeClr val="accent1">
+              <a:shade val="15000"/>
+            </a:schemeClr>
+          </a:lnRef>
+          <a:fillRef idx="1">
+            <a:schemeClr val="accent1"/>
+          </a:fillRef>
+          <a:effectRef idx="0">
+            <a:schemeClr val="accent1"/>
+          </a:effectRef>
+          <a:fontRef idx="minor">
+            <a:schemeClr val="lt1"/>
+          </a:fontRef>
+        </p:style>
+        <p:txBody>
+          <a:bodyPr rtlCol="0" anchor="ctr"/>
+          <a:lstStyle/>
+          <a:p>
+            <a:pPr algn="ctr"/>
+            <a:endParaRPr lang="ko-KR" altLang="en-US"/>
+          </a:p>
+        </p:txBody>
+      </p:sp>
+      <p:sp>
+        <p:nvSpPr>
+          <p:cNvPr id="53" name="TextBox 52">
+            <a:extLst>
+              <a:ext uri="{FF2B5EF4-FFF2-40B4-BE49-F238E27FC236}">
+                <a16:creationId xmlns:a16="http://schemas.microsoft.com/office/drawing/2014/main" id="{43FF2FCE-14A4-4C75-1566-A553158BF163}"/>
+              </a:ext>
+            </a:extLst>
+          </p:cNvPr>
+          <p:cNvSpPr txBox="1"/>
+          <p:nvPr/>
+        </p:nvSpPr>
+        <p:spPr>
+          <a:xfrm>
+            <a:off x="4231785" y="5045830"/>
+            <a:ext cx="1173719" cy="369332"/>
+          </a:xfrm>
+          <a:prstGeom prst="rect">
+            <a:avLst/>
+          </a:prstGeom>
+          <a:noFill/>
+        </p:spPr>
+        <p:txBody>
+          <a:bodyPr wrap="none" rtlCol="0">
+            <a:spAutoFit/>
+          </a:bodyPr>
+          <a:lstStyle/>
+          <a:p>
+            <a:r>
+              <a:rPr lang="en-US" altLang="ko-KR" dirty="0"/>
+              <a:t>8,888,888</a:t>
+            </a:r>
+            <a:endParaRPr lang="ko-KR" altLang="en-US" dirty="0"/>
+          </a:p>
+        </p:txBody>
+      </p:sp>
+      <p:sp>
+        <p:nvSpPr>
+          <p:cNvPr id="54" name="TextBox 53">
+            <a:extLst>
+              <a:ext uri="{FF2B5EF4-FFF2-40B4-BE49-F238E27FC236}">
+                <a16:creationId xmlns:a16="http://schemas.microsoft.com/office/drawing/2014/main" id="{AB2E7785-7C69-6398-0AF8-381DDAE7CBBD}"/>
+              </a:ext>
+            </a:extLst>
+          </p:cNvPr>
+          <p:cNvSpPr txBox="1"/>
+          <p:nvPr/>
+        </p:nvSpPr>
+        <p:spPr>
+          <a:xfrm>
+            <a:off x="3340846" y="4914762"/>
+            <a:ext cx="378630" cy="492443"/>
+          </a:xfrm>
+          <a:prstGeom prst="rect">
+            <a:avLst/>
+          </a:prstGeom>
+          <a:noFill/>
+        </p:spPr>
+        <p:txBody>
+          <a:bodyPr wrap="none" rtlCol="0">
+            <a:spAutoFit/>
+          </a:bodyPr>
+          <a:lstStyle/>
+          <a:p>
+            <a:r>
+              <a:rPr lang="en-US" altLang="ko-KR" sz="2600" b="1" dirty="0">
+                <a:ln>
+                  <a:solidFill>
+                    <a:schemeClr val="tx1"/>
+                  </a:solidFill>
+                </a:ln>
+                <a:solidFill>
+                  <a:schemeClr val="bg1"/>
+                </a:solidFill>
+              </a:rPr>
+              <a:t>2</a:t>
+            </a:r>
+            <a:endParaRPr lang="ko-KR" altLang="en-US" sz="2600" b="1" dirty="0">
+              <a:ln>
+                <a:solidFill>
+                  <a:schemeClr val="tx1"/>
+                </a:solidFill>
+              </a:ln>
+              <a:solidFill>
+                <a:schemeClr val="bg1"/>
+              </a:solidFill>
+            </a:endParaRPr>
+          </a:p>
+        </p:txBody>
+      </p:sp>
+      <p:cxnSp>
+        <p:nvCxnSpPr>
+          <p:cNvPr id="55" name="직선 연결선 54">
+            <a:extLst>
+              <a:ext uri="{FF2B5EF4-FFF2-40B4-BE49-F238E27FC236}">
+                <a16:creationId xmlns:a16="http://schemas.microsoft.com/office/drawing/2014/main" id="{8FA6096B-8FB4-E29A-3F8C-D31292D5257D}"/>
+              </a:ext>
+            </a:extLst>
+          </p:cNvPr>
+          <p:cNvCxnSpPr/>
+          <p:nvPr/>
+        </p:nvCxnSpPr>
+        <p:spPr>
+          <a:xfrm>
+            <a:off x="4244263" y="5415162"/>
+            <a:ext cx="1161241" cy="0"/>
+          </a:xfrm>
+          <a:prstGeom prst="line">
+            <a:avLst/>
+          </a:prstGeom>
+          <a:ln>
+            <a:solidFill>
+              <a:schemeClr val="tx1">
+                <a:lumMod val="65000"/>
+                <a:lumOff val="35000"/>
+              </a:schemeClr>
+            </a:solidFill>
+          </a:ln>
+        </p:spPr>
+        <p:style>
+          <a:lnRef idx="2">
+            <a:schemeClr val="accent1"/>
+          </a:lnRef>
+          <a:fillRef idx="0">
+            <a:schemeClr val="accent1"/>
+          </a:fillRef>
+          <a:effectRef idx="1">
+            <a:schemeClr val="accent1"/>
+          </a:effectRef>
+          <a:fontRef idx="minor">
+            <a:schemeClr val="tx1"/>
+          </a:fontRef>
+        </p:style>
+      </p:cxnSp>
+      <p:sp>
+        <p:nvSpPr>
+          <p:cNvPr id="57" name="직사각형 56">
+            <a:extLst>
+              <a:ext uri="{FF2B5EF4-FFF2-40B4-BE49-F238E27FC236}">
+                <a16:creationId xmlns:a16="http://schemas.microsoft.com/office/drawing/2014/main" id="{FBD00B66-B8CE-FEF0-0DF2-FFEF7ED2D699}"/>
+              </a:ext>
+            </a:extLst>
+          </p:cNvPr>
+          <p:cNvSpPr/>
+          <p:nvPr/>
+        </p:nvSpPr>
+        <p:spPr>
+          <a:xfrm>
+            <a:off x="3530161" y="5883546"/>
+            <a:ext cx="609600" cy="609600"/>
+          </a:xfrm>
+          <a:prstGeom prst="rect">
+            <a:avLst/>
+          </a:prstGeom>
+        </p:spPr>
+        <p:style>
+          <a:lnRef idx="2">
+            <a:schemeClr val="accent1">
+              <a:shade val="15000"/>
+            </a:schemeClr>
+          </a:lnRef>
+          <a:fillRef idx="1">
+            <a:schemeClr val="accent1"/>
+          </a:fillRef>
+          <a:effectRef idx="0">
+            <a:schemeClr val="accent1"/>
+          </a:effectRef>
+          <a:fontRef idx="minor">
+            <a:schemeClr val="lt1"/>
+          </a:fontRef>
+        </p:style>
+        <p:txBody>
+          <a:bodyPr rtlCol="0" anchor="ctr"/>
+          <a:lstStyle/>
+          <a:p>
+            <a:pPr algn="ctr"/>
+            <a:endParaRPr lang="ko-KR" altLang="en-US"/>
+          </a:p>
+        </p:txBody>
+      </p:sp>
+      <p:sp>
+        <p:nvSpPr>
+          <p:cNvPr id="58" name="TextBox 57">
+            <a:extLst>
+              <a:ext uri="{FF2B5EF4-FFF2-40B4-BE49-F238E27FC236}">
+                <a16:creationId xmlns:a16="http://schemas.microsoft.com/office/drawing/2014/main" id="{19D9A1B7-83BF-89F8-177F-D82FC81EE1CA}"/>
+              </a:ext>
+            </a:extLst>
+          </p:cNvPr>
+          <p:cNvSpPr txBox="1"/>
+          <p:nvPr/>
+        </p:nvSpPr>
+        <p:spPr>
+          <a:xfrm>
+            <a:off x="4231785" y="5815152"/>
+            <a:ext cx="1173719" cy="369332"/>
+          </a:xfrm>
+          <a:prstGeom prst="rect">
+            <a:avLst/>
+          </a:prstGeom>
+          <a:noFill/>
+        </p:spPr>
+        <p:txBody>
+          <a:bodyPr wrap="none" rtlCol="0">
+            <a:spAutoFit/>
+          </a:bodyPr>
+          <a:lstStyle/>
+          <a:p>
+            <a:r>
+              <a:rPr lang="en-US" altLang="ko-KR" dirty="0"/>
+              <a:t>8,888,888</a:t>
+            </a:r>
+            <a:endParaRPr lang="ko-KR" altLang="en-US" dirty="0"/>
+          </a:p>
+        </p:txBody>
+      </p:sp>
+      <p:sp>
+        <p:nvSpPr>
+          <p:cNvPr id="59" name="TextBox 58">
+            <a:extLst>
+              <a:ext uri="{FF2B5EF4-FFF2-40B4-BE49-F238E27FC236}">
+                <a16:creationId xmlns:a16="http://schemas.microsoft.com/office/drawing/2014/main" id="{65EA1A32-3BE0-A8F0-1DC4-7D67E418ACA2}"/>
+              </a:ext>
+            </a:extLst>
+          </p:cNvPr>
+          <p:cNvSpPr txBox="1"/>
+          <p:nvPr/>
+        </p:nvSpPr>
+        <p:spPr>
+          <a:xfrm>
+            <a:off x="3340846" y="5684084"/>
+            <a:ext cx="378630" cy="492443"/>
+          </a:xfrm>
+          <a:prstGeom prst="rect">
+            <a:avLst/>
+          </a:prstGeom>
+          <a:noFill/>
+        </p:spPr>
+        <p:txBody>
+          <a:bodyPr wrap="none" rtlCol="0">
+            <a:spAutoFit/>
+          </a:bodyPr>
+          <a:lstStyle/>
+          <a:p>
+            <a:r>
+              <a:rPr lang="en-US" altLang="ko-KR" sz="2600" b="1" dirty="0">
+                <a:ln>
+                  <a:solidFill>
+                    <a:schemeClr val="tx1"/>
+                  </a:solidFill>
+                </a:ln>
+                <a:solidFill>
+                  <a:schemeClr val="bg1"/>
+                </a:solidFill>
+              </a:rPr>
+              <a:t>3</a:t>
+            </a:r>
+            <a:endParaRPr lang="ko-KR" altLang="en-US" sz="2600" b="1" dirty="0">
+              <a:ln>
+                <a:solidFill>
+                  <a:schemeClr val="tx1"/>
+                </a:solidFill>
+              </a:ln>
+              <a:solidFill>
+                <a:schemeClr val="bg1"/>
+              </a:solidFill>
+            </a:endParaRPr>
+          </a:p>
+        </p:txBody>
+      </p:sp>
+      <p:cxnSp>
+        <p:nvCxnSpPr>
+          <p:cNvPr id="60" name="직선 연결선 59">
+            <a:extLst>
+              <a:ext uri="{FF2B5EF4-FFF2-40B4-BE49-F238E27FC236}">
+                <a16:creationId xmlns:a16="http://schemas.microsoft.com/office/drawing/2014/main" id="{45FBFEF1-4D47-8073-D03E-1F65E8F27466}"/>
+              </a:ext>
+            </a:extLst>
+          </p:cNvPr>
+          <p:cNvCxnSpPr/>
+          <p:nvPr/>
+        </p:nvCxnSpPr>
+        <p:spPr>
+          <a:xfrm>
+            <a:off x="4244263" y="6184484"/>
+            <a:ext cx="1161241" cy="0"/>
+          </a:xfrm>
+          <a:prstGeom prst="line">
+            <a:avLst/>
+          </a:prstGeom>
+          <a:ln>
+            <a:solidFill>
+              <a:schemeClr val="tx1">
+                <a:lumMod val="65000"/>
+                <a:lumOff val="35000"/>
+              </a:schemeClr>
+            </a:solidFill>
+          </a:ln>
+        </p:spPr>
+        <p:style>
+          <a:lnRef idx="2">
+            <a:schemeClr val="accent1"/>
+          </a:lnRef>
+          <a:fillRef idx="0">
+            <a:schemeClr val="accent1"/>
+          </a:fillRef>
+          <a:effectRef idx="1">
+            <a:schemeClr val="accent1"/>
+          </a:effectRef>
+          <a:fontRef idx="minor">
+            <a:schemeClr val="tx1"/>
+          </a:fontRef>
+        </p:style>
+      </p:cxnSp>
+      <p:cxnSp>
+        <p:nvCxnSpPr>
+          <p:cNvPr id="62" name="직선 연결선 61">
+            <a:extLst>
+              <a:ext uri="{FF2B5EF4-FFF2-40B4-BE49-F238E27FC236}">
+                <a16:creationId xmlns:a16="http://schemas.microsoft.com/office/drawing/2014/main" id="{993745F3-3D96-0EAE-1B06-D46757327A8E}"/>
+              </a:ext>
+            </a:extLst>
+          </p:cNvPr>
+          <p:cNvCxnSpPr/>
+          <p:nvPr/>
+        </p:nvCxnSpPr>
+        <p:spPr>
+          <a:xfrm>
+            <a:off x="3126377" y="4322349"/>
+            <a:ext cx="0" cy="2186343"/>
+          </a:xfrm>
+          <a:prstGeom prst="line">
+            <a:avLst/>
+          </a:prstGeom>
+          <a:ln w="38100">
+            <a:solidFill>
+              <a:schemeClr val="tx1">
+                <a:lumMod val="65000"/>
+                <a:lumOff val="35000"/>
+              </a:schemeClr>
+            </a:solidFill>
+          </a:ln>
+        </p:spPr>
+        <p:style>
+          <a:lnRef idx="2">
+            <a:schemeClr val="accent1"/>
+          </a:lnRef>
+          <a:fillRef idx="0">
+            <a:schemeClr val="accent1"/>
+          </a:fillRef>
+          <a:effectRef idx="1">
+            <a:schemeClr val="accent1"/>
+          </a:effectRef>
+          <a:fontRef idx="minor">
+            <a:schemeClr val="tx1"/>
+          </a:fontRef>
+        </p:style>
+      </p:cxnSp>
+      <p:sp>
+        <p:nvSpPr>
+          <p:cNvPr id="64" name="직사각형 63">
+            <a:extLst>
+              <a:ext uri="{FF2B5EF4-FFF2-40B4-BE49-F238E27FC236}">
+                <a16:creationId xmlns:a16="http://schemas.microsoft.com/office/drawing/2014/main" id="{6AFE618A-9886-AB51-1798-0222A4747EDE}"/>
+              </a:ext>
+            </a:extLst>
+          </p:cNvPr>
+          <p:cNvSpPr/>
+          <p:nvPr/>
+        </p:nvSpPr>
+        <p:spPr>
+          <a:xfrm>
+            <a:off x="6975595" y="4322349"/>
+            <a:ext cx="609600" cy="609600"/>
+          </a:xfrm>
+          <a:prstGeom prst="rect">
+            <a:avLst/>
+          </a:prstGeom>
+        </p:spPr>
+        <p:style>
+          <a:lnRef idx="2">
+            <a:schemeClr val="accent1">
+              <a:shade val="15000"/>
+            </a:schemeClr>
+          </a:lnRef>
+          <a:fillRef idx="1">
+            <a:schemeClr val="accent1"/>
+          </a:fillRef>
+          <a:effectRef idx="0">
+            <a:schemeClr val="accent1"/>
+          </a:effectRef>
+          <a:fontRef idx="minor">
+            <a:schemeClr val="lt1"/>
+          </a:fontRef>
+        </p:style>
+        <p:txBody>
+          <a:bodyPr rtlCol="0" anchor="ctr"/>
+          <a:lstStyle/>
+          <a:p>
+            <a:pPr algn="ctr"/>
+            <a:endParaRPr lang="ko-KR" altLang="en-US"/>
+          </a:p>
+        </p:txBody>
+      </p:sp>
+      <p:sp>
+        <p:nvSpPr>
+          <p:cNvPr id="65" name="TextBox 64">
+            <a:extLst>
+              <a:ext uri="{FF2B5EF4-FFF2-40B4-BE49-F238E27FC236}">
+                <a16:creationId xmlns:a16="http://schemas.microsoft.com/office/drawing/2014/main" id="{46974AA7-0089-8C13-D142-A3DF3400F847}"/>
+              </a:ext>
+            </a:extLst>
+          </p:cNvPr>
+          <p:cNvSpPr txBox="1"/>
+          <p:nvPr/>
+        </p:nvSpPr>
+        <p:spPr>
+          <a:xfrm>
+            <a:off x="5709852" y="4522877"/>
+            <a:ext cx="1173719" cy="369332"/>
+          </a:xfrm>
+          <a:prstGeom prst="rect">
+            <a:avLst/>
+          </a:prstGeom>
+          <a:noFill/>
+        </p:spPr>
+        <p:txBody>
+          <a:bodyPr wrap="none" rtlCol="0">
+            <a:spAutoFit/>
+          </a:bodyPr>
+          <a:lstStyle/>
+          <a:p>
+            <a:r>
+              <a:rPr lang="en-US" altLang="ko-KR" dirty="0"/>
+              <a:t>8,888,888</a:t>
+            </a:r>
+            <a:endParaRPr lang="ko-KR" altLang="en-US" dirty="0"/>
+          </a:p>
+        </p:txBody>
+      </p:sp>
+      <p:cxnSp>
+        <p:nvCxnSpPr>
+          <p:cNvPr id="67" name="직선 연결선 66">
+            <a:extLst>
+              <a:ext uri="{FF2B5EF4-FFF2-40B4-BE49-F238E27FC236}">
+                <a16:creationId xmlns:a16="http://schemas.microsoft.com/office/drawing/2014/main" id="{29AD63C0-5C62-0B42-E46C-9DE86331A230}"/>
+              </a:ext>
+            </a:extLst>
+          </p:cNvPr>
+          <p:cNvCxnSpPr>
+            <a:cxnSpLocks/>
+          </p:cNvCxnSpPr>
+          <p:nvPr/>
+        </p:nvCxnSpPr>
+        <p:spPr>
+          <a:xfrm>
+            <a:off x="5709852" y="4892209"/>
+            <a:ext cx="1161241" cy="0"/>
+          </a:xfrm>
+          <a:prstGeom prst="line">
+            <a:avLst/>
+          </a:prstGeom>
+          <a:ln>
+            <a:solidFill>
+              <a:schemeClr val="tx1">
+                <a:lumMod val="65000"/>
+                <a:lumOff val="35000"/>
+              </a:schemeClr>
+            </a:solidFill>
+          </a:ln>
+        </p:spPr>
+        <p:style>
+          <a:lnRef idx="2">
+            <a:schemeClr val="accent1"/>
+          </a:lnRef>
+          <a:fillRef idx="0">
+            <a:schemeClr val="accent1"/>
+          </a:fillRef>
+          <a:effectRef idx="1">
+            <a:schemeClr val="accent1"/>
+          </a:effectRef>
+          <a:fontRef idx="minor">
+            <a:schemeClr val="tx1"/>
+          </a:fontRef>
+        </p:style>
+      </p:cxnSp>
+      <p:sp>
+        <p:nvSpPr>
+          <p:cNvPr id="69" name="직사각형 68">
+            <a:extLst>
+              <a:ext uri="{FF2B5EF4-FFF2-40B4-BE49-F238E27FC236}">
+                <a16:creationId xmlns:a16="http://schemas.microsoft.com/office/drawing/2014/main" id="{197E3AC1-F81E-1727-7641-7985536CECB1}"/>
+              </a:ext>
+            </a:extLst>
+          </p:cNvPr>
+          <p:cNvSpPr/>
+          <p:nvPr/>
+        </p:nvSpPr>
+        <p:spPr>
+          <a:xfrm>
+            <a:off x="6975595" y="5114224"/>
+            <a:ext cx="609600" cy="609600"/>
+          </a:xfrm>
+          <a:prstGeom prst="rect">
+            <a:avLst/>
+          </a:prstGeom>
+        </p:spPr>
+        <p:style>
+          <a:lnRef idx="2">
+            <a:schemeClr val="accent1">
+              <a:shade val="15000"/>
+            </a:schemeClr>
+          </a:lnRef>
+          <a:fillRef idx="1">
+            <a:schemeClr val="accent1"/>
+          </a:fillRef>
+          <a:effectRef idx="0">
+            <a:schemeClr val="accent1"/>
+          </a:effectRef>
+          <a:fontRef idx="minor">
+            <a:schemeClr val="lt1"/>
+          </a:fontRef>
+        </p:style>
+        <p:txBody>
+          <a:bodyPr rtlCol="0" anchor="ctr"/>
+          <a:lstStyle/>
+          <a:p>
+            <a:pPr algn="ctr"/>
+            <a:endParaRPr lang="ko-KR" altLang="en-US"/>
+          </a:p>
+        </p:txBody>
+      </p:sp>
+      <p:sp>
+        <p:nvSpPr>
+          <p:cNvPr id="70" name="TextBox 69">
+            <a:extLst>
+              <a:ext uri="{FF2B5EF4-FFF2-40B4-BE49-F238E27FC236}">
+                <a16:creationId xmlns:a16="http://schemas.microsoft.com/office/drawing/2014/main" id="{B0E15EEF-FF25-9EDE-8F3B-478E07481006}"/>
+              </a:ext>
+            </a:extLst>
+          </p:cNvPr>
+          <p:cNvSpPr txBox="1"/>
+          <p:nvPr/>
+        </p:nvSpPr>
+        <p:spPr>
+          <a:xfrm>
+            <a:off x="5709852" y="5314752"/>
+            <a:ext cx="1173719" cy="369332"/>
+          </a:xfrm>
+          <a:prstGeom prst="rect">
+            <a:avLst/>
+          </a:prstGeom>
+          <a:noFill/>
+        </p:spPr>
+        <p:txBody>
+          <a:bodyPr wrap="none" rtlCol="0">
+            <a:spAutoFit/>
+          </a:bodyPr>
+          <a:lstStyle/>
+          <a:p>
+            <a:r>
+              <a:rPr lang="en-US" altLang="ko-KR" dirty="0"/>
+              <a:t>8,888,888</a:t>
+            </a:r>
+            <a:endParaRPr lang="ko-KR" altLang="en-US" dirty="0"/>
+          </a:p>
+        </p:txBody>
+      </p:sp>
+      <p:cxnSp>
+        <p:nvCxnSpPr>
+          <p:cNvPr id="72" name="직선 연결선 71">
+            <a:extLst>
+              <a:ext uri="{FF2B5EF4-FFF2-40B4-BE49-F238E27FC236}">
+                <a16:creationId xmlns:a16="http://schemas.microsoft.com/office/drawing/2014/main" id="{D4BA3A8F-AB90-5721-94F4-C9CABB069A1D}"/>
+              </a:ext>
+            </a:extLst>
+          </p:cNvPr>
+          <p:cNvCxnSpPr>
+            <a:cxnSpLocks/>
+          </p:cNvCxnSpPr>
+          <p:nvPr/>
+        </p:nvCxnSpPr>
+        <p:spPr>
+          <a:xfrm>
+            <a:off x="5709852" y="5684084"/>
+            <a:ext cx="1161241" cy="0"/>
+          </a:xfrm>
+          <a:prstGeom prst="line">
+            <a:avLst/>
+          </a:prstGeom>
+          <a:ln>
+            <a:solidFill>
+              <a:schemeClr val="tx1">
+                <a:lumMod val="65000"/>
+                <a:lumOff val="35000"/>
+              </a:schemeClr>
+            </a:solidFill>
+          </a:ln>
+        </p:spPr>
+        <p:style>
+          <a:lnRef idx="2">
+            <a:schemeClr val="accent1"/>
+          </a:lnRef>
+          <a:fillRef idx="0">
+            <a:schemeClr val="accent1"/>
+          </a:fillRef>
+          <a:effectRef idx="1">
+            <a:schemeClr val="accent1"/>
+          </a:effectRef>
+          <a:fontRef idx="minor">
+            <a:schemeClr val="tx1"/>
+          </a:fontRef>
+        </p:style>
+      </p:cxnSp>
+      <p:sp>
+        <p:nvSpPr>
+          <p:cNvPr id="74" name="직사각형 73">
+            <a:extLst>
+              <a:ext uri="{FF2B5EF4-FFF2-40B4-BE49-F238E27FC236}">
+                <a16:creationId xmlns:a16="http://schemas.microsoft.com/office/drawing/2014/main" id="{387BFDB0-F690-10DC-FE58-57FA1C74C4EC}"/>
+              </a:ext>
+            </a:extLst>
+          </p:cNvPr>
+          <p:cNvSpPr/>
+          <p:nvPr/>
+        </p:nvSpPr>
+        <p:spPr>
+          <a:xfrm>
+            <a:off x="6975595" y="5883546"/>
+            <a:ext cx="609600" cy="609600"/>
+          </a:xfrm>
+          <a:prstGeom prst="rect">
+            <a:avLst/>
+          </a:prstGeom>
+        </p:spPr>
+        <p:style>
+          <a:lnRef idx="2">
+            <a:schemeClr val="accent1">
+              <a:shade val="15000"/>
+            </a:schemeClr>
+          </a:lnRef>
+          <a:fillRef idx="1">
+            <a:schemeClr val="accent1"/>
+          </a:fillRef>
+          <a:effectRef idx="0">
+            <a:schemeClr val="accent1"/>
+          </a:effectRef>
+          <a:fontRef idx="minor">
+            <a:schemeClr val="lt1"/>
+          </a:fontRef>
+        </p:style>
+        <p:txBody>
+          <a:bodyPr rtlCol="0" anchor="ctr"/>
+          <a:lstStyle/>
+          <a:p>
+            <a:pPr algn="ctr"/>
+            <a:endParaRPr lang="ko-KR" altLang="en-US"/>
+          </a:p>
+        </p:txBody>
+      </p:sp>
+      <p:sp>
+        <p:nvSpPr>
+          <p:cNvPr id="75" name="TextBox 74">
+            <a:extLst>
+              <a:ext uri="{FF2B5EF4-FFF2-40B4-BE49-F238E27FC236}">
+                <a16:creationId xmlns:a16="http://schemas.microsoft.com/office/drawing/2014/main" id="{0489DC3F-35A3-8BD7-B860-77F69FABE3DC}"/>
+              </a:ext>
+            </a:extLst>
+          </p:cNvPr>
+          <p:cNvSpPr txBox="1"/>
+          <p:nvPr/>
+        </p:nvSpPr>
+        <p:spPr>
+          <a:xfrm>
+            <a:off x="5709852" y="6084074"/>
+            <a:ext cx="1173719" cy="369332"/>
+          </a:xfrm>
+          <a:prstGeom prst="rect">
+            <a:avLst/>
+          </a:prstGeom>
+          <a:noFill/>
+        </p:spPr>
+        <p:txBody>
+          <a:bodyPr wrap="none" rtlCol="0">
+            <a:spAutoFit/>
+          </a:bodyPr>
+          <a:lstStyle/>
+          <a:p>
+            <a:r>
+              <a:rPr lang="en-US" altLang="ko-KR" dirty="0"/>
+              <a:t>8,888,888</a:t>
+            </a:r>
+            <a:endParaRPr lang="ko-KR" altLang="en-US" dirty="0"/>
+          </a:p>
+        </p:txBody>
+      </p:sp>
+      <p:cxnSp>
+        <p:nvCxnSpPr>
+          <p:cNvPr id="77" name="직선 연결선 76">
+            <a:extLst>
+              <a:ext uri="{FF2B5EF4-FFF2-40B4-BE49-F238E27FC236}">
+                <a16:creationId xmlns:a16="http://schemas.microsoft.com/office/drawing/2014/main" id="{465B8B14-4910-22B5-225D-63B3AAC1B258}"/>
+              </a:ext>
+            </a:extLst>
+          </p:cNvPr>
+          <p:cNvCxnSpPr>
+            <a:cxnSpLocks/>
+          </p:cNvCxnSpPr>
+          <p:nvPr/>
+        </p:nvCxnSpPr>
+        <p:spPr>
+          <a:xfrm>
+            <a:off x="5709852" y="6453406"/>
+            <a:ext cx="1161241" cy="0"/>
+          </a:xfrm>
+          <a:prstGeom prst="line">
+            <a:avLst/>
+          </a:prstGeom>
+          <a:ln>
+            <a:solidFill>
+              <a:schemeClr val="tx1">
+                <a:lumMod val="65000"/>
+                <a:lumOff val="35000"/>
+              </a:schemeClr>
+            </a:solidFill>
+          </a:ln>
+        </p:spPr>
+        <p:style>
+          <a:lnRef idx="2">
+            <a:schemeClr val="accent1"/>
+          </a:lnRef>
+          <a:fillRef idx="0">
+            <a:schemeClr val="accent1"/>
+          </a:fillRef>
+          <a:effectRef idx="1">
+            <a:schemeClr val="accent1"/>
+          </a:effectRef>
+          <a:fontRef idx="minor">
+            <a:schemeClr val="tx1"/>
+          </a:fontRef>
+        </p:style>
+      </p:cxnSp>
     </p:spTree>
     <p:extLst>
       <p:ext uri="{BB962C8B-B14F-4D97-AF65-F5344CB8AC3E}">
